--- a/Documentation/Master's Defense Presentation.pptx
+++ b/Documentation/Master's Defense Presentation.pptx
@@ -30,6 +30,8 @@
     <p:sldId id="266" r:id="rId24"/>
     <p:sldId id="267" r:id="rId25"/>
     <p:sldId id="268" r:id="rId26"/>
+    <p:sldId id="299" r:id="rId27"/>
+    <p:sldId id="300" r:id="rId28"/>
   </p:sldIdLst>
   <p:sldSz cx="12192000" cy="6858000"/>
   <p:notesSz cx="6858000" cy="9144000"/>
@@ -1028,11 +1030,7 @@
         <a:p>
           <a:r>
             <a:rPr lang="en-US" dirty="0" smtClean="0"/>
-            <a:t>Introduction</a:t>
-          </a:r>
-          <a:r>
-            <a:rPr lang="en-US" dirty="0" smtClean="0"/>
-            <a:t>: SWE Origin</a:t>
+            <a:t>Introduction: SWE Origin</a:t>
           </a:r>
           <a:endParaRPr lang="en-US" dirty="0"/>
         </a:p>
@@ -1541,6 +1539,43 @@
         </a:p>
       </dgm:t>
     </dgm:pt>
+    <dgm:pt modelId="{71DD9690-EB87-40FC-A416-F018365D602B}">
+      <dgm:prSet phldrT="[Text]"/>
+      <dgm:spPr/>
+      <dgm:t>
+        <a:bodyPr/>
+        <a:lstStyle/>
+        <a:p>
+          <a:r>
+            <a:rPr lang="en-US" dirty="0" smtClean="0"/>
+            <a:t>SWE-OAWP: Privacy</a:t>
+          </a:r>
+          <a:endParaRPr lang="en-US" dirty="0"/>
+        </a:p>
+      </dgm:t>
+    </dgm:pt>
+    <dgm:pt modelId="{57203671-8C87-4F53-B0E5-9D4F42BC76A2}" type="parTrans" cxnId="{B7A4E3D1-4890-40C6-A779-6CCB44F74B35}">
+      <dgm:prSet/>
+      <dgm:spPr/>
+      <dgm:t>
+        <a:bodyPr/>
+        <a:lstStyle/>
+        <a:p>
+          <a:endParaRPr lang="en-US"/>
+        </a:p>
+      </dgm:t>
+    </dgm:pt>
+    <dgm:pt modelId="{28FD3D8D-53C3-4EF4-95A2-2A57C21C1A3F}" type="sibTrans" cxnId="{B7A4E3D1-4890-40C6-A779-6CCB44F74B35}">
+      <dgm:prSet/>
+      <dgm:spPr/>
+      <dgm:t>
+        <a:bodyPr/>
+        <a:lstStyle/>
+        <a:p>
+          <a:endParaRPr lang="en-US"/>
+        </a:p>
+      </dgm:t>
+    </dgm:pt>
     <dgm:pt modelId="{4CA36187-7758-486A-AA25-6895D8A789A8}" type="pres">
       <dgm:prSet presAssocID="{AB5B1C37-69DE-41ED-8A9B-F226F0E40600}" presName="diagram" presStyleCnt="0">
         <dgm:presLayoutVars>
@@ -1558,7 +1593,7 @@
       </dgm:t>
     </dgm:pt>
     <dgm:pt modelId="{63CE118F-9142-4CC8-AAC8-BF3CB8BB02CD}" type="pres">
-      <dgm:prSet presAssocID="{2E1B39A7-7A14-4B94-9DCE-E56F3069CA33}" presName="node" presStyleLbl="node1" presStyleIdx="0" presStyleCnt="14">
+      <dgm:prSet presAssocID="{2E1B39A7-7A14-4B94-9DCE-E56F3069CA33}" presName="node" presStyleLbl="node1" presStyleIdx="0" presStyleCnt="15">
         <dgm:presLayoutVars>
           <dgm:bulletEnabled val="1"/>
         </dgm:presLayoutVars>
@@ -1573,7 +1608,7 @@
       </dgm:t>
     </dgm:pt>
     <dgm:pt modelId="{48924F06-028A-4E81-AB80-E867528E89A0}" type="pres">
-      <dgm:prSet presAssocID="{14E310AA-8F76-48CD-96C0-9EB186EB1FB1}" presName="sibTrans" presStyleLbl="sibTrans2D1" presStyleIdx="0" presStyleCnt="13"/>
+      <dgm:prSet presAssocID="{14E310AA-8F76-48CD-96C0-9EB186EB1FB1}" presName="sibTrans" presStyleLbl="sibTrans2D1" presStyleIdx="0" presStyleCnt="14"/>
       <dgm:spPr/>
       <dgm:t>
         <a:bodyPr/>
@@ -1584,7 +1619,7 @@
       </dgm:t>
     </dgm:pt>
     <dgm:pt modelId="{02513033-D44E-4E72-9EBB-9E9134EB9B47}" type="pres">
-      <dgm:prSet presAssocID="{14E310AA-8F76-48CD-96C0-9EB186EB1FB1}" presName="connectorText" presStyleLbl="sibTrans2D1" presStyleIdx="0" presStyleCnt="13"/>
+      <dgm:prSet presAssocID="{14E310AA-8F76-48CD-96C0-9EB186EB1FB1}" presName="connectorText" presStyleLbl="sibTrans2D1" presStyleIdx="0" presStyleCnt="14"/>
       <dgm:spPr/>
       <dgm:t>
         <a:bodyPr/>
@@ -1595,7 +1630,7 @@
       </dgm:t>
     </dgm:pt>
     <dgm:pt modelId="{3A4BC97F-37CA-4829-A88A-369F4D7D16BF}" type="pres">
-      <dgm:prSet presAssocID="{390E121F-98EC-4DD7-A7CF-E204B39DF167}" presName="node" presStyleLbl="node1" presStyleIdx="1" presStyleCnt="14">
+      <dgm:prSet presAssocID="{390E121F-98EC-4DD7-A7CF-E204B39DF167}" presName="node" presStyleLbl="node1" presStyleIdx="1" presStyleCnt="15">
         <dgm:presLayoutVars>
           <dgm:bulletEnabled val="1"/>
         </dgm:presLayoutVars>
@@ -1610,7 +1645,7 @@
       </dgm:t>
     </dgm:pt>
     <dgm:pt modelId="{4115D3B3-E953-4869-93FF-DAB29CF1771B}" type="pres">
-      <dgm:prSet presAssocID="{CCD5B1D0-A826-41E0-9AD5-607A821984AB}" presName="sibTrans" presStyleLbl="sibTrans2D1" presStyleIdx="1" presStyleCnt="13"/>
+      <dgm:prSet presAssocID="{CCD5B1D0-A826-41E0-9AD5-607A821984AB}" presName="sibTrans" presStyleLbl="sibTrans2D1" presStyleIdx="1" presStyleCnt="14"/>
       <dgm:spPr/>
       <dgm:t>
         <a:bodyPr/>
@@ -1621,7 +1656,7 @@
       </dgm:t>
     </dgm:pt>
     <dgm:pt modelId="{25792381-3CD8-43B2-A324-21AC3F06EBBE}" type="pres">
-      <dgm:prSet presAssocID="{CCD5B1D0-A826-41E0-9AD5-607A821984AB}" presName="connectorText" presStyleLbl="sibTrans2D1" presStyleIdx="1" presStyleCnt="13"/>
+      <dgm:prSet presAssocID="{CCD5B1D0-A826-41E0-9AD5-607A821984AB}" presName="connectorText" presStyleLbl="sibTrans2D1" presStyleIdx="1" presStyleCnt="14"/>
       <dgm:spPr/>
       <dgm:t>
         <a:bodyPr/>
@@ -1632,7 +1667,7 @@
       </dgm:t>
     </dgm:pt>
     <dgm:pt modelId="{0FB98FBF-B28F-4B7D-84F4-FEF463FF8EC5}" type="pres">
-      <dgm:prSet presAssocID="{7373010A-702B-4ED8-A41A-4170220F3355}" presName="node" presStyleLbl="node1" presStyleIdx="2" presStyleCnt="14">
+      <dgm:prSet presAssocID="{7373010A-702B-4ED8-A41A-4170220F3355}" presName="node" presStyleLbl="node1" presStyleIdx="2" presStyleCnt="15">
         <dgm:presLayoutVars>
           <dgm:bulletEnabled val="1"/>
         </dgm:presLayoutVars>
@@ -1647,7 +1682,7 @@
       </dgm:t>
     </dgm:pt>
     <dgm:pt modelId="{5876F1DE-B8AB-4E39-9F0D-4116853BF538}" type="pres">
-      <dgm:prSet presAssocID="{071759C0-0041-429E-89C5-A79164BBE149}" presName="sibTrans" presStyleLbl="sibTrans2D1" presStyleIdx="2" presStyleCnt="13"/>
+      <dgm:prSet presAssocID="{071759C0-0041-429E-89C5-A79164BBE149}" presName="sibTrans" presStyleLbl="sibTrans2D1" presStyleIdx="2" presStyleCnt="14"/>
       <dgm:spPr/>
       <dgm:t>
         <a:bodyPr/>
@@ -1658,7 +1693,7 @@
       </dgm:t>
     </dgm:pt>
     <dgm:pt modelId="{87256524-84DC-4D47-9CFE-2D58B2B2FF77}" type="pres">
-      <dgm:prSet presAssocID="{071759C0-0041-429E-89C5-A79164BBE149}" presName="connectorText" presStyleLbl="sibTrans2D1" presStyleIdx="2" presStyleCnt="13"/>
+      <dgm:prSet presAssocID="{071759C0-0041-429E-89C5-A79164BBE149}" presName="connectorText" presStyleLbl="sibTrans2D1" presStyleIdx="2" presStyleCnt="14"/>
       <dgm:spPr/>
       <dgm:t>
         <a:bodyPr/>
@@ -1669,7 +1704,7 @@
       </dgm:t>
     </dgm:pt>
     <dgm:pt modelId="{F41D2CE0-03DE-43A6-AD41-BEF2A391E549}" type="pres">
-      <dgm:prSet presAssocID="{C7939CE4-04E2-455F-846A-B2A915CF6B49}" presName="node" presStyleLbl="node1" presStyleIdx="3" presStyleCnt="14">
+      <dgm:prSet presAssocID="{C7939CE4-04E2-455F-846A-B2A915CF6B49}" presName="node" presStyleLbl="node1" presStyleIdx="3" presStyleCnt="15">
         <dgm:presLayoutVars>
           <dgm:bulletEnabled val="1"/>
         </dgm:presLayoutVars>
@@ -1684,7 +1719,7 @@
       </dgm:t>
     </dgm:pt>
     <dgm:pt modelId="{787283D2-DC31-4C5F-933D-F24E8169EDC8}" type="pres">
-      <dgm:prSet presAssocID="{EEEF94BF-32B3-48BF-A8AA-CCEE67E25A97}" presName="sibTrans" presStyleLbl="sibTrans2D1" presStyleIdx="3" presStyleCnt="13"/>
+      <dgm:prSet presAssocID="{EEEF94BF-32B3-48BF-A8AA-CCEE67E25A97}" presName="sibTrans" presStyleLbl="sibTrans2D1" presStyleIdx="3" presStyleCnt="14"/>
       <dgm:spPr/>
       <dgm:t>
         <a:bodyPr/>
@@ -1695,7 +1730,7 @@
       </dgm:t>
     </dgm:pt>
     <dgm:pt modelId="{B72D9CCA-F1B3-4459-8EFB-A205B659F308}" type="pres">
-      <dgm:prSet presAssocID="{EEEF94BF-32B3-48BF-A8AA-CCEE67E25A97}" presName="connectorText" presStyleLbl="sibTrans2D1" presStyleIdx="3" presStyleCnt="13"/>
+      <dgm:prSet presAssocID="{EEEF94BF-32B3-48BF-A8AA-CCEE67E25A97}" presName="connectorText" presStyleLbl="sibTrans2D1" presStyleIdx="3" presStyleCnt="14"/>
       <dgm:spPr/>
       <dgm:t>
         <a:bodyPr/>
@@ -1706,7 +1741,7 @@
       </dgm:t>
     </dgm:pt>
     <dgm:pt modelId="{B45BBCF7-2388-436D-9A2D-2D562E223D1B}" type="pres">
-      <dgm:prSet presAssocID="{DE2E1830-BAC7-46A3-BE6B-63135A1DBDDF}" presName="node" presStyleLbl="node1" presStyleIdx="4" presStyleCnt="14">
+      <dgm:prSet presAssocID="{DE2E1830-BAC7-46A3-BE6B-63135A1DBDDF}" presName="node" presStyleLbl="node1" presStyleIdx="4" presStyleCnt="15">
         <dgm:presLayoutVars>
           <dgm:bulletEnabled val="1"/>
         </dgm:presLayoutVars>
@@ -1721,7 +1756,7 @@
       </dgm:t>
     </dgm:pt>
     <dgm:pt modelId="{DEC679EB-2799-46C1-90F2-EE5825B68383}" type="pres">
-      <dgm:prSet presAssocID="{6764B805-BB93-4A4E-9E36-48819848DCB0}" presName="sibTrans" presStyleLbl="sibTrans2D1" presStyleIdx="4" presStyleCnt="13"/>
+      <dgm:prSet presAssocID="{6764B805-BB93-4A4E-9E36-48819848DCB0}" presName="sibTrans" presStyleLbl="sibTrans2D1" presStyleIdx="4" presStyleCnt="14"/>
       <dgm:spPr/>
       <dgm:t>
         <a:bodyPr/>
@@ -1732,7 +1767,7 @@
       </dgm:t>
     </dgm:pt>
     <dgm:pt modelId="{85696C33-182C-4BA9-B71C-D0E96E170F50}" type="pres">
-      <dgm:prSet presAssocID="{6764B805-BB93-4A4E-9E36-48819848DCB0}" presName="connectorText" presStyleLbl="sibTrans2D1" presStyleIdx="4" presStyleCnt="13"/>
+      <dgm:prSet presAssocID="{6764B805-BB93-4A4E-9E36-48819848DCB0}" presName="connectorText" presStyleLbl="sibTrans2D1" presStyleIdx="4" presStyleCnt="14"/>
       <dgm:spPr/>
       <dgm:t>
         <a:bodyPr/>
@@ -1743,7 +1778,7 @@
       </dgm:t>
     </dgm:pt>
     <dgm:pt modelId="{940586C3-78CD-4EDF-931D-F74DE1C37342}" type="pres">
-      <dgm:prSet presAssocID="{3CCC27BF-F970-40AE-942A-88CE6EEAFEAB}" presName="node" presStyleLbl="node1" presStyleIdx="5" presStyleCnt="14">
+      <dgm:prSet presAssocID="{3CCC27BF-F970-40AE-942A-88CE6EEAFEAB}" presName="node" presStyleLbl="node1" presStyleIdx="5" presStyleCnt="15">
         <dgm:presLayoutVars>
           <dgm:bulletEnabled val="1"/>
         </dgm:presLayoutVars>
@@ -1758,7 +1793,7 @@
       </dgm:t>
     </dgm:pt>
     <dgm:pt modelId="{6301015F-424B-4CC0-91B1-756CF871A347}" type="pres">
-      <dgm:prSet presAssocID="{BED52646-BA1A-45D7-8AF7-482098E64C8B}" presName="sibTrans" presStyleLbl="sibTrans2D1" presStyleIdx="5" presStyleCnt="13"/>
+      <dgm:prSet presAssocID="{BED52646-BA1A-45D7-8AF7-482098E64C8B}" presName="sibTrans" presStyleLbl="sibTrans2D1" presStyleIdx="5" presStyleCnt="14"/>
       <dgm:spPr/>
       <dgm:t>
         <a:bodyPr/>
@@ -1769,7 +1804,7 @@
       </dgm:t>
     </dgm:pt>
     <dgm:pt modelId="{2F72D3D0-86E0-4B4C-97CF-39DE424A39FD}" type="pres">
-      <dgm:prSet presAssocID="{BED52646-BA1A-45D7-8AF7-482098E64C8B}" presName="connectorText" presStyleLbl="sibTrans2D1" presStyleIdx="5" presStyleCnt="13"/>
+      <dgm:prSet presAssocID="{BED52646-BA1A-45D7-8AF7-482098E64C8B}" presName="connectorText" presStyleLbl="sibTrans2D1" presStyleIdx="5" presStyleCnt="14"/>
       <dgm:spPr/>
       <dgm:t>
         <a:bodyPr/>
@@ -1780,7 +1815,7 @@
       </dgm:t>
     </dgm:pt>
     <dgm:pt modelId="{8DAED0D4-D883-489B-A93F-A42FBCBEB15C}" type="pres">
-      <dgm:prSet presAssocID="{1408972C-04E1-4A15-8279-875DF3E2F9EA}" presName="node" presStyleLbl="node1" presStyleIdx="6" presStyleCnt="14">
+      <dgm:prSet presAssocID="{1408972C-04E1-4A15-8279-875DF3E2F9EA}" presName="node" presStyleLbl="node1" presStyleIdx="6" presStyleCnt="15">
         <dgm:presLayoutVars>
           <dgm:bulletEnabled val="1"/>
         </dgm:presLayoutVars>
@@ -1795,7 +1830,7 @@
       </dgm:t>
     </dgm:pt>
     <dgm:pt modelId="{6EEDDD97-4856-450C-A7D4-2CD4709F929E}" type="pres">
-      <dgm:prSet presAssocID="{9923F46D-E12B-445C-B32C-C214E112C5E4}" presName="sibTrans" presStyleLbl="sibTrans2D1" presStyleIdx="6" presStyleCnt="13"/>
+      <dgm:prSet presAssocID="{9923F46D-E12B-445C-B32C-C214E112C5E4}" presName="sibTrans" presStyleLbl="sibTrans2D1" presStyleIdx="6" presStyleCnt="14"/>
       <dgm:spPr/>
       <dgm:t>
         <a:bodyPr/>
@@ -1806,7 +1841,7 @@
       </dgm:t>
     </dgm:pt>
     <dgm:pt modelId="{04D10457-2331-42F3-BB04-650E3421CF20}" type="pres">
-      <dgm:prSet presAssocID="{9923F46D-E12B-445C-B32C-C214E112C5E4}" presName="connectorText" presStyleLbl="sibTrans2D1" presStyleIdx="6" presStyleCnt="13"/>
+      <dgm:prSet presAssocID="{9923F46D-E12B-445C-B32C-C214E112C5E4}" presName="connectorText" presStyleLbl="sibTrans2D1" presStyleIdx="6" presStyleCnt="14"/>
       <dgm:spPr/>
       <dgm:t>
         <a:bodyPr/>
@@ -1817,7 +1852,7 @@
       </dgm:t>
     </dgm:pt>
     <dgm:pt modelId="{C6629E15-758C-41B8-82B8-42C5A8C7074B}" type="pres">
-      <dgm:prSet presAssocID="{2AF5C438-245E-468B-8C55-D71527F902D1}" presName="node" presStyleLbl="node1" presStyleIdx="7" presStyleCnt="14">
+      <dgm:prSet presAssocID="{2AF5C438-245E-468B-8C55-D71527F902D1}" presName="node" presStyleLbl="node1" presStyleIdx="7" presStyleCnt="15">
         <dgm:presLayoutVars>
           <dgm:bulletEnabled val="1"/>
         </dgm:presLayoutVars>
@@ -1832,7 +1867,7 @@
       </dgm:t>
     </dgm:pt>
     <dgm:pt modelId="{86651481-FF04-44BD-A562-EDE89FD7BA2F}" type="pres">
-      <dgm:prSet presAssocID="{352B0E50-7923-494C-9E9B-4162FDCFCAFA}" presName="sibTrans" presStyleLbl="sibTrans2D1" presStyleIdx="7" presStyleCnt="13"/>
+      <dgm:prSet presAssocID="{352B0E50-7923-494C-9E9B-4162FDCFCAFA}" presName="sibTrans" presStyleLbl="sibTrans2D1" presStyleIdx="7" presStyleCnt="14"/>
       <dgm:spPr/>
       <dgm:t>
         <a:bodyPr/>
@@ -1843,7 +1878,7 @@
       </dgm:t>
     </dgm:pt>
     <dgm:pt modelId="{0E1A1D26-DE18-4F29-BA1E-707C06178643}" type="pres">
-      <dgm:prSet presAssocID="{352B0E50-7923-494C-9E9B-4162FDCFCAFA}" presName="connectorText" presStyleLbl="sibTrans2D1" presStyleIdx="7" presStyleCnt="13"/>
+      <dgm:prSet presAssocID="{352B0E50-7923-494C-9E9B-4162FDCFCAFA}" presName="connectorText" presStyleLbl="sibTrans2D1" presStyleIdx="7" presStyleCnt="14"/>
       <dgm:spPr/>
       <dgm:t>
         <a:bodyPr/>
@@ -1854,7 +1889,7 @@
       </dgm:t>
     </dgm:pt>
     <dgm:pt modelId="{EC90519D-653C-4218-9A18-B4BEF799A799}" type="pres">
-      <dgm:prSet presAssocID="{76B92935-7BEF-4DCE-9E47-4AEE97CDB5E7}" presName="node" presStyleLbl="node1" presStyleIdx="8" presStyleCnt="14">
+      <dgm:prSet presAssocID="{76B92935-7BEF-4DCE-9E47-4AEE97CDB5E7}" presName="node" presStyleLbl="node1" presStyleIdx="8" presStyleCnt="15">
         <dgm:presLayoutVars>
           <dgm:bulletEnabled val="1"/>
         </dgm:presLayoutVars>
@@ -1869,7 +1904,7 @@
       </dgm:t>
     </dgm:pt>
     <dgm:pt modelId="{1AB638A6-1292-4BC0-845E-8DD832EACDE4}" type="pres">
-      <dgm:prSet presAssocID="{1C851B15-8AD1-41E5-BD14-529ACBC8A332}" presName="sibTrans" presStyleLbl="sibTrans2D1" presStyleIdx="8" presStyleCnt="13"/>
+      <dgm:prSet presAssocID="{1C851B15-8AD1-41E5-BD14-529ACBC8A332}" presName="sibTrans" presStyleLbl="sibTrans2D1" presStyleIdx="8" presStyleCnt="14"/>
       <dgm:spPr/>
       <dgm:t>
         <a:bodyPr/>
@@ -1880,7 +1915,7 @@
       </dgm:t>
     </dgm:pt>
     <dgm:pt modelId="{521FEBEB-0576-4113-8DFF-C4CE25793310}" type="pres">
-      <dgm:prSet presAssocID="{1C851B15-8AD1-41E5-BD14-529ACBC8A332}" presName="connectorText" presStyleLbl="sibTrans2D1" presStyleIdx="8" presStyleCnt="13"/>
+      <dgm:prSet presAssocID="{1C851B15-8AD1-41E5-BD14-529ACBC8A332}" presName="connectorText" presStyleLbl="sibTrans2D1" presStyleIdx="8" presStyleCnt="14"/>
       <dgm:spPr/>
       <dgm:t>
         <a:bodyPr/>
@@ -1891,7 +1926,7 @@
       </dgm:t>
     </dgm:pt>
     <dgm:pt modelId="{5BACB6AB-CAC5-4E01-BE11-BD6799C01AAA}" type="pres">
-      <dgm:prSet presAssocID="{1B463C33-3B52-45E9-8D0F-6A018D5DACAF}" presName="node" presStyleLbl="node1" presStyleIdx="9" presStyleCnt="14">
+      <dgm:prSet presAssocID="{1B463C33-3B52-45E9-8D0F-6A018D5DACAF}" presName="node" presStyleLbl="node1" presStyleIdx="9" presStyleCnt="15">
         <dgm:presLayoutVars>
           <dgm:bulletEnabled val="1"/>
         </dgm:presLayoutVars>
@@ -1906,7 +1941,7 @@
       </dgm:t>
     </dgm:pt>
     <dgm:pt modelId="{89BC5668-20AB-4079-B523-AF9F3BAC5EBB}" type="pres">
-      <dgm:prSet presAssocID="{15685B76-5C96-4BA3-A2C0-FF33676A2042}" presName="sibTrans" presStyleLbl="sibTrans2D1" presStyleIdx="9" presStyleCnt="13"/>
+      <dgm:prSet presAssocID="{15685B76-5C96-4BA3-A2C0-FF33676A2042}" presName="sibTrans" presStyleLbl="sibTrans2D1" presStyleIdx="9" presStyleCnt="14"/>
       <dgm:spPr/>
       <dgm:t>
         <a:bodyPr/>
@@ -1917,7 +1952,7 @@
       </dgm:t>
     </dgm:pt>
     <dgm:pt modelId="{7F4525BD-C615-4E1A-A87B-65B97A26F2F7}" type="pres">
-      <dgm:prSet presAssocID="{15685B76-5C96-4BA3-A2C0-FF33676A2042}" presName="connectorText" presStyleLbl="sibTrans2D1" presStyleIdx="9" presStyleCnt="13"/>
+      <dgm:prSet presAssocID="{15685B76-5C96-4BA3-A2C0-FF33676A2042}" presName="connectorText" presStyleLbl="sibTrans2D1" presStyleIdx="9" presStyleCnt="14"/>
       <dgm:spPr/>
       <dgm:t>
         <a:bodyPr/>
@@ -1928,7 +1963,7 @@
       </dgm:t>
     </dgm:pt>
     <dgm:pt modelId="{FF31987F-28DF-4C28-B287-28C25572ABE9}" type="pres">
-      <dgm:prSet presAssocID="{5D6FB9D1-63E2-4A38-ACE1-8B1F56541250}" presName="node" presStyleLbl="node1" presStyleIdx="10" presStyleCnt="14">
+      <dgm:prSet presAssocID="{5D6FB9D1-63E2-4A38-ACE1-8B1F56541250}" presName="node" presStyleLbl="node1" presStyleIdx="10" presStyleCnt="15">
         <dgm:presLayoutVars>
           <dgm:bulletEnabled val="1"/>
         </dgm:presLayoutVars>
@@ -1943,7 +1978,7 @@
       </dgm:t>
     </dgm:pt>
     <dgm:pt modelId="{53F21E50-3FE7-44CF-8ADB-18482AFA795B}" type="pres">
-      <dgm:prSet presAssocID="{EA9AA948-534B-4DD9-B4FB-0D690DBEDF07}" presName="sibTrans" presStyleLbl="sibTrans2D1" presStyleIdx="10" presStyleCnt="13"/>
+      <dgm:prSet presAssocID="{EA9AA948-534B-4DD9-B4FB-0D690DBEDF07}" presName="sibTrans" presStyleLbl="sibTrans2D1" presStyleIdx="10" presStyleCnt="14"/>
       <dgm:spPr/>
       <dgm:t>
         <a:bodyPr/>
@@ -1954,7 +1989,7 @@
       </dgm:t>
     </dgm:pt>
     <dgm:pt modelId="{509032F7-9C60-4D06-A8CD-C328EA9F6465}" type="pres">
-      <dgm:prSet presAssocID="{EA9AA948-534B-4DD9-B4FB-0D690DBEDF07}" presName="connectorText" presStyleLbl="sibTrans2D1" presStyleIdx="10" presStyleCnt="13"/>
+      <dgm:prSet presAssocID="{EA9AA948-534B-4DD9-B4FB-0D690DBEDF07}" presName="connectorText" presStyleLbl="sibTrans2D1" presStyleIdx="10" presStyleCnt="14"/>
       <dgm:spPr/>
       <dgm:t>
         <a:bodyPr/>
@@ -1965,7 +2000,7 @@
       </dgm:t>
     </dgm:pt>
     <dgm:pt modelId="{EC4DBE40-1F90-4072-823A-1E09E26F5F8B}" type="pres">
-      <dgm:prSet presAssocID="{E8C537CA-CFAC-4465-BE6C-BF55267124AA}" presName="node" presStyleLbl="node1" presStyleIdx="11" presStyleCnt="14">
+      <dgm:prSet presAssocID="{E8C537CA-CFAC-4465-BE6C-BF55267124AA}" presName="node" presStyleLbl="node1" presStyleIdx="11" presStyleCnt="15">
         <dgm:presLayoutVars>
           <dgm:bulletEnabled val="1"/>
         </dgm:presLayoutVars>
@@ -1980,7 +2015,7 @@
       </dgm:t>
     </dgm:pt>
     <dgm:pt modelId="{245CB016-E536-4099-BD43-ED1A0E2850EC}" type="pres">
-      <dgm:prSet presAssocID="{D47F2193-145F-4655-8B1E-AB8E947820D9}" presName="sibTrans" presStyleLbl="sibTrans2D1" presStyleIdx="11" presStyleCnt="13"/>
+      <dgm:prSet presAssocID="{D47F2193-145F-4655-8B1E-AB8E947820D9}" presName="sibTrans" presStyleLbl="sibTrans2D1" presStyleIdx="11" presStyleCnt="14"/>
       <dgm:spPr/>
       <dgm:t>
         <a:bodyPr/>
@@ -1991,7 +2026,7 @@
       </dgm:t>
     </dgm:pt>
     <dgm:pt modelId="{A3BABC93-7449-40CB-973A-0BA3809A8F0F}" type="pres">
-      <dgm:prSet presAssocID="{D47F2193-145F-4655-8B1E-AB8E947820D9}" presName="connectorText" presStyleLbl="sibTrans2D1" presStyleIdx="11" presStyleCnt="13"/>
+      <dgm:prSet presAssocID="{D47F2193-145F-4655-8B1E-AB8E947820D9}" presName="connectorText" presStyleLbl="sibTrans2D1" presStyleIdx="11" presStyleCnt="14"/>
       <dgm:spPr/>
       <dgm:t>
         <a:bodyPr/>
@@ -2001,8 +2036,31 @@
         </a:p>
       </dgm:t>
     </dgm:pt>
+    <dgm:pt modelId="{5DD1498A-C3D8-44BC-9E5C-4527DA1E6703}" type="pres">
+      <dgm:prSet presAssocID="{71DD9690-EB87-40FC-A416-F018365D602B}" presName="node" presStyleLbl="node1" presStyleIdx="12" presStyleCnt="15">
+        <dgm:presLayoutVars>
+          <dgm:bulletEnabled val="1"/>
+        </dgm:presLayoutVars>
+      </dgm:prSet>
+      <dgm:spPr/>
+      <dgm:t>
+        <a:bodyPr/>
+        <a:lstStyle/>
+        <a:p>
+          <a:endParaRPr lang="en-US"/>
+        </a:p>
+      </dgm:t>
+    </dgm:pt>
+    <dgm:pt modelId="{A1846374-733E-4755-94E6-8D6AA7C26CCB}" type="pres">
+      <dgm:prSet presAssocID="{28FD3D8D-53C3-4EF4-95A2-2A57C21C1A3F}" presName="sibTrans" presStyleLbl="sibTrans2D1" presStyleIdx="12" presStyleCnt="14"/>
+      <dgm:spPr/>
+    </dgm:pt>
+    <dgm:pt modelId="{D0037001-12A3-4C9F-A599-1B3BF6E2C905}" type="pres">
+      <dgm:prSet presAssocID="{28FD3D8D-53C3-4EF4-95A2-2A57C21C1A3F}" presName="connectorText" presStyleLbl="sibTrans2D1" presStyleIdx="12" presStyleCnt="14"/>
+      <dgm:spPr/>
+    </dgm:pt>
     <dgm:pt modelId="{9CE0DD54-39C2-4AAD-9435-83F0E6FD4AB8}" type="pres">
-      <dgm:prSet presAssocID="{E48BA875-0344-4EDD-BF7E-F6C5905262D8}" presName="node" presStyleLbl="node1" presStyleIdx="12" presStyleCnt="14">
+      <dgm:prSet presAssocID="{E48BA875-0344-4EDD-BF7E-F6C5905262D8}" presName="node" presStyleLbl="node1" presStyleIdx="13" presStyleCnt="15">
         <dgm:presLayoutVars>
           <dgm:bulletEnabled val="1"/>
         </dgm:presLayoutVars>
@@ -2017,7 +2075,7 @@
       </dgm:t>
     </dgm:pt>
     <dgm:pt modelId="{032CB8CC-BF05-4C8C-B46F-A36B41146929}" type="pres">
-      <dgm:prSet presAssocID="{5A96196B-E027-42C0-8BDA-08DE5C49A975}" presName="sibTrans" presStyleLbl="sibTrans2D1" presStyleIdx="12" presStyleCnt="13"/>
+      <dgm:prSet presAssocID="{5A96196B-E027-42C0-8BDA-08DE5C49A975}" presName="sibTrans" presStyleLbl="sibTrans2D1" presStyleIdx="13" presStyleCnt="14"/>
       <dgm:spPr/>
       <dgm:t>
         <a:bodyPr/>
@@ -2028,7 +2086,7 @@
       </dgm:t>
     </dgm:pt>
     <dgm:pt modelId="{BFACEDEF-157A-4DA6-AF44-659CBD5454A8}" type="pres">
-      <dgm:prSet presAssocID="{5A96196B-E027-42C0-8BDA-08DE5C49A975}" presName="connectorText" presStyleLbl="sibTrans2D1" presStyleIdx="12" presStyleCnt="13"/>
+      <dgm:prSet presAssocID="{5A96196B-E027-42C0-8BDA-08DE5C49A975}" presName="connectorText" presStyleLbl="sibTrans2D1" presStyleIdx="13" presStyleCnt="14"/>
       <dgm:spPr/>
       <dgm:t>
         <a:bodyPr/>
@@ -2039,7 +2097,7 @@
       </dgm:t>
     </dgm:pt>
     <dgm:pt modelId="{E74057B0-E55D-49A5-8F06-CF9D2C33D4FF}" type="pres">
-      <dgm:prSet presAssocID="{F6DD4A35-8E76-4698-B085-F23C810B4599}" presName="node" presStyleLbl="node1" presStyleIdx="13" presStyleCnt="14">
+      <dgm:prSet presAssocID="{F6DD4A35-8E76-4698-B085-F23C810B4599}" presName="node" presStyleLbl="node1" presStyleIdx="14" presStyleCnt="15">
         <dgm:presLayoutVars>
           <dgm:bulletEnabled val="1"/>
         </dgm:presLayoutVars>
@@ -2055,61 +2113,65 @@
     </dgm:pt>
   </dgm:ptLst>
   <dgm:cxnLst>
+    <dgm:cxn modelId="{10D7D58E-D6FE-402D-AD92-943672A1706C}" type="presOf" srcId="{F6DD4A35-8E76-4698-B085-F23C810B4599}" destId="{E74057B0-E55D-49A5-8F06-CF9D2C33D4FF}" srcOrd="0" destOrd="0" presId="urn:microsoft.com/office/officeart/2005/8/layout/process5"/>
+    <dgm:cxn modelId="{048843D2-EB1A-44AF-A01A-389BB5FB2B53}" srcId="{AB5B1C37-69DE-41ED-8A9B-F226F0E40600}" destId="{E48BA875-0344-4EDD-BF7E-F6C5905262D8}" srcOrd="13" destOrd="0" parTransId="{838ADA12-00E2-4558-BA85-0AEDBC51CBB1}" sibTransId="{5A96196B-E027-42C0-8BDA-08DE5C49A975}"/>
+    <dgm:cxn modelId="{B7A4E3D1-4890-40C6-A779-6CCB44F74B35}" srcId="{AB5B1C37-69DE-41ED-8A9B-F226F0E40600}" destId="{71DD9690-EB87-40FC-A416-F018365D602B}" srcOrd="12" destOrd="0" parTransId="{57203671-8C87-4F53-B0E5-9D4F42BC76A2}" sibTransId="{28FD3D8D-53C3-4EF4-95A2-2A57C21C1A3F}"/>
+    <dgm:cxn modelId="{D35CFE5B-0132-44F1-B9DF-188CFCEBAAA5}" type="presOf" srcId="{6764B805-BB93-4A4E-9E36-48819848DCB0}" destId="{DEC679EB-2799-46C1-90F2-EE5825B68383}" srcOrd="0" destOrd="0" presId="urn:microsoft.com/office/officeart/2005/8/layout/process5"/>
+    <dgm:cxn modelId="{E5FCDC6F-4E70-42FB-B994-AD396986174D}" type="presOf" srcId="{E8C537CA-CFAC-4465-BE6C-BF55267124AA}" destId="{EC4DBE40-1F90-4072-823A-1E09E26F5F8B}" srcOrd="0" destOrd="0" presId="urn:microsoft.com/office/officeart/2005/8/layout/process5"/>
+    <dgm:cxn modelId="{F74B70DC-251B-42D3-8588-55EFFCBE41AA}" type="presOf" srcId="{28FD3D8D-53C3-4EF4-95A2-2A57C21C1A3F}" destId="{A1846374-733E-4755-94E6-8D6AA7C26CCB}" srcOrd="0" destOrd="0" presId="urn:microsoft.com/office/officeart/2005/8/layout/process5"/>
+    <dgm:cxn modelId="{3D96E658-AA3C-4922-80EE-6792DC6D9328}" type="presOf" srcId="{EA9AA948-534B-4DD9-B4FB-0D690DBEDF07}" destId="{53F21E50-3FE7-44CF-8ADB-18482AFA795B}" srcOrd="0" destOrd="0" presId="urn:microsoft.com/office/officeart/2005/8/layout/process5"/>
+    <dgm:cxn modelId="{9324AF9B-C997-4486-9C0B-C44E22F1CA53}" type="presOf" srcId="{BED52646-BA1A-45D7-8AF7-482098E64C8B}" destId="{2F72D3D0-86E0-4B4C-97CF-39DE424A39FD}" srcOrd="1" destOrd="0" presId="urn:microsoft.com/office/officeart/2005/8/layout/process5"/>
+    <dgm:cxn modelId="{B5F836D2-E09A-42DF-9E8E-4A06BA6AD09D}" srcId="{AB5B1C37-69DE-41ED-8A9B-F226F0E40600}" destId="{E8C537CA-CFAC-4465-BE6C-BF55267124AA}" srcOrd="11" destOrd="0" parTransId="{595861BC-99CD-46EC-9818-D9DF9E99E051}" sibTransId="{D47F2193-145F-4655-8B1E-AB8E947820D9}"/>
+    <dgm:cxn modelId="{4FBDCE62-3C93-4C33-9240-D6F71265471D}" type="presOf" srcId="{15685B76-5C96-4BA3-A2C0-FF33676A2042}" destId="{89BC5668-20AB-4079-B523-AF9F3BAC5EBB}" srcOrd="0" destOrd="0" presId="urn:microsoft.com/office/officeart/2005/8/layout/process5"/>
+    <dgm:cxn modelId="{608C5302-256E-4987-A27D-7BEA863DFAFC}" type="presOf" srcId="{D47F2193-145F-4655-8B1E-AB8E947820D9}" destId="{A3BABC93-7449-40CB-973A-0BA3809A8F0F}" srcOrd="1" destOrd="0" presId="urn:microsoft.com/office/officeart/2005/8/layout/process5"/>
+    <dgm:cxn modelId="{CC2D6A51-FA87-4F86-864A-A1F345DB6046}" type="presOf" srcId="{2AF5C438-245E-468B-8C55-D71527F902D1}" destId="{C6629E15-758C-41B8-82B8-42C5A8C7074B}" srcOrd="0" destOrd="0" presId="urn:microsoft.com/office/officeart/2005/8/layout/process5"/>
     <dgm:cxn modelId="{87A797EC-99CC-4429-A7A3-4F0B1F288D0C}" srcId="{AB5B1C37-69DE-41ED-8A9B-F226F0E40600}" destId="{C7939CE4-04E2-455F-846A-B2A915CF6B49}" srcOrd="3" destOrd="0" parTransId="{5EE040DF-7537-4341-836F-A5F63DA2F0BA}" sibTransId="{EEEF94BF-32B3-48BF-A8AA-CCEE67E25A97}"/>
+    <dgm:cxn modelId="{B01FD0DE-BB83-44B4-B3E1-867EE865B019}" type="presOf" srcId="{5A96196B-E027-42C0-8BDA-08DE5C49A975}" destId="{BFACEDEF-157A-4DA6-AF44-659CBD5454A8}" srcOrd="1" destOrd="0" presId="urn:microsoft.com/office/officeart/2005/8/layout/process5"/>
+    <dgm:cxn modelId="{53A75BEF-F4FE-449F-BC15-CE987C3823D5}" type="presOf" srcId="{5A96196B-E027-42C0-8BDA-08DE5C49A975}" destId="{032CB8CC-BF05-4C8C-B46F-A36B41146929}" srcOrd="0" destOrd="0" presId="urn:microsoft.com/office/officeart/2005/8/layout/process5"/>
+    <dgm:cxn modelId="{5B1297C2-70ED-4048-B713-44DE9353FE24}" srcId="{AB5B1C37-69DE-41ED-8A9B-F226F0E40600}" destId="{F6DD4A35-8E76-4698-B085-F23C810B4599}" srcOrd="14" destOrd="0" parTransId="{4054B2FE-B2BE-48C9-97BC-07DF4BB30EF5}" sibTransId="{8CED0282-1E52-41F9-9391-A9F7A10C6673}"/>
+    <dgm:cxn modelId="{4349DF4B-E811-4CB4-8F66-9A2C260D3635}" type="presOf" srcId="{DE2E1830-BAC7-46A3-BE6B-63135A1DBDDF}" destId="{B45BBCF7-2388-436D-9A2D-2D562E223D1B}" srcOrd="0" destOrd="0" presId="urn:microsoft.com/office/officeart/2005/8/layout/process5"/>
+    <dgm:cxn modelId="{D24DF3E5-DBC5-466D-995E-F39FC29A01DA}" type="presOf" srcId="{5D6FB9D1-63E2-4A38-ACE1-8B1F56541250}" destId="{FF31987F-28DF-4C28-B287-28C25572ABE9}" srcOrd="0" destOrd="0" presId="urn:microsoft.com/office/officeart/2005/8/layout/process5"/>
+    <dgm:cxn modelId="{D6698D67-E00A-4F7E-AC2E-6220D04DDA62}" type="presOf" srcId="{1B463C33-3B52-45E9-8D0F-6A018D5DACAF}" destId="{5BACB6AB-CAC5-4E01-BE11-BD6799C01AAA}" srcOrd="0" destOrd="0" presId="urn:microsoft.com/office/officeart/2005/8/layout/process5"/>
+    <dgm:cxn modelId="{C9028E68-E51D-44B7-BA1F-521F899A4701}" type="presOf" srcId="{E48BA875-0344-4EDD-BF7E-F6C5905262D8}" destId="{9CE0DD54-39C2-4AAD-9435-83F0E6FD4AB8}" srcOrd="0" destOrd="0" presId="urn:microsoft.com/office/officeart/2005/8/layout/process5"/>
+    <dgm:cxn modelId="{7BEF9E41-1FFD-40B3-AA96-41E9320B0108}" type="presOf" srcId="{D47F2193-145F-4655-8B1E-AB8E947820D9}" destId="{245CB016-E536-4099-BD43-ED1A0E2850EC}" srcOrd="0" destOrd="0" presId="urn:microsoft.com/office/officeart/2005/8/layout/process5"/>
+    <dgm:cxn modelId="{9804AE42-5C82-4F3F-9297-4F132839F5FD}" type="presOf" srcId="{28FD3D8D-53C3-4EF4-95A2-2A57C21C1A3F}" destId="{D0037001-12A3-4C9F-A599-1B3BF6E2C905}" srcOrd="1" destOrd="0" presId="urn:microsoft.com/office/officeart/2005/8/layout/process5"/>
+    <dgm:cxn modelId="{B3BBD231-9803-4585-8B88-4BF7BE26A0C7}" type="presOf" srcId="{9923F46D-E12B-445C-B32C-C214E112C5E4}" destId="{6EEDDD97-4856-450C-A7D4-2CD4709F929E}" srcOrd="0" destOrd="0" presId="urn:microsoft.com/office/officeart/2005/8/layout/process5"/>
+    <dgm:cxn modelId="{84FC90E1-8ECB-4742-AD28-192A509F8728}" srcId="{AB5B1C37-69DE-41ED-8A9B-F226F0E40600}" destId="{1B463C33-3B52-45E9-8D0F-6A018D5DACAF}" srcOrd="9" destOrd="0" parTransId="{7DED3C88-9887-4E3B-A044-2BDB3BAE0BC6}" sibTransId="{15685B76-5C96-4BA3-A2C0-FF33676A2042}"/>
+    <dgm:cxn modelId="{8116A8B5-653E-41ED-8703-E40DE39C27F5}" srcId="{AB5B1C37-69DE-41ED-8A9B-F226F0E40600}" destId="{DE2E1830-BAC7-46A3-BE6B-63135A1DBDDF}" srcOrd="4" destOrd="0" parTransId="{165F65A1-66D2-443C-AFEE-2DBC436532AA}" sibTransId="{6764B805-BB93-4A4E-9E36-48819848DCB0}"/>
+    <dgm:cxn modelId="{EA3D067D-380F-400C-BBC5-6B067D4DD69C}" type="presOf" srcId="{1C851B15-8AD1-41E5-BD14-529ACBC8A332}" destId="{521FEBEB-0576-4113-8DFF-C4CE25793310}" srcOrd="1" destOrd="0" presId="urn:microsoft.com/office/officeart/2005/8/layout/process5"/>
+    <dgm:cxn modelId="{9C11A233-6806-43B9-B13C-1DBB9C8FEBBA}" type="presOf" srcId="{71DD9690-EB87-40FC-A416-F018365D602B}" destId="{5DD1498A-C3D8-44BC-9E5C-4527DA1E6703}" srcOrd="0" destOrd="0" presId="urn:microsoft.com/office/officeart/2005/8/layout/process5"/>
+    <dgm:cxn modelId="{EED3FBA6-7604-4926-AE0C-D9FB036ADAFB}" type="presOf" srcId="{1408972C-04E1-4A15-8279-875DF3E2F9EA}" destId="{8DAED0D4-D883-489B-A93F-A42FBCBEB15C}" srcOrd="0" destOrd="0" presId="urn:microsoft.com/office/officeart/2005/8/layout/process5"/>
+    <dgm:cxn modelId="{CA149870-CAD3-458D-BD3E-73A295E2D210}" type="presOf" srcId="{CCD5B1D0-A826-41E0-9AD5-607A821984AB}" destId="{25792381-3CD8-43B2-A324-21AC3F06EBBE}" srcOrd="1" destOrd="0" presId="urn:microsoft.com/office/officeart/2005/8/layout/process5"/>
+    <dgm:cxn modelId="{6A20F945-5357-4F30-954F-A7FF14F2E7AF}" type="presOf" srcId="{071759C0-0041-429E-89C5-A79164BBE149}" destId="{5876F1DE-B8AB-4E39-9F0D-4116853BF538}" srcOrd="0" destOrd="0" presId="urn:microsoft.com/office/officeart/2005/8/layout/process5"/>
+    <dgm:cxn modelId="{19DFEC85-58C5-44BD-8DE8-1375ECDAB41C}" srcId="{AB5B1C37-69DE-41ED-8A9B-F226F0E40600}" destId="{7373010A-702B-4ED8-A41A-4170220F3355}" srcOrd="2" destOrd="0" parTransId="{FA3E0431-1EED-441C-94FD-11020A93E272}" sibTransId="{071759C0-0041-429E-89C5-A79164BBE149}"/>
+    <dgm:cxn modelId="{D21970DE-3F69-4E03-B1CF-EA3E70661A25}" type="presOf" srcId="{EEEF94BF-32B3-48BF-A8AA-CCEE67E25A97}" destId="{B72D9CCA-F1B3-4459-8EFB-A205B659F308}" srcOrd="1" destOrd="0" presId="urn:microsoft.com/office/officeart/2005/8/layout/process5"/>
+    <dgm:cxn modelId="{2CA35C0D-6891-4F3C-9201-4EBF6583BC20}" srcId="{AB5B1C37-69DE-41ED-8A9B-F226F0E40600}" destId="{76B92935-7BEF-4DCE-9E47-4AEE97CDB5E7}" srcOrd="8" destOrd="0" parTransId="{6DE26138-6629-4718-AF5A-C4319E367D18}" sibTransId="{1C851B15-8AD1-41E5-BD14-529ACBC8A332}"/>
+    <dgm:cxn modelId="{F97CF261-1250-4EFF-9449-41792DCDB7A6}" type="presOf" srcId="{C7939CE4-04E2-455F-846A-B2A915CF6B49}" destId="{F41D2CE0-03DE-43A6-AD41-BEF2A391E549}" srcOrd="0" destOrd="0" presId="urn:microsoft.com/office/officeart/2005/8/layout/process5"/>
+    <dgm:cxn modelId="{6C32182E-5457-4E33-94D9-461C4E344BE6}" type="presOf" srcId="{EEEF94BF-32B3-48BF-A8AA-CCEE67E25A97}" destId="{787283D2-DC31-4C5F-933D-F24E8169EDC8}" srcOrd="0" destOrd="0" presId="urn:microsoft.com/office/officeart/2005/8/layout/process5"/>
+    <dgm:cxn modelId="{C2A8FD5A-5E61-4FCB-B27F-9991939E08A2}" type="presOf" srcId="{76B92935-7BEF-4DCE-9E47-4AEE97CDB5E7}" destId="{EC90519D-653C-4218-9A18-B4BEF799A799}" srcOrd="0" destOrd="0" presId="urn:microsoft.com/office/officeart/2005/8/layout/process5"/>
+    <dgm:cxn modelId="{381A00CD-2E80-48C8-BA66-B813DB760EAB}" srcId="{AB5B1C37-69DE-41ED-8A9B-F226F0E40600}" destId="{1408972C-04E1-4A15-8279-875DF3E2F9EA}" srcOrd="6" destOrd="0" parTransId="{4C1752EB-6485-4C40-83CE-2D0C8D784D8B}" sibTransId="{9923F46D-E12B-445C-B32C-C214E112C5E4}"/>
+    <dgm:cxn modelId="{9EDDEAFD-9221-451D-AFF6-18D7B356FAF9}" type="presOf" srcId="{BED52646-BA1A-45D7-8AF7-482098E64C8B}" destId="{6301015F-424B-4CC0-91B1-756CF871A347}" srcOrd="0" destOrd="0" presId="urn:microsoft.com/office/officeart/2005/8/layout/process5"/>
     <dgm:cxn modelId="{8CE8EA9D-938A-4FCA-ABBF-537E15476141}" type="presOf" srcId="{EA9AA948-534B-4DD9-B4FB-0D690DBEDF07}" destId="{509032F7-9C60-4D06-A8CD-C328EA9F6465}" srcOrd="1" destOrd="0" presId="urn:microsoft.com/office/officeart/2005/8/layout/process5"/>
+    <dgm:cxn modelId="{F1FFA344-B510-4605-9E8E-5C6ABAE52B68}" srcId="{AB5B1C37-69DE-41ED-8A9B-F226F0E40600}" destId="{5D6FB9D1-63E2-4A38-ACE1-8B1F56541250}" srcOrd="10" destOrd="0" parTransId="{6DD42969-541C-4957-9E1B-0FBD8634476C}" sibTransId="{EA9AA948-534B-4DD9-B4FB-0D690DBEDF07}"/>
+    <dgm:cxn modelId="{1811D1A0-3A88-4418-9158-F812BDC091EA}" type="presOf" srcId="{14E310AA-8F76-48CD-96C0-9EB186EB1FB1}" destId="{48924F06-028A-4E81-AB80-E867528E89A0}" srcOrd="0" destOrd="0" presId="urn:microsoft.com/office/officeart/2005/8/layout/process5"/>
+    <dgm:cxn modelId="{E33F4E75-5B79-4B79-9716-BF614C445624}" type="presOf" srcId="{352B0E50-7923-494C-9E9B-4162FDCFCAFA}" destId="{86651481-FF04-44BD-A562-EDE89FD7BA2F}" srcOrd="0" destOrd="0" presId="urn:microsoft.com/office/officeart/2005/8/layout/process5"/>
+    <dgm:cxn modelId="{BC8CCC1C-651E-4D7D-B245-59DD826A7B70}" type="presOf" srcId="{CCD5B1D0-A826-41E0-9AD5-607A821984AB}" destId="{4115D3B3-E953-4869-93FF-DAB29CF1771B}" srcOrd="0" destOrd="0" presId="urn:microsoft.com/office/officeart/2005/8/layout/process5"/>
+    <dgm:cxn modelId="{86B5410B-6404-468E-9123-372653369BC6}" type="presOf" srcId="{14E310AA-8F76-48CD-96C0-9EB186EB1FB1}" destId="{02513033-D44E-4E72-9EBB-9E9134EB9B47}" srcOrd="1" destOrd="0" presId="urn:microsoft.com/office/officeart/2005/8/layout/process5"/>
+    <dgm:cxn modelId="{259621AF-9F8D-40CF-8E53-38591A5661EC}" type="presOf" srcId="{390E121F-98EC-4DD7-A7CF-E204B39DF167}" destId="{3A4BC97F-37CA-4829-A88A-369F4D7D16BF}" srcOrd="0" destOrd="0" presId="urn:microsoft.com/office/officeart/2005/8/layout/process5"/>
+    <dgm:cxn modelId="{817C0ED0-C0AE-4012-8FBF-547BCB8622CB}" type="presOf" srcId="{3CCC27BF-F970-40AE-942A-88CE6EEAFEAB}" destId="{940586C3-78CD-4EDF-931D-F74DE1C37342}" srcOrd="0" destOrd="0" presId="urn:microsoft.com/office/officeart/2005/8/layout/process5"/>
+    <dgm:cxn modelId="{145CBD46-2DB9-402A-82B3-E6BC86E7929D}" srcId="{AB5B1C37-69DE-41ED-8A9B-F226F0E40600}" destId="{3CCC27BF-F970-40AE-942A-88CE6EEAFEAB}" srcOrd="5" destOrd="0" parTransId="{A223C013-3890-4FCB-9E13-58EAD09368C6}" sibTransId="{BED52646-BA1A-45D7-8AF7-482098E64C8B}"/>
+    <dgm:cxn modelId="{4EEF7E76-4A05-4906-B626-150D04ECDB2F}" type="presOf" srcId="{1C851B15-8AD1-41E5-BD14-529ACBC8A332}" destId="{1AB638A6-1292-4BC0-845E-8DD832EACDE4}" srcOrd="0" destOrd="0" presId="urn:microsoft.com/office/officeart/2005/8/layout/process5"/>
     <dgm:cxn modelId="{96E89778-6885-4FB6-9244-95F3B44FB16A}" type="presOf" srcId="{15685B76-5C96-4BA3-A2C0-FF33676A2042}" destId="{7F4525BD-C615-4E1A-A87B-65B97A26F2F7}" srcOrd="1" destOrd="0" presId="urn:microsoft.com/office/officeart/2005/8/layout/process5"/>
-    <dgm:cxn modelId="{B01FD0DE-BB83-44B4-B3E1-867EE865B019}" type="presOf" srcId="{5A96196B-E027-42C0-8BDA-08DE5C49A975}" destId="{BFACEDEF-157A-4DA6-AF44-659CBD5454A8}" srcOrd="1" destOrd="0" presId="urn:microsoft.com/office/officeart/2005/8/layout/process5"/>
-    <dgm:cxn modelId="{6C32182E-5457-4E33-94D9-461C4E344BE6}" type="presOf" srcId="{EEEF94BF-32B3-48BF-A8AA-CCEE67E25A97}" destId="{787283D2-DC31-4C5F-933D-F24E8169EDC8}" srcOrd="0" destOrd="0" presId="urn:microsoft.com/office/officeart/2005/8/layout/process5"/>
-    <dgm:cxn modelId="{6A20F945-5357-4F30-954F-A7FF14F2E7AF}" type="presOf" srcId="{071759C0-0041-429E-89C5-A79164BBE149}" destId="{5876F1DE-B8AB-4E39-9F0D-4116853BF538}" srcOrd="0" destOrd="0" presId="urn:microsoft.com/office/officeart/2005/8/layout/process5"/>
-    <dgm:cxn modelId="{F97CF261-1250-4EFF-9449-41792DCDB7A6}" type="presOf" srcId="{C7939CE4-04E2-455F-846A-B2A915CF6B49}" destId="{F41D2CE0-03DE-43A6-AD41-BEF2A391E549}" srcOrd="0" destOrd="0" presId="urn:microsoft.com/office/officeart/2005/8/layout/process5"/>
-    <dgm:cxn modelId="{C2A8FD5A-5E61-4FCB-B27F-9991939E08A2}" type="presOf" srcId="{76B92935-7BEF-4DCE-9E47-4AEE97CDB5E7}" destId="{EC90519D-653C-4218-9A18-B4BEF799A799}" srcOrd="0" destOrd="0" presId="urn:microsoft.com/office/officeart/2005/8/layout/process5"/>
-    <dgm:cxn modelId="{5B1297C2-70ED-4048-B713-44DE9353FE24}" srcId="{AB5B1C37-69DE-41ED-8A9B-F226F0E40600}" destId="{F6DD4A35-8E76-4698-B085-F23C810B4599}" srcOrd="13" destOrd="0" parTransId="{4054B2FE-B2BE-48C9-97BC-07DF4BB30EF5}" sibTransId="{8CED0282-1E52-41F9-9391-A9F7A10C6673}"/>
-    <dgm:cxn modelId="{048843D2-EB1A-44AF-A01A-389BB5FB2B53}" srcId="{AB5B1C37-69DE-41ED-8A9B-F226F0E40600}" destId="{E48BA875-0344-4EDD-BF7E-F6C5905262D8}" srcOrd="12" destOrd="0" parTransId="{838ADA12-00E2-4558-BA85-0AEDBC51CBB1}" sibTransId="{5A96196B-E027-42C0-8BDA-08DE5C49A975}"/>
+    <dgm:cxn modelId="{4FA22CFB-8300-4A76-B7C9-6C05AD5AC5CB}" srcId="{AB5B1C37-69DE-41ED-8A9B-F226F0E40600}" destId="{390E121F-98EC-4DD7-A7CF-E204B39DF167}" srcOrd="1" destOrd="0" parTransId="{ACAA3A48-CB3F-440B-B507-3D8A0C5C5A37}" sibTransId="{CCD5B1D0-A826-41E0-9AD5-607A821984AB}"/>
+    <dgm:cxn modelId="{03CD7936-453E-41D3-8836-70B55DE3CC93}" type="presOf" srcId="{AB5B1C37-69DE-41ED-8A9B-F226F0E40600}" destId="{4CA36187-7758-486A-AA25-6895D8A789A8}" srcOrd="0" destOrd="0" presId="urn:microsoft.com/office/officeart/2005/8/layout/process5"/>
+    <dgm:cxn modelId="{360B2DB1-B830-4456-B940-A1B8530EEB2F}" type="presOf" srcId="{352B0E50-7923-494C-9E9B-4162FDCFCAFA}" destId="{0E1A1D26-DE18-4F29-BA1E-707C06178643}" srcOrd="1" destOrd="0" presId="urn:microsoft.com/office/officeart/2005/8/layout/process5"/>
+    <dgm:cxn modelId="{DE6C4934-42DA-429B-9868-DB54EFDAC1C3}" type="presOf" srcId="{6764B805-BB93-4A4E-9E36-48819848DCB0}" destId="{85696C33-182C-4BA9-B71C-D0E96E170F50}" srcOrd="1" destOrd="0" presId="urn:microsoft.com/office/officeart/2005/8/layout/process5"/>
     <dgm:cxn modelId="{06AE70CE-A802-49BE-8150-68E511CF02FD}" type="presOf" srcId="{2E1B39A7-7A14-4B94-9DCE-E56F3069CA33}" destId="{63CE118F-9142-4CC8-AAC8-BF3CB8BB02CD}" srcOrd="0" destOrd="0" presId="urn:microsoft.com/office/officeart/2005/8/layout/process5"/>
-    <dgm:cxn modelId="{86B5410B-6404-468E-9123-372653369BC6}" type="presOf" srcId="{14E310AA-8F76-48CD-96C0-9EB186EB1FB1}" destId="{02513033-D44E-4E72-9EBB-9E9134EB9B47}" srcOrd="1" destOrd="0" presId="urn:microsoft.com/office/officeart/2005/8/layout/process5"/>
-    <dgm:cxn modelId="{10D7D58E-D6FE-402D-AD92-943672A1706C}" type="presOf" srcId="{F6DD4A35-8E76-4698-B085-F23C810B4599}" destId="{E74057B0-E55D-49A5-8F06-CF9D2C33D4FF}" srcOrd="0" destOrd="0" presId="urn:microsoft.com/office/officeart/2005/8/layout/process5"/>
     <dgm:cxn modelId="{90F37A4D-3D7D-4F48-A065-559336A53291}" type="presOf" srcId="{9923F46D-E12B-445C-B32C-C214E112C5E4}" destId="{04D10457-2331-42F3-BB04-650E3421CF20}" srcOrd="1" destOrd="0" presId="urn:microsoft.com/office/officeart/2005/8/layout/process5"/>
-    <dgm:cxn modelId="{7BEF9E41-1FFD-40B3-AA96-41E9320B0108}" type="presOf" srcId="{D47F2193-145F-4655-8B1E-AB8E947820D9}" destId="{245CB016-E536-4099-BD43-ED1A0E2850EC}" srcOrd="0" destOrd="0" presId="urn:microsoft.com/office/officeart/2005/8/layout/process5"/>
-    <dgm:cxn modelId="{D24DF3E5-DBC5-466D-995E-F39FC29A01DA}" type="presOf" srcId="{5D6FB9D1-63E2-4A38-ACE1-8B1F56541250}" destId="{FF31987F-28DF-4C28-B287-28C25572ABE9}" srcOrd="0" destOrd="0" presId="urn:microsoft.com/office/officeart/2005/8/layout/process5"/>
-    <dgm:cxn modelId="{84FC90E1-8ECB-4742-AD28-192A509F8728}" srcId="{AB5B1C37-69DE-41ED-8A9B-F226F0E40600}" destId="{1B463C33-3B52-45E9-8D0F-6A018D5DACAF}" srcOrd="9" destOrd="0" parTransId="{7DED3C88-9887-4E3B-A044-2BDB3BAE0BC6}" sibTransId="{15685B76-5C96-4BA3-A2C0-FF33676A2042}"/>
-    <dgm:cxn modelId="{F1FFA344-B510-4605-9E8E-5C6ABAE52B68}" srcId="{AB5B1C37-69DE-41ED-8A9B-F226F0E40600}" destId="{5D6FB9D1-63E2-4A38-ACE1-8B1F56541250}" srcOrd="10" destOrd="0" parTransId="{6DD42969-541C-4957-9E1B-0FBD8634476C}" sibTransId="{EA9AA948-534B-4DD9-B4FB-0D690DBEDF07}"/>
-    <dgm:cxn modelId="{4EEF7E76-4A05-4906-B626-150D04ECDB2F}" type="presOf" srcId="{1C851B15-8AD1-41E5-BD14-529ACBC8A332}" destId="{1AB638A6-1292-4BC0-845E-8DD832EACDE4}" srcOrd="0" destOrd="0" presId="urn:microsoft.com/office/officeart/2005/8/layout/process5"/>
     <dgm:cxn modelId="{C6ABCC24-8302-4C26-A732-FEDDC3DF1BE0}" srcId="{AB5B1C37-69DE-41ED-8A9B-F226F0E40600}" destId="{2AF5C438-245E-468B-8C55-D71527F902D1}" srcOrd="7" destOrd="0" parTransId="{B613FAB8-C812-4AB1-9D25-75B826A2F124}" sibTransId="{352B0E50-7923-494C-9E9B-4162FDCFCAFA}"/>
-    <dgm:cxn modelId="{19DFEC85-58C5-44BD-8DE8-1375ECDAB41C}" srcId="{AB5B1C37-69DE-41ED-8A9B-F226F0E40600}" destId="{7373010A-702B-4ED8-A41A-4170220F3355}" srcOrd="2" destOrd="0" parTransId="{FA3E0431-1EED-441C-94FD-11020A93E272}" sibTransId="{071759C0-0041-429E-89C5-A79164BBE149}"/>
-    <dgm:cxn modelId="{9324AF9B-C997-4486-9C0B-C44E22F1CA53}" type="presOf" srcId="{BED52646-BA1A-45D7-8AF7-482098E64C8B}" destId="{2F72D3D0-86E0-4B4C-97CF-39DE424A39FD}" srcOrd="1" destOrd="0" presId="urn:microsoft.com/office/officeart/2005/8/layout/process5"/>
-    <dgm:cxn modelId="{E33F4E75-5B79-4B79-9716-BF614C445624}" type="presOf" srcId="{352B0E50-7923-494C-9E9B-4162FDCFCAFA}" destId="{86651481-FF04-44BD-A562-EDE89FD7BA2F}" srcOrd="0" destOrd="0" presId="urn:microsoft.com/office/officeart/2005/8/layout/process5"/>
-    <dgm:cxn modelId="{2CA35C0D-6891-4F3C-9201-4EBF6583BC20}" srcId="{AB5B1C37-69DE-41ED-8A9B-F226F0E40600}" destId="{76B92935-7BEF-4DCE-9E47-4AEE97CDB5E7}" srcOrd="8" destOrd="0" parTransId="{6DE26138-6629-4718-AF5A-C4319E367D18}" sibTransId="{1C851B15-8AD1-41E5-BD14-529ACBC8A332}"/>
-    <dgm:cxn modelId="{D21970DE-3F69-4E03-B1CF-EA3E70661A25}" type="presOf" srcId="{EEEF94BF-32B3-48BF-A8AA-CCEE67E25A97}" destId="{B72D9CCA-F1B3-4459-8EFB-A205B659F308}" srcOrd="1" destOrd="0" presId="urn:microsoft.com/office/officeart/2005/8/layout/process5"/>
+    <dgm:cxn modelId="{056AB020-DAEE-41D4-B632-2E6880753824}" type="presOf" srcId="{071759C0-0041-429E-89C5-A79164BBE149}" destId="{87256524-84DC-4D47-9CFE-2D58B2B2FF77}" srcOrd="1" destOrd="0" presId="urn:microsoft.com/office/officeart/2005/8/layout/process5"/>
+    <dgm:cxn modelId="{A1CADADB-B691-49C2-9405-BAFD0A96F721}" type="presOf" srcId="{7373010A-702B-4ED8-A41A-4170220F3355}" destId="{0FB98FBF-B28F-4B7D-84F4-FEF463FF8EC5}" srcOrd="0" destOrd="0" presId="urn:microsoft.com/office/officeart/2005/8/layout/process5"/>
     <dgm:cxn modelId="{EB1D2B94-102F-476D-BC6C-757447DD6B42}" srcId="{AB5B1C37-69DE-41ED-8A9B-F226F0E40600}" destId="{2E1B39A7-7A14-4B94-9DCE-E56F3069CA33}" srcOrd="0" destOrd="0" parTransId="{567794EE-82D9-40B1-9FC4-5C7281E8DD79}" sibTransId="{14E310AA-8F76-48CD-96C0-9EB186EB1FB1}"/>
-    <dgm:cxn modelId="{CC2D6A51-FA87-4F86-864A-A1F345DB6046}" type="presOf" srcId="{2AF5C438-245E-468B-8C55-D71527F902D1}" destId="{C6629E15-758C-41B8-82B8-42C5A8C7074B}" srcOrd="0" destOrd="0" presId="urn:microsoft.com/office/officeart/2005/8/layout/process5"/>
-    <dgm:cxn modelId="{9EDDEAFD-9221-451D-AFF6-18D7B356FAF9}" type="presOf" srcId="{BED52646-BA1A-45D7-8AF7-482098E64C8B}" destId="{6301015F-424B-4CC0-91B1-756CF871A347}" srcOrd="0" destOrd="0" presId="urn:microsoft.com/office/officeart/2005/8/layout/process5"/>
-    <dgm:cxn modelId="{1811D1A0-3A88-4418-9158-F812BDC091EA}" type="presOf" srcId="{14E310AA-8F76-48CD-96C0-9EB186EB1FB1}" destId="{48924F06-028A-4E81-AB80-E867528E89A0}" srcOrd="0" destOrd="0" presId="urn:microsoft.com/office/officeart/2005/8/layout/process5"/>
-    <dgm:cxn modelId="{4349DF4B-E811-4CB4-8F66-9A2C260D3635}" type="presOf" srcId="{DE2E1830-BAC7-46A3-BE6B-63135A1DBDDF}" destId="{B45BBCF7-2388-436D-9A2D-2D562E223D1B}" srcOrd="0" destOrd="0" presId="urn:microsoft.com/office/officeart/2005/8/layout/process5"/>
-    <dgm:cxn modelId="{CA149870-CAD3-458D-BD3E-73A295E2D210}" type="presOf" srcId="{CCD5B1D0-A826-41E0-9AD5-607A821984AB}" destId="{25792381-3CD8-43B2-A324-21AC3F06EBBE}" srcOrd="1" destOrd="0" presId="urn:microsoft.com/office/officeart/2005/8/layout/process5"/>
-    <dgm:cxn modelId="{A1CADADB-B691-49C2-9405-BAFD0A96F721}" type="presOf" srcId="{7373010A-702B-4ED8-A41A-4170220F3355}" destId="{0FB98FBF-B28F-4B7D-84F4-FEF463FF8EC5}" srcOrd="0" destOrd="0" presId="urn:microsoft.com/office/officeart/2005/8/layout/process5"/>
-    <dgm:cxn modelId="{056AB020-DAEE-41D4-B632-2E6880753824}" type="presOf" srcId="{071759C0-0041-429E-89C5-A79164BBE149}" destId="{87256524-84DC-4D47-9CFE-2D58B2B2FF77}" srcOrd="1" destOrd="0" presId="urn:microsoft.com/office/officeart/2005/8/layout/process5"/>
-    <dgm:cxn modelId="{145CBD46-2DB9-402A-82B3-E6BC86E7929D}" srcId="{AB5B1C37-69DE-41ED-8A9B-F226F0E40600}" destId="{3CCC27BF-F970-40AE-942A-88CE6EEAFEAB}" srcOrd="5" destOrd="0" parTransId="{A223C013-3890-4FCB-9E13-58EAD09368C6}" sibTransId="{BED52646-BA1A-45D7-8AF7-482098E64C8B}"/>
-    <dgm:cxn modelId="{BC8CCC1C-651E-4D7D-B245-59DD826A7B70}" type="presOf" srcId="{CCD5B1D0-A826-41E0-9AD5-607A821984AB}" destId="{4115D3B3-E953-4869-93FF-DAB29CF1771B}" srcOrd="0" destOrd="0" presId="urn:microsoft.com/office/officeart/2005/8/layout/process5"/>
-    <dgm:cxn modelId="{E5FCDC6F-4E70-42FB-B994-AD396986174D}" type="presOf" srcId="{E8C537CA-CFAC-4465-BE6C-BF55267124AA}" destId="{EC4DBE40-1F90-4072-823A-1E09E26F5F8B}" srcOrd="0" destOrd="0" presId="urn:microsoft.com/office/officeart/2005/8/layout/process5"/>
-    <dgm:cxn modelId="{B5F836D2-E09A-42DF-9E8E-4A06BA6AD09D}" srcId="{AB5B1C37-69DE-41ED-8A9B-F226F0E40600}" destId="{E8C537CA-CFAC-4465-BE6C-BF55267124AA}" srcOrd="11" destOrd="0" parTransId="{595861BC-99CD-46EC-9818-D9DF9E99E051}" sibTransId="{D47F2193-145F-4655-8B1E-AB8E947820D9}"/>
-    <dgm:cxn modelId="{EA3D067D-380F-400C-BBC5-6B067D4DD69C}" type="presOf" srcId="{1C851B15-8AD1-41E5-BD14-529ACBC8A332}" destId="{521FEBEB-0576-4113-8DFF-C4CE25793310}" srcOrd="1" destOrd="0" presId="urn:microsoft.com/office/officeart/2005/8/layout/process5"/>
-    <dgm:cxn modelId="{4FA22CFB-8300-4A76-B7C9-6C05AD5AC5CB}" srcId="{AB5B1C37-69DE-41ED-8A9B-F226F0E40600}" destId="{390E121F-98EC-4DD7-A7CF-E204B39DF167}" srcOrd="1" destOrd="0" parTransId="{ACAA3A48-CB3F-440B-B507-3D8A0C5C5A37}" sibTransId="{CCD5B1D0-A826-41E0-9AD5-607A821984AB}"/>
-    <dgm:cxn modelId="{608C5302-256E-4987-A27D-7BEA863DFAFC}" type="presOf" srcId="{D47F2193-145F-4655-8B1E-AB8E947820D9}" destId="{A3BABC93-7449-40CB-973A-0BA3809A8F0F}" srcOrd="1" destOrd="0" presId="urn:microsoft.com/office/officeart/2005/8/layout/process5"/>
-    <dgm:cxn modelId="{C9028E68-E51D-44B7-BA1F-521F899A4701}" type="presOf" srcId="{E48BA875-0344-4EDD-BF7E-F6C5905262D8}" destId="{9CE0DD54-39C2-4AAD-9435-83F0E6FD4AB8}" srcOrd="0" destOrd="0" presId="urn:microsoft.com/office/officeart/2005/8/layout/process5"/>
-    <dgm:cxn modelId="{53A75BEF-F4FE-449F-BC15-CE987C3823D5}" type="presOf" srcId="{5A96196B-E027-42C0-8BDA-08DE5C49A975}" destId="{032CB8CC-BF05-4C8C-B46F-A36B41146929}" srcOrd="0" destOrd="0" presId="urn:microsoft.com/office/officeart/2005/8/layout/process5"/>
-    <dgm:cxn modelId="{D6698D67-E00A-4F7E-AC2E-6220D04DDA62}" type="presOf" srcId="{1B463C33-3B52-45E9-8D0F-6A018D5DACAF}" destId="{5BACB6AB-CAC5-4E01-BE11-BD6799C01AAA}" srcOrd="0" destOrd="0" presId="urn:microsoft.com/office/officeart/2005/8/layout/process5"/>
-    <dgm:cxn modelId="{360B2DB1-B830-4456-B940-A1B8530EEB2F}" type="presOf" srcId="{352B0E50-7923-494C-9E9B-4162FDCFCAFA}" destId="{0E1A1D26-DE18-4F29-BA1E-707C06178643}" srcOrd="1" destOrd="0" presId="urn:microsoft.com/office/officeart/2005/8/layout/process5"/>
-    <dgm:cxn modelId="{B3BBD231-9803-4585-8B88-4BF7BE26A0C7}" type="presOf" srcId="{9923F46D-E12B-445C-B32C-C214E112C5E4}" destId="{6EEDDD97-4856-450C-A7D4-2CD4709F929E}" srcOrd="0" destOrd="0" presId="urn:microsoft.com/office/officeart/2005/8/layout/process5"/>
-    <dgm:cxn modelId="{3D96E658-AA3C-4922-80EE-6792DC6D9328}" type="presOf" srcId="{EA9AA948-534B-4DD9-B4FB-0D690DBEDF07}" destId="{53F21E50-3FE7-44CF-8ADB-18482AFA795B}" srcOrd="0" destOrd="0" presId="urn:microsoft.com/office/officeart/2005/8/layout/process5"/>
-    <dgm:cxn modelId="{8116A8B5-653E-41ED-8703-E40DE39C27F5}" srcId="{AB5B1C37-69DE-41ED-8A9B-F226F0E40600}" destId="{DE2E1830-BAC7-46A3-BE6B-63135A1DBDDF}" srcOrd="4" destOrd="0" parTransId="{165F65A1-66D2-443C-AFEE-2DBC436532AA}" sibTransId="{6764B805-BB93-4A4E-9E36-48819848DCB0}"/>
-    <dgm:cxn modelId="{817C0ED0-C0AE-4012-8FBF-547BCB8622CB}" type="presOf" srcId="{3CCC27BF-F970-40AE-942A-88CE6EEAFEAB}" destId="{940586C3-78CD-4EDF-931D-F74DE1C37342}" srcOrd="0" destOrd="0" presId="urn:microsoft.com/office/officeart/2005/8/layout/process5"/>
-    <dgm:cxn modelId="{EED3FBA6-7604-4926-AE0C-D9FB036ADAFB}" type="presOf" srcId="{1408972C-04E1-4A15-8279-875DF3E2F9EA}" destId="{8DAED0D4-D883-489B-A93F-A42FBCBEB15C}" srcOrd="0" destOrd="0" presId="urn:microsoft.com/office/officeart/2005/8/layout/process5"/>
-    <dgm:cxn modelId="{D35CFE5B-0132-44F1-B9DF-188CFCEBAAA5}" type="presOf" srcId="{6764B805-BB93-4A4E-9E36-48819848DCB0}" destId="{DEC679EB-2799-46C1-90F2-EE5825B68383}" srcOrd="0" destOrd="0" presId="urn:microsoft.com/office/officeart/2005/8/layout/process5"/>
-    <dgm:cxn modelId="{DE6C4934-42DA-429B-9868-DB54EFDAC1C3}" type="presOf" srcId="{6764B805-BB93-4A4E-9E36-48819848DCB0}" destId="{85696C33-182C-4BA9-B71C-D0E96E170F50}" srcOrd="1" destOrd="0" presId="urn:microsoft.com/office/officeart/2005/8/layout/process5"/>
-    <dgm:cxn modelId="{4FBDCE62-3C93-4C33-9240-D6F71265471D}" type="presOf" srcId="{15685B76-5C96-4BA3-A2C0-FF33676A2042}" destId="{89BC5668-20AB-4079-B523-AF9F3BAC5EBB}" srcOrd="0" destOrd="0" presId="urn:microsoft.com/office/officeart/2005/8/layout/process5"/>
-    <dgm:cxn modelId="{259621AF-9F8D-40CF-8E53-38591A5661EC}" type="presOf" srcId="{390E121F-98EC-4DD7-A7CF-E204B39DF167}" destId="{3A4BC97F-37CA-4829-A88A-369F4D7D16BF}" srcOrd="0" destOrd="0" presId="urn:microsoft.com/office/officeart/2005/8/layout/process5"/>
-    <dgm:cxn modelId="{381A00CD-2E80-48C8-BA66-B813DB760EAB}" srcId="{AB5B1C37-69DE-41ED-8A9B-F226F0E40600}" destId="{1408972C-04E1-4A15-8279-875DF3E2F9EA}" srcOrd="6" destOrd="0" parTransId="{4C1752EB-6485-4C40-83CE-2D0C8D784D8B}" sibTransId="{9923F46D-E12B-445C-B32C-C214E112C5E4}"/>
-    <dgm:cxn modelId="{03CD7936-453E-41D3-8836-70B55DE3CC93}" type="presOf" srcId="{AB5B1C37-69DE-41ED-8A9B-F226F0E40600}" destId="{4CA36187-7758-486A-AA25-6895D8A789A8}" srcOrd="0" destOrd="0" presId="urn:microsoft.com/office/officeart/2005/8/layout/process5"/>
     <dgm:cxn modelId="{F44C813F-337A-4894-A223-50A8E8FFE447}" type="presParOf" srcId="{4CA36187-7758-486A-AA25-6895D8A789A8}" destId="{63CE118F-9142-4CC8-AAC8-BF3CB8BB02CD}" srcOrd="0" destOrd="0" presId="urn:microsoft.com/office/officeart/2005/8/layout/process5"/>
     <dgm:cxn modelId="{44D18516-46A0-4E3F-9A8C-07EFA8C85B79}" type="presParOf" srcId="{4CA36187-7758-486A-AA25-6895D8A789A8}" destId="{48924F06-028A-4E81-AB80-E867528E89A0}" srcOrd="1" destOrd="0" presId="urn:microsoft.com/office/officeart/2005/8/layout/process5"/>
     <dgm:cxn modelId="{E61EFC57-FCD1-426F-B616-CA9D874EE4F5}" type="presParOf" srcId="{48924F06-028A-4E81-AB80-E867528E89A0}" destId="{02513033-D44E-4E72-9EBB-9E9134EB9B47}" srcOrd="0" destOrd="0" presId="urn:microsoft.com/office/officeart/2005/8/layout/process5"/>
@@ -2146,10 +2208,13 @@
     <dgm:cxn modelId="{DED51B3B-1DCA-49EA-8FEF-92B25957732F}" type="presParOf" srcId="{4CA36187-7758-486A-AA25-6895D8A789A8}" destId="{EC4DBE40-1F90-4072-823A-1E09E26F5F8B}" srcOrd="22" destOrd="0" presId="urn:microsoft.com/office/officeart/2005/8/layout/process5"/>
     <dgm:cxn modelId="{59D6FAD6-B7F1-4A9B-AC9A-1E108EEEBAEE}" type="presParOf" srcId="{4CA36187-7758-486A-AA25-6895D8A789A8}" destId="{245CB016-E536-4099-BD43-ED1A0E2850EC}" srcOrd="23" destOrd="0" presId="urn:microsoft.com/office/officeart/2005/8/layout/process5"/>
     <dgm:cxn modelId="{45735F86-6EB4-4C72-95B6-8542D0DEC9CC}" type="presParOf" srcId="{245CB016-E536-4099-BD43-ED1A0E2850EC}" destId="{A3BABC93-7449-40CB-973A-0BA3809A8F0F}" srcOrd="0" destOrd="0" presId="urn:microsoft.com/office/officeart/2005/8/layout/process5"/>
-    <dgm:cxn modelId="{546F44D8-BF7B-42C0-81E5-AD5F79A6C23E}" type="presParOf" srcId="{4CA36187-7758-486A-AA25-6895D8A789A8}" destId="{9CE0DD54-39C2-4AAD-9435-83F0E6FD4AB8}" srcOrd="24" destOrd="0" presId="urn:microsoft.com/office/officeart/2005/8/layout/process5"/>
-    <dgm:cxn modelId="{7FAB3213-2CEC-483C-A374-415A99540BA0}" type="presParOf" srcId="{4CA36187-7758-486A-AA25-6895D8A789A8}" destId="{032CB8CC-BF05-4C8C-B46F-A36B41146929}" srcOrd="25" destOrd="0" presId="urn:microsoft.com/office/officeart/2005/8/layout/process5"/>
+    <dgm:cxn modelId="{894D8F3F-4DCA-401F-AE47-97BD93973F1F}" type="presParOf" srcId="{4CA36187-7758-486A-AA25-6895D8A789A8}" destId="{5DD1498A-C3D8-44BC-9E5C-4527DA1E6703}" srcOrd="24" destOrd="0" presId="urn:microsoft.com/office/officeart/2005/8/layout/process5"/>
+    <dgm:cxn modelId="{1600CB56-7489-4F29-A5BA-A608085ABCD5}" type="presParOf" srcId="{4CA36187-7758-486A-AA25-6895D8A789A8}" destId="{A1846374-733E-4755-94E6-8D6AA7C26CCB}" srcOrd="25" destOrd="0" presId="urn:microsoft.com/office/officeart/2005/8/layout/process5"/>
+    <dgm:cxn modelId="{D6ED0AF8-5D64-4F50-B3D8-44C14DF666BC}" type="presParOf" srcId="{A1846374-733E-4755-94E6-8D6AA7C26CCB}" destId="{D0037001-12A3-4C9F-A599-1B3BF6E2C905}" srcOrd="0" destOrd="0" presId="urn:microsoft.com/office/officeart/2005/8/layout/process5"/>
+    <dgm:cxn modelId="{546F44D8-BF7B-42C0-81E5-AD5F79A6C23E}" type="presParOf" srcId="{4CA36187-7758-486A-AA25-6895D8A789A8}" destId="{9CE0DD54-39C2-4AAD-9435-83F0E6FD4AB8}" srcOrd="26" destOrd="0" presId="urn:microsoft.com/office/officeart/2005/8/layout/process5"/>
+    <dgm:cxn modelId="{7FAB3213-2CEC-483C-A374-415A99540BA0}" type="presParOf" srcId="{4CA36187-7758-486A-AA25-6895D8A789A8}" destId="{032CB8CC-BF05-4C8C-B46F-A36B41146929}" srcOrd="27" destOrd="0" presId="urn:microsoft.com/office/officeart/2005/8/layout/process5"/>
     <dgm:cxn modelId="{81159835-7A5E-4EC5-9AD8-1A29D36D6FA4}" type="presParOf" srcId="{032CB8CC-BF05-4C8C-B46F-A36B41146929}" destId="{BFACEDEF-157A-4DA6-AF44-659CBD5454A8}" srcOrd="0" destOrd="0" presId="urn:microsoft.com/office/officeart/2005/8/layout/process5"/>
-    <dgm:cxn modelId="{7CDB5826-09BD-4E3B-8B46-88E2E8FEE9EF}" type="presParOf" srcId="{4CA36187-7758-486A-AA25-6895D8A789A8}" destId="{E74057B0-E55D-49A5-8F06-CF9D2C33D4FF}" srcOrd="26" destOrd="0" presId="urn:microsoft.com/office/officeart/2005/8/layout/process5"/>
+    <dgm:cxn modelId="{7CDB5826-09BD-4E3B-8B46-88E2E8FEE9EF}" type="presParOf" srcId="{4CA36187-7758-486A-AA25-6895D8A789A8}" destId="{E74057B0-E55D-49A5-8F06-CF9D2C33D4FF}" srcOrd="28" destOrd="0" presId="urn:microsoft.com/office/officeart/2005/8/layout/process5"/>
   </dgm:cxnLst>
   <dgm:bg/>
   <dgm:whole/>
@@ -2271,11 +2336,7 @@
           </a:pPr>
           <a:r>
             <a:rPr lang="en-US" sz="2000" kern="1200" dirty="0" smtClean="0"/>
-            <a:t>Introduction</a:t>
-          </a:r>
-          <a:r>
-            <a:rPr lang="en-US" sz="2000" kern="1200" dirty="0" smtClean="0"/>
-            <a:t>: SWE Origin</a:t>
+            <a:t>Introduction: SWE Origin</a:t>
           </a:r>
           <a:endParaRPr lang="en-US" sz="2000" kern="1200" dirty="0"/>
         </a:p>
@@ -2414,9 +2475,9 @@
             <a:gs pos="0">
               <a:schemeClr val="accent6">
                 <a:shade val="50000"/>
-                <a:hueOff val="80829"/>
-                <a:satOff val="-12576"/>
-                <a:lumOff val="8878"/>
+                <a:hueOff val="75440"/>
+                <a:satOff val="-11737"/>
+                <a:lumOff val="8286"/>
                 <a:alphaOff val="0"/>
                 <a:satMod val="103000"/>
                 <a:lumMod val="102000"/>
@@ -2426,9 +2487,9 @@
             <a:gs pos="50000">
               <a:schemeClr val="accent6">
                 <a:shade val="50000"/>
-                <a:hueOff val="80829"/>
-                <a:satOff val="-12576"/>
-                <a:lumOff val="8878"/>
+                <a:hueOff val="75440"/>
+                <a:satOff val="-11737"/>
+                <a:lumOff val="8286"/>
                 <a:alphaOff val="0"/>
                 <a:satMod val="110000"/>
                 <a:lumMod val="100000"/>
@@ -2438,9 +2499,9 @@
             <a:gs pos="100000">
               <a:schemeClr val="accent6">
                 <a:shade val="50000"/>
-                <a:hueOff val="80829"/>
-                <a:satOff val="-12576"/>
-                <a:lumOff val="8878"/>
+                <a:hueOff val="75440"/>
+                <a:satOff val="-11737"/>
+                <a:lumOff val="8286"/>
                 <a:alphaOff val="0"/>
                 <a:lumMod val="99000"/>
                 <a:satMod val="120000"/>
@@ -2527,9 +2588,9 @@
             <a:gs pos="0">
               <a:schemeClr val="accent6">
                 <a:shade val="90000"/>
-                <a:hueOff val="104561"/>
-                <a:satOff val="-13166"/>
-                <a:lumOff val="9531"/>
+                <a:hueOff val="97092"/>
+                <a:satOff val="-12226"/>
+                <a:lumOff val="8851"/>
                 <a:alphaOff val="0"/>
                 <a:satMod val="103000"/>
                 <a:lumMod val="102000"/>
@@ -2539,9 +2600,9 @@
             <a:gs pos="50000">
               <a:schemeClr val="accent6">
                 <a:shade val="90000"/>
-                <a:hueOff val="104561"/>
-                <a:satOff val="-13166"/>
-                <a:lumOff val="9531"/>
+                <a:hueOff val="97092"/>
+                <a:satOff val="-12226"/>
+                <a:lumOff val="8851"/>
                 <a:alphaOff val="0"/>
                 <a:satMod val="110000"/>
                 <a:lumMod val="100000"/>
@@ -2551,9 +2612,9 @@
             <a:gs pos="100000">
               <a:schemeClr val="accent6">
                 <a:shade val="90000"/>
-                <a:hueOff val="104561"/>
-                <a:satOff val="-13166"/>
-                <a:lumOff val="9531"/>
+                <a:hueOff val="97092"/>
+                <a:satOff val="-12226"/>
+                <a:lumOff val="8851"/>
                 <a:alphaOff val="0"/>
                 <a:lumMod val="99000"/>
                 <a:satMod val="120000"/>
@@ -2635,9 +2696,9 @@
             <a:gs pos="0">
               <a:schemeClr val="accent6">
                 <a:shade val="50000"/>
-                <a:hueOff val="161657"/>
-                <a:satOff val="-25151"/>
-                <a:lumOff val="17756"/>
+                <a:hueOff val="150880"/>
+                <a:satOff val="-23474"/>
+                <a:lumOff val="16572"/>
                 <a:alphaOff val="0"/>
                 <a:satMod val="103000"/>
                 <a:lumMod val="102000"/>
@@ -2647,9 +2708,9 @@
             <a:gs pos="50000">
               <a:schemeClr val="accent6">
                 <a:shade val="50000"/>
-                <a:hueOff val="161657"/>
-                <a:satOff val="-25151"/>
-                <a:lumOff val="17756"/>
+                <a:hueOff val="150880"/>
+                <a:satOff val="-23474"/>
+                <a:lumOff val="16572"/>
                 <a:alphaOff val="0"/>
                 <a:satMod val="110000"/>
                 <a:lumMod val="100000"/>
@@ -2659,9 +2720,9 @@
             <a:gs pos="100000">
               <a:schemeClr val="accent6">
                 <a:shade val="50000"/>
-                <a:hueOff val="161657"/>
-                <a:satOff val="-25151"/>
-                <a:lumOff val="17756"/>
+                <a:hueOff val="150880"/>
+                <a:satOff val="-23474"/>
+                <a:lumOff val="16572"/>
                 <a:alphaOff val="0"/>
                 <a:lumMod val="99000"/>
                 <a:satMod val="120000"/>
@@ -2748,9 +2809,9 @@
             <a:gs pos="0">
               <a:schemeClr val="accent6">
                 <a:shade val="90000"/>
-                <a:hueOff val="209122"/>
-                <a:satOff val="-26332"/>
-                <a:lumOff val="19063"/>
+                <a:hueOff val="194184"/>
+                <a:satOff val="-24451"/>
+                <a:lumOff val="17701"/>
                 <a:alphaOff val="0"/>
                 <a:satMod val="103000"/>
                 <a:lumMod val="102000"/>
@@ -2760,9 +2821,9 @@
             <a:gs pos="50000">
               <a:schemeClr val="accent6">
                 <a:shade val="90000"/>
-                <a:hueOff val="209122"/>
-                <a:satOff val="-26332"/>
-                <a:lumOff val="19063"/>
+                <a:hueOff val="194184"/>
+                <a:satOff val="-24451"/>
+                <a:lumOff val="17701"/>
                 <a:alphaOff val="0"/>
                 <a:satMod val="110000"/>
                 <a:lumMod val="100000"/>
@@ -2772,9 +2833,9 @@
             <a:gs pos="100000">
               <a:schemeClr val="accent6">
                 <a:shade val="90000"/>
-                <a:hueOff val="209122"/>
-                <a:satOff val="-26332"/>
-                <a:lumOff val="19063"/>
+                <a:hueOff val="194184"/>
+                <a:satOff val="-24451"/>
+                <a:lumOff val="17701"/>
                 <a:alphaOff val="0"/>
                 <a:lumMod val="99000"/>
                 <a:satMod val="120000"/>
@@ -2856,9 +2917,9 @@
             <a:gs pos="0">
               <a:schemeClr val="accent6">
                 <a:shade val="50000"/>
-                <a:hueOff val="242486"/>
-                <a:satOff val="-37727"/>
-                <a:lumOff val="26634"/>
+                <a:hueOff val="226320"/>
+                <a:satOff val="-35212"/>
+                <a:lumOff val="24858"/>
                 <a:alphaOff val="0"/>
                 <a:satMod val="103000"/>
                 <a:lumMod val="102000"/>
@@ -2868,9 +2929,9 @@
             <a:gs pos="50000">
               <a:schemeClr val="accent6">
                 <a:shade val="50000"/>
-                <a:hueOff val="242486"/>
-                <a:satOff val="-37727"/>
-                <a:lumOff val="26634"/>
+                <a:hueOff val="226320"/>
+                <a:satOff val="-35212"/>
+                <a:lumOff val="24858"/>
                 <a:alphaOff val="0"/>
                 <a:satMod val="110000"/>
                 <a:lumMod val="100000"/>
@@ -2880,9 +2941,9 @@
             <a:gs pos="100000">
               <a:schemeClr val="accent6">
                 <a:shade val="50000"/>
-                <a:hueOff val="242486"/>
-                <a:satOff val="-37727"/>
-                <a:lumOff val="26634"/>
+                <a:hueOff val="226320"/>
+                <a:satOff val="-35212"/>
+                <a:lumOff val="24858"/>
                 <a:alphaOff val="0"/>
                 <a:lumMod val="99000"/>
                 <a:satMod val="120000"/>
@@ -2969,9 +3030,9 @@
             <a:gs pos="0">
               <a:schemeClr val="accent6">
                 <a:shade val="90000"/>
-                <a:hueOff val="313682"/>
-                <a:satOff val="-39498"/>
-                <a:lumOff val="28594"/>
+                <a:hueOff val="291277"/>
+                <a:satOff val="-36677"/>
+                <a:lumOff val="26552"/>
                 <a:alphaOff val="0"/>
                 <a:satMod val="103000"/>
                 <a:lumMod val="102000"/>
@@ -2981,9 +3042,9 @@
             <a:gs pos="50000">
               <a:schemeClr val="accent6">
                 <a:shade val="90000"/>
-                <a:hueOff val="313682"/>
-                <a:satOff val="-39498"/>
-                <a:lumOff val="28594"/>
+                <a:hueOff val="291277"/>
+                <a:satOff val="-36677"/>
+                <a:lumOff val="26552"/>
                 <a:alphaOff val="0"/>
                 <a:satMod val="110000"/>
                 <a:lumMod val="100000"/>
@@ -2993,9 +3054,9 @@
             <a:gs pos="100000">
               <a:schemeClr val="accent6">
                 <a:shade val="90000"/>
-                <a:hueOff val="313682"/>
-                <a:satOff val="-39498"/>
-                <a:lumOff val="28594"/>
+                <a:hueOff val="291277"/>
+                <a:satOff val="-36677"/>
+                <a:lumOff val="26552"/>
                 <a:alphaOff val="0"/>
                 <a:lumMod val="99000"/>
                 <a:satMod val="120000"/>
@@ -3077,9 +3138,9 @@
             <a:gs pos="0">
               <a:schemeClr val="accent6">
                 <a:shade val="50000"/>
-                <a:hueOff val="323315"/>
-                <a:satOff val="-50302"/>
-                <a:lumOff val="35511"/>
+                <a:hueOff val="301760"/>
+                <a:satOff val="-46949"/>
+                <a:lumOff val="33144"/>
                 <a:alphaOff val="0"/>
                 <a:satMod val="103000"/>
                 <a:lumMod val="102000"/>
@@ -3089,9 +3150,9 @@
             <a:gs pos="50000">
               <a:schemeClr val="accent6">
                 <a:shade val="50000"/>
-                <a:hueOff val="323315"/>
-                <a:satOff val="-50302"/>
-                <a:lumOff val="35511"/>
+                <a:hueOff val="301760"/>
+                <a:satOff val="-46949"/>
+                <a:lumOff val="33144"/>
                 <a:alphaOff val="0"/>
                 <a:satMod val="110000"/>
                 <a:lumMod val="100000"/>
@@ -3101,9 +3162,9 @@
             <a:gs pos="100000">
               <a:schemeClr val="accent6">
                 <a:shade val="50000"/>
-                <a:hueOff val="323315"/>
-                <a:satOff val="-50302"/>
-                <a:lumOff val="35511"/>
+                <a:hueOff val="301760"/>
+                <a:satOff val="-46949"/>
+                <a:lumOff val="33144"/>
                 <a:alphaOff val="0"/>
                 <a:lumMod val="99000"/>
                 <a:satMod val="120000"/>
@@ -3190,9 +3251,9 @@
             <a:gs pos="0">
               <a:schemeClr val="accent6">
                 <a:shade val="90000"/>
-                <a:hueOff val="418243"/>
-                <a:satOff val="-52665"/>
-                <a:lumOff val="38126"/>
+                <a:hueOff val="388369"/>
+                <a:satOff val="-48903"/>
+                <a:lumOff val="35402"/>
                 <a:alphaOff val="0"/>
                 <a:satMod val="103000"/>
                 <a:lumMod val="102000"/>
@@ -3202,9 +3263,9 @@
             <a:gs pos="50000">
               <a:schemeClr val="accent6">
                 <a:shade val="90000"/>
-                <a:hueOff val="418243"/>
-                <a:satOff val="-52665"/>
-                <a:lumOff val="38126"/>
+                <a:hueOff val="388369"/>
+                <a:satOff val="-48903"/>
+                <a:lumOff val="35402"/>
                 <a:alphaOff val="0"/>
                 <a:satMod val="110000"/>
                 <a:lumMod val="100000"/>
@@ -3214,9 +3275,9 @@
             <a:gs pos="100000">
               <a:schemeClr val="accent6">
                 <a:shade val="90000"/>
-                <a:hueOff val="418243"/>
-                <a:satOff val="-52665"/>
-                <a:lumOff val="38126"/>
+                <a:hueOff val="388369"/>
+                <a:satOff val="-48903"/>
+                <a:lumOff val="35402"/>
                 <a:alphaOff val="0"/>
                 <a:lumMod val="99000"/>
                 <a:satMod val="120000"/>
@@ -3298,9 +3359,9 @@
             <a:gs pos="0">
               <a:schemeClr val="accent6">
                 <a:shade val="50000"/>
-                <a:hueOff val="404143"/>
-                <a:satOff val="-62878"/>
-                <a:lumOff val="44389"/>
+                <a:hueOff val="377200"/>
+                <a:satOff val="-58686"/>
+                <a:lumOff val="41430"/>
                 <a:alphaOff val="0"/>
                 <a:satMod val="103000"/>
                 <a:lumMod val="102000"/>
@@ -3310,9 +3371,9 @@
             <a:gs pos="50000">
               <a:schemeClr val="accent6">
                 <a:shade val="50000"/>
-                <a:hueOff val="404143"/>
-                <a:satOff val="-62878"/>
-                <a:lumOff val="44389"/>
+                <a:hueOff val="377200"/>
+                <a:satOff val="-58686"/>
+                <a:lumOff val="41430"/>
                 <a:alphaOff val="0"/>
                 <a:satMod val="110000"/>
                 <a:lumMod val="100000"/>
@@ -3322,9 +3383,9 @@
             <a:gs pos="100000">
               <a:schemeClr val="accent6">
                 <a:shade val="50000"/>
-                <a:hueOff val="404143"/>
-                <a:satOff val="-62878"/>
-                <a:lumOff val="44389"/>
+                <a:hueOff val="377200"/>
+                <a:satOff val="-58686"/>
+                <a:lumOff val="41430"/>
                 <a:alphaOff val="0"/>
                 <a:lumMod val="99000"/>
                 <a:satMod val="120000"/>
@@ -3411,9 +3472,9 @@
             <a:gs pos="0">
               <a:schemeClr val="accent6">
                 <a:shade val="90000"/>
-                <a:hueOff val="522804"/>
-                <a:satOff val="-65831"/>
-                <a:lumOff val="47657"/>
+                <a:hueOff val="485461"/>
+                <a:satOff val="-61129"/>
+                <a:lumOff val="44253"/>
                 <a:alphaOff val="0"/>
                 <a:satMod val="103000"/>
                 <a:lumMod val="102000"/>
@@ -3423,9 +3484,9 @@
             <a:gs pos="50000">
               <a:schemeClr val="accent6">
                 <a:shade val="90000"/>
-                <a:hueOff val="522804"/>
-                <a:satOff val="-65831"/>
-                <a:lumOff val="47657"/>
+                <a:hueOff val="485461"/>
+                <a:satOff val="-61129"/>
+                <a:lumOff val="44253"/>
                 <a:alphaOff val="0"/>
                 <a:satMod val="110000"/>
                 <a:lumMod val="100000"/>
@@ -3435,9 +3496,9 @@
             <a:gs pos="100000">
               <a:schemeClr val="accent6">
                 <a:shade val="90000"/>
-                <a:hueOff val="522804"/>
-                <a:satOff val="-65831"/>
-                <a:lumOff val="47657"/>
+                <a:hueOff val="485461"/>
+                <a:satOff val="-61129"/>
+                <a:lumOff val="44253"/>
                 <a:alphaOff val="0"/>
                 <a:lumMod val="99000"/>
                 <a:satMod val="120000"/>
@@ -3519,9 +3580,9 @@
             <a:gs pos="0">
               <a:schemeClr val="accent6">
                 <a:shade val="50000"/>
-                <a:hueOff val="484972"/>
-                <a:satOff val="-75453"/>
-                <a:lumOff val="53267"/>
+                <a:hueOff val="452640"/>
+                <a:satOff val="-70423"/>
+                <a:lumOff val="49716"/>
                 <a:alphaOff val="0"/>
                 <a:satMod val="103000"/>
                 <a:lumMod val="102000"/>
@@ -3531,9 +3592,9 @@
             <a:gs pos="50000">
               <a:schemeClr val="accent6">
                 <a:shade val="50000"/>
-                <a:hueOff val="484972"/>
-                <a:satOff val="-75453"/>
-                <a:lumOff val="53267"/>
+                <a:hueOff val="452640"/>
+                <a:satOff val="-70423"/>
+                <a:lumOff val="49716"/>
                 <a:alphaOff val="0"/>
                 <a:satMod val="110000"/>
                 <a:lumMod val="100000"/>
@@ -3543,9 +3604,9 @@
             <a:gs pos="100000">
               <a:schemeClr val="accent6">
                 <a:shade val="50000"/>
-                <a:hueOff val="484972"/>
-                <a:satOff val="-75453"/>
-                <a:lumOff val="53267"/>
+                <a:hueOff val="452640"/>
+                <a:satOff val="-70423"/>
+                <a:lumOff val="49716"/>
                 <a:alphaOff val="0"/>
                 <a:lumMod val="99000"/>
                 <a:satMod val="120000"/>
@@ -3632,9 +3693,9 @@
             <a:gs pos="0">
               <a:schemeClr val="accent6">
                 <a:shade val="90000"/>
-                <a:hueOff val="627365"/>
-                <a:satOff val="-78997"/>
-                <a:lumOff val="57188"/>
+                <a:hueOff val="582553"/>
+                <a:satOff val="-73354"/>
+                <a:lumOff val="53103"/>
                 <a:alphaOff val="0"/>
                 <a:satMod val="103000"/>
                 <a:lumMod val="102000"/>
@@ -3644,9 +3705,9 @@
             <a:gs pos="50000">
               <a:schemeClr val="accent6">
                 <a:shade val="90000"/>
-                <a:hueOff val="627365"/>
-                <a:satOff val="-78997"/>
-                <a:lumOff val="57188"/>
+                <a:hueOff val="582553"/>
+                <a:satOff val="-73354"/>
+                <a:lumOff val="53103"/>
                 <a:alphaOff val="0"/>
                 <a:satMod val="110000"/>
                 <a:lumMod val="100000"/>
@@ -3656,9 +3717,9 @@
             <a:gs pos="100000">
               <a:schemeClr val="accent6">
                 <a:shade val="90000"/>
-                <a:hueOff val="627365"/>
-                <a:satOff val="-78997"/>
-                <a:lumOff val="57188"/>
+                <a:hueOff val="582553"/>
+                <a:satOff val="-73354"/>
+                <a:lumOff val="53103"/>
                 <a:alphaOff val="0"/>
                 <a:lumMod val="99000"/>
                 <a:satMod val="120000"/>
@@ -3740,9 +3801,9 @@
             <a:gs pos="0">
               <a:schemeClr val="accent6">
                 <a:shade val="50000"/>
-                <a:hueOff val="565800"/>
-                <a:satOff val="-88029"/>
-                <a:lumOff val="62145"/>
+                <a:hueOff val="528080"/>
+                <a:satOff val="-82160"/>
+                <a:lumOff val="58002"/>
                 <a:alphaOff val="0"/>
                 <a:satMod val="103000"/>
                 <a:lumMod val="102000"/>
@@ -3752,9 +3813,9 @@
             <a:gs pos="50000">
               <a:schemeClr val="accent6">
                 <a:shade val="50000"/>
-                <a:hueOff val="565800"/>
-                <a:satOff val="-88029"/>
-                <a:lumOff val="62145"/>
+                <a:hueOff val="528080"/>
+                <a:satOff val="-82160"/>
+                <a:lumOff val="58002"/>
                 <a:alphaOff val="0"/>
                 <a:satMod val="110000"/>
                 <a:lumMod val="100000"/>
@@ -3764,9 +3825,9 @@
             <a:gs pos="100000">
               <a:schemeClr val="accent6">
                 <a:shade val="50000"/>
-                <a:hueOff val="565800"/>
-                <a:satOff val="-88029"/>
-                <a:lumOff val="62145"/>
+                <a:hueOff val="528080"/>
+                <a:satOff val="-82160"/>
+                <a:lumOff val="58002"/>
                 <a:alphaOff val="0"/>
                 <a:lumMod val="99000"/>
                 <a:satMod val="120000"/>
@@ -3853,9 +3914,9 @@
             <a:gs pos="0">
               <a:schemeClr val="accent6">
                 <a:shade val="90000"/>
-                <a:hueOff val="627365"/>
-                <a:satOff val="-78997"/>
-                <a:lumOff val="57188"/>
+                <a:hueOff val="679645"/>
+                <a:satOff val="-85580"/>
+                <a:lumOff val="61954"/>
                 <a:alphaOff val="0"/>
                 <a:satMod val="103000"/>
                 <a:lumMod val="102000"/>
@@ -3865,9 +3926,9 @@
             <a:gs pos="50000">
               <a:schemeClr val="accent6">
                 <a:shade val="90000"/>
-                <a:hueOff val="627365"/>
-                <a:satOff val="-78997"/>
-                <a:lumOff val="57188"/>
+                <a:hueOff val="679645"/>
+                <a:satOff val="-85580"/>
+                <a:lumOff val="61954"/>
                 <a:alphaOff val="0"/>
                 <a:satMod val="110000"/>
                 <a:lumMod val="100000"/>
@@ -3877,9 +3938,9 @@
             <a:gs pos="100000">
               <a:schemeClr val="accent6">
                 <a:shade val="90000"/>
-                <a:hueOff val="627365"/>
-                <a:satOff val="-78997"/>
-                <a:lumOff val="57188"/>
+                <a:hueOff val="679645"/>
+                <a:satOff val="-85580"/>
+                <a:lumOff val="61954"/>
                 <a:alphaOff val="0"/>
                 <a:lumMod val="99000"/>
                 <a:satMod val="120000"/>
@@ -3961,9 +4022,9 @@
             <a:gs pos="0">
               <a:schemeClr val="accent6">
                 <a:shade val="50000"/>
-                <a:hueOff val="484972"/>
-                <a:satOff val="-75453"/>
-                <a:lumOff val="53267"/>
+                <a:hueOff val="528080"/>
+                <a:satOff val="-82160"/>
+                <a:lumOff val="58002"/>
                 <a:alphaOff val="0"/>
                 <a:satMod val="103000"/>
                 <a:lumMod val="102000"/>
@@ -3973,9 +4034,9 @@
             <a:gs pos="50000">
               <a:schemeClr val="accent6">
                 <a:shade val="50000"/>
-                <a:hueOff val="484972"/>
-                <a:satOff val="-75453"/>
-                <a:lumOff val="53267"/>
+                <a:hueOff val="528080"/>
+                <a:satOff val="-82160"/>
+                <a:lumOff val="58002"/>
                 <a:alphaOff val="0"/>
                 <a:satMod val="110000"/>
                 <a:lumMod val="100000"/>
@@ -3985,9 +4046,9 @@
             <a:gs pos="100000">
               <a:schemeClr val="accent6">
                 <a:shade val="50000"/>
-                <a:hueOff val="484972"/>
-                <a:satOff val="-75453"/>
-                <a:lumOff val="53267"/>
+                <a:hueOff val="528080"/>
+                <a:satOff val="-82160"/>
+                <a:lumOff val="58002"/>
                 <a:alphaOff val="0"/>
                 <a:lumMod val="99000"/>
                 <a:satMod val="120000"/>
@@ -4074,9 +4135,9 @@
             <a:gs pos="0">
               <a:schemeClr val="accent6">
                 <a:shade val="90000"/>
-                <a:hueOff val="522804"/>
-                <a:satOff val="-65831"/>
-                <a:lumOff val="47657"/>
+                <a:hueOff val="582553"/>
+                <a:satOff val="-73354"/>
+                <a:lumOff val="53103"/>
                 <a:alphaOff val="0"/>
                 <a:satMod val="103000"/>
                 <a:lumMod val="102000"/>
@@ -4086,9 +4147,9 @@
             <a:gs pos="50000">
               <a:schemeClr val="accent6">
                 <a:shade val="90000"/>
-                <a:hueOff val="522804"/>
-                <a:satOff val="-65831"/>
-                <a:lumOff val="47657"/>
+                <a:hueOff val="582553"/>
+                <a:satOff val="-73354"/>
+                <a:lumOff val="53103"/>
                 <a:alphaOff val="0"/>
                 <a:satMod val="110000"/>
                 <a:lumMod val="100000"/>
@@ -4098,9 +4159,9 @@
             <a:gs pos="100000">
               <a:schemeClr val="accent6">
                 <a:shade val="90000"/>
-                <a:hueOff val="522804"/>
-                <a:satOff val="-65831"/>
-                <a:lumOff val="47657"/>
+                <a:hueOff val="582553"/>
+                <a:satOff val="-73354"/>
+                <a:lumOff val="53103"/>
                 <a:alphaOff val="0"/>
                 <a:lumMod val="99000"/>
                 <a:satMod val="120000"/>
@@ -4182,9 +4243,9 @@
             <a:gs pos="0">
               <a:schemeClr val="accent6">
                 <a:shade val="50000"/>
-                <a:hueOff val="404143"/>
-                <a:satOff val="-62878"/>
-                <a:lumOff val="44389"/>
+                <a:hueOff val="452640"/>
+                <a:satOff val="-70423"/>
+                <a:lumOff val="49716"/>
                 <a:alphaOff val="0"/>
                 <a:satMod val="103000"/>
                 <a:lumMod val="102000"/>
@@ -4194,9 +4255,9 @@
             <a:gs pos="50000">
               <a:schemeClr val="accent6">
                 <a:shade val="50000"/>
-                <a:hueOff val="404143"/>
-                <a:satOff val="-62878"/>
-                <a:lumOff val="44389"/>
+                <a:hueOff val="452640"/>
+                <a:satOff val="-70423"/>
+                <a:lumOff val="49716"/>
                 <a:alphaOff val="0"/>
                 <a:satMod val="110000"/>
                 <a:lumMod val="100000"/>
@@ -4206,9 +4267,9 @@
             <a:gs pos="100000">
               <a:schemeClr val="accent6">
                 <a:shade val="50000"/>
-                <a:hueOff val="404143"/>
-                <a:satOff val="-62878"/>
-                <a:lumOff val="44389"/>
+                <a:hueOff val="452640"/>
+                <a:satOff val="-70423"/>
+                <a:lumOff val="49716"/>
                 <a:alphaOff val="0"/>
                 <a:lumMod val="99000"/>
                 <a:satMod val="120000"/>
@@ -4295,9 +4356,9 @@
             <a:gs pos="0">
               <a:schemeClr val="accent6">
                 <a:shade val="90000"/>
-                <a:hueOff val="418243"/>
-                <a:satOff val="-52665"/>
-                <a:lumOff val="38126"/>
+                <a:hueOff val="485461"/>
+                <a:satOff val="-61129"/>
+                <a:lumOff val="44253"/>
                 <a:alphaOff val="0"/>
                 <a:satMod val="103000"/>
                 <a:lumMod val="102000"/>
@@ -4307,9 +4368,9 @@
             <a:gs pos="50000">
               <a:schemeClr val="accent6">
                 <a:shade val="90000"/>
-                <a:hueOff val="418243"/>
-                <a:satOff val="-52665"/>
-                <a:lumOff val="38126"/>
+                <a:hueOff val="485461"/>
+                <a:satOff val="-61129"/>
+                <a:lumOff val="44253"/>
                 <a:alphaOff val="0"/>
                 <a:satMod val="110000"/>
                 <a:lumMod val="100000"/>
@@ -4319,9 +4380,9 @@
             <a:gs pos="100000">
               <a:schemeClr val="accent6">
                 <a:shade val="90000"/>
-                <a:hueOff val="418243"/>
-                <a:satOff val="-52665"/>
-                <a:lumOff val="38126"/>
+                <a:hueOff val="485461"/>
+                <a:satOff val="-61129"/>
+                <a:lumOff val="44253"/>
                 <a:alphaOff val="0"/>
                 <a:lumMod val="99000"/>
                 <a:satMod val="120000"/>
@@ -4403,9 +4464,9 @@
             <a:gs pos="0">
               <a:schemeClr val="accent6">
                 <a:shade val="50000"/>
-                <a:hueOff val="323315"/>
-                <a:satOff val="-50302"/>
-                <a:lumOff val="35511"/>
+                <a:hueOff val="377200"/>
+                <a:satOff val="-58686"/>
+                <a:lumOff val="41430"/>
                 <a:alphaOff val="0"/>
                 <a:satMod val="103000"/>
                 <a:lumMod val="102000"/>
@@ -4415,9 +4476,9 @@
             <a:gs pos="50000">
               <a:schemeClr val="accent6">
                 <a:shade val="50000"/>
-                <a:hueOff val="323315"/>
-                <a:satOff val="-50302"/>
-                <a:lumOff val="35511"/>
+                <a:hueOff val="377200"/>
+                <a:satOff val="-58686"/>
+                <a:lumOff val="41430"/>
                 <a:alphaOff val="0"/>
                 <a:satMod val="110000"/>
                 <a:lumMod val="100000"/>
@@ -4427,9 +4488,9 @@
             <a:gs pos="100000">
               <a:schemeClr val="accent6">
                 <a:shade val="50000"/>
-                <a:hueOff val="323315"/>
-                <a:satOff val="-50302"/>
-                <a:lumOff val="35511"/>
+                <a:hueOff val="377200"/>
+                <a:satOff val="-58686"/>
+                <a:lumOff val="41430"/>
                 <a:alphaOff val="0"/>
                 <a:lumMod val="99000"/>
                 <a:satMod val="120000"/>
@@ -4516,9 +4577,9 @@
             <a:gs pos="0">
               <a:schemeClr val="accent6">
                 <a:shade val="90000"/>
-                <a:hueOff val="313682"/>
-                <a:satOff val="-39498"/>
-                <a:lumOff val="28594"/>
+                <a:hueOff val="388369"/>
+                <a:satOff val="-48903"/>
+                <a:lumOff val="35402"/>
                 <a:alphaOff val="0"/>
                 <a:satMod val="103000"/>
                 <a:lumMod val="102000"/>
@@ -4528,9 +4589,9 @@
             <a:gs pos="50000">
               <a:schemeClr val="accent6">
                 <a:shade val="90000"/>
-                <a:hueOff val="313682"/>
-                <a:satOff val="-39498"/>
-                <a:lumOff val="28594"/>
+                <a:hueOff val="388369"/>
+                <a:satOff val="-48903"/>
+                <a:lumOff val="35402"/>
                 <a:alphaOff val="0"/>
                 <a:satMod val="110000"/>
                 <a:lumMod val="100000"/>
@@ -4540,9 +4601,9 @@
             <a:gs pos="100000">
               <a:schemeClr val="accent6">
                 <a:shade val="90000"/>
-                <a:hueOff val="313682"/>
-                <a:satOff val="-39498"/>
-                <a:lumOff val="28594"/>
+                <a:hueOff val="388369"/>
+                <a:satOff val="-48903"/>
+                <a:lumOff val="35402"/>
                 <a:alphaOff val="0"/>
                 <a:lumMod val="99000"/>
                 <a:satMod val="120000"/>
@@ -4624,9 +4685,9 @@
             <a:gs pos="0">
               <a:schemeClr val="accent6">
                 <a:shade val="50000"/>
-                <a:hueOff val="242486"/>
-                <a:satOff val="-37727"/>
-                <a:lumOff val="26634"/>
+                <a:hueOff val="301760"/>
+                <a:satOff val="-46949"/>
+                <a:lumOff val="33144"/>
                 <a:alphaOff val="0"/>
                 <a:satMod val="103000"/>
                 <a:lumMod val="102000"/>
@@ -4636,9 +4697,9 @@
             <a:gs pos="50000">
               <a:schemeClr val="accent6">
                 <a:shade val="50000"/>
-                <a:hueOff val="242486"/>
-                <a:satOff val="-37727"/>
-                <a:lumOff val="26634"/>
+                <a:hueOff val="301760"/>
+                <a:satOff val="-46949"/>
+                <a:lumOff val="33144"/>
                 <a:alphaOff val="0"/>
                 <a:satMod val="110000"/>
                 <a:lumMod val="100000"/>
@@ -4648,9 +4709,9 @@
             <a:gs pos="100000">
               <a:schemeClr val="accent6">
                 <a:shade val="50000"/>
-                <a:hueOff val="242486"/>
-                <a:satOff val="-37727"/>
-                <a:lumOff val="26634"/>
+                <a:hueOff val="301760"/>
+                <a:satOff val="-46949"/>
+                <a:lumOff val="33144"/>
                 <a:alphaOff val="0"/>
                 <a:lumMod val="99000"/>
                 <a:satMod val="120000"/>
@@ -4737,9 +4798,9 @@
             <a:gs pos="0">
               <a:schemeClr val="accent6">
                 <a:shade val="90000"/>
-                <a:hueOff val="209122"/>
-                <a:satOff val="-26332"/>
-                <a:lumOff val="19063"/>
+                <a:hueOff val="291277"/>
+                <a:satOff val="-36677"/>
+                <a:lumOff val="26552"/>
                 <a:alphaOff val="0"/>
                 <a:satMod val="103000"/>
                 <a:lumMod val="102000"/>
@@ -4749,9 +4810,9 @@
             <a:gs pos="50000">
               <a:schemeClr val="accent6">
                 <a:shade val="90000"/>
-                <a:hueOff val="209122"/>
-                <a:satOff val="-26332"/>
-                <a:lumOff val="19063"/>
+                <a:hueOff val="291277"/>
+                <a:satOff val="-36677"/>
+                <a:lumOff val="26552"/>
                 <a:alphaOff val="0"/>
                 <a:satMod val="110000"/>
                 <a:lumMod val="100000"/>
@@ -4761,9 +4822,9 @@
             <a:gs pos="100000">
               <a:schemeClr val="accent6">
                 <a:shade val="90000"/>
-                <a:hueOff val="209122"/>
-                <a:satOff val="-26332"/>
-                <a:lumOff val="19063"/>
+                <a:hueOff val="291277"/>
+                <a:satOff val="-36677"/>
+                <a:lumOff val="26552"/>
                 <a:alphaOff val="0"/>
                 <a:lumMod val="99000"/>
                 <a:satMod val="120000"/>
@@ -4825,7 +4886,7 @@
         <a:ext cx="255908" cy="256597"/>
       </dsp:txXfrm>
     </dsp:sp>
-    <dsp:sp modelId="{9CE0DD54-39C2-4AAD-9435-83F0E6FD4AB8}">
+    <dsp:sp modelId="{5DD1498A-C3D8-44BC-9E5C-4527DA1E6703}">
       <dsp:nvSpPr>
         <dsp:cNvPr id="0" name=""/>
         <dsp:cNvSpPr/>
@@ -4845,9 +4906,9 @@
             <a:gs pos="0">
               <a:schemeClr val="accent6">
                 <a:shade val="50000"/>
-                <a:hueOff val="161657"/>
-                <a:satOff val="-25151"/>
-                <a:lumOff val="17756"/>
+                <a:hueOff val="226320"/>
+                <a:satOff val="-35212"/>
+                <a:lumOff val="24858"/>
                 <a:alphaOff val="0"/>
                 <a:satMod val="103000"/>
                 <a:lumMod val="102000"/>
@@ -4857,9 +4918,9 @@
             <a:gs pos="50000">
               <a:schemeClr val="accent6">
                 <a:shade val="50000"/>
-                <a:hueOff val="161657"/>
-                <a:satOff val="-25151"/>
-                <a:lumOff val="17756"/>
+                <a:hueOff val="226320"/>
+                <a:satOff val="-35212"/>
+                <a:lumOff val="24858"/>
                 <a:alphaOff val="0"/>
                 <a:satMod val="110000"/>
                 <a:lumMod val="100000"/>
@@ -4869,9 +4930,230 @@
             <a:gs pos="100000">
               <a:schemeClr val="accent6">
                 <a:shade val="50000"/>
-                <a:hueOff val="161657"/>
-                <a:satOff val="-25151"/>
-                <a:lumOff val="17756"/>
+                <a:hueOff val="226320"/>
+                <a:satOff val="-35212"/>
+                <a:lumOff val="24858"/>
+                <a:alphaOff val="0"/>
+                <a:lumMod val="99000"/>
+                <a:satMod val="120000"/>
+                <a:shade val="78000"/>
+              </a:schemeClr>
+            </a:gs>
+          </a:gsLst>
+          <a:lin ang="5400000" scaled="0"/>
+        </a:gradFill>
+        <a:ln>
+          <a:noFill/>
+        </a:ln>
+        <a:effectLst/>
+        <a:scene3d>
+          <a:camera prst="orthographicFront"/>
+          <a:lightRig rig="flat" dir="t"/>
+        </a:scene3d>
+        <a:sp3d prstMaterial="plastic">
+          <a:bevelT w="120900" h="88900"/>
+          <a:bevelB w="88900" h="31750" prst="angle"/>
+        </a:sp3d>
+      </dsp:spPr>
+      <dsp:style>
+        <a:lnRef idx="0">
+          <a:scrgbClr r="0" g="0" b="0"/>
+        </a:lnRef>
+        <a:fillRef idx="3">
+          <a:scrgbClr r="0" g="0" b="0"/>
+        </a:fillRef>
+        <a:effectRef idx="2">
+          <a:scrgbClr r="0" g="0" b="0"/>
+        </a:effectRef>
+        <a:fontRef idx="minor">
+          <a:schemeClr val="lt1"/>
+        </a:fontRef>
+      </dsp:style>
+      <dsp:txBody>
+        <a:bodyPr spcFirstLastPara="0" vert="horz" wrap="square" lIns="76200" tIns="76200" rIns="76200" bIns="76200" numCol="1" spcCol="1270" anchor="ctr" anchorCtr="0">
+          <a:noAutofit/>
+        </a:bodyPr>
+        <a:lstStyle/>
+        <a:p>
+          <a:pPr lvl="0" algn="ctr" defTabSz="889000">
+            <a:lnSpc>
+              <a:spcPct val="90000"/>
+            </a:lnSpc>
+            <a:spcBef>
+              <a:spcPct val="0"/>
+            </a:spcBef>
+            <a:spcAft>
+              <a:spcPct val="35000"/>
+            </a:spcAft>
+          </a:pPr>
+          <a:r>
+            <a:rPr lang="en-US" sz="2000" kern="1200" dirty="0" smtClean="0"/>
+            <a:t>SWE-OAWP: Privacy</a:t>
+          </a:r>
+          <a:endParaRPr lang="en-US" sz="2000" kern="1200" dirty="0"/>
+        </a:p>
+      </dsp:txBody>
+      <dsp:txXfrm>
+        <a:off x="4864331" y="3967482"/>
+        <a:ext cx="1663843" cy="974062"/>
+      </dsp:txXfrm>
+    </dsp:sp>
+    <dsp:sp modelId="{A1846374-733E-4755-94E6-8D6AA7C26CCB}">
+      <dsp:nvSpPr>
+        <dsp:cNvPr id="0" name=""/>
+        <dsp:cNvSpPr/>
+      </dsp:nvSpPr>
+      <dsp:spPr>
+        <a:xfrm>
+          <a:off x="6710230" y="4240681"/>
+          <a:ext cx="365583" cy="427663"/>
+        </a:xfrm>
+        <a:prstGeom prst="rightArrow">
+          <a:avLst>
+            <a:gd name="adj1" fmla="val 60000"/>
+            <a:gd name="adj2" fmla="val 50000"/>
+          </a:avLst>
+        </a:prstGeom>
+        <a:gradFill rotWithShape="0">
+          <a:gsLst>
+            <a:gs pos="0">
+              <a:schemeClr val="accent6">
+                <a:shade val="90000"/>
+                <a:hueOff val="194184"/>
+                <a:satOff val="-24451"/>
+                <a:lumOff val="17701"/>
+                <a:alphaOff val="0"/>
+                <a:satMod val="103000"/>
+                <a:lumMod val="102000"/>
+                <a:tint val="94000"/>
+              </a:schemeClr>
+            </a:gs>
+            <a:gs pos="50000">
+              <a:schemeClr val="accent6">
+                <a:shade val="90000"/>
+                <a:hueOff val="194184"/>
+                <a:satOff val="-24451"/>
+                <a:lumOff val="17701"/>
+                <a:alphaOff val="0"/>
+                <a:satMod val="110000"/>
+                <a:lumMod val="100000"/>
+                <a:shade val="100000"/>
+              </a:schemeClr>
+            </a:gs>
+            <a:gs pos="100000">
+              <a:schemeClr val="accent6">
+                <a:shade val="90000"/>
+                <a:hueOff val="194184"/>
+                <a:satOff val="-24451"/>
+                <a:lumOff val="17701"/>
+                <a:alphaOff val="0"/>
+                <a:lumMod val="99000"/>
+                <a:satMod val="120000"/>
+                <a:shade val="78000"/>
+              </a:schemeClr>
+            </a:gs>
+          </a:gsLst>
+          <a:lin ang="5400000" scaled="0"/>
+        </a:gradFill>
+        <a:ln>
+          <a:noFill/>
+        </a:ln>
+        <a:effectLst/>
+        <a:scene3d>
+          <a:camera prst="orthographicFront"/>
+          <a:lightRig rig="flat" dir="t"/>
+        </a:scene3d>
+        <a:sp3d z="-80000" prstMaterial="plastic">
+          <a:bevelT w="50800" h="50800"/>
+          <a:bevelB w="25400" h="25400" prst="angle"/>
+        </a:sp3d>
+      </dsp:spPr>
+      <dsp:style>
+        <a:lnRef idx="0">
+          <a:scrgbClr r="0" g="0" b="0"/>
+        </a:lnRef>
+        <a:fillRef idx="3">
+          <a:scrgbClr r="0" g="0" b="0"/>
+        </a:fillRef>
+        <a:effectRef idx="2">
+          <a:scrgbClr r="0" g="0" b="0"/>
+        </a:effectRef>
+        <a:fontRef idx="minor">
+          <a:schemeClr val="lt1"/>
+        </a:fontRef>
+      </dsp:style>
+      <dsp:txBody>
+        <a:bodyPr spcFirstLastPara="0" vert="horz" wrap="square" lIns="0" tIns="0" rIns="0" bIns="0" numCol="1" spcCol="1270" anchor="ctr" anchorCtr="0">
+          <a:noAutofit/>
+        </a:bodyPr>
+        <a:lstStyle/>
+        <a:p>
+          <a:pPr lvl="0" algn="ctr" defTabSz="711200">
+            <a:lnSpc>
+              <a:spcPct val="90000"/>
+            </a:lnSpc>
+            <a:spcBef>
+              <a:spcPct val="0"/>
+            </a:spcBef>
+            <a:spcAft>
+              <a:spcPct val="35000"/>
+            </a:spcAft>
+          </a:pPr>
+          <a:endParaRPr lang="en-US" sz="1600" kern="1200"/>
+        </a:p>
+      </dsp:txBody>
+      <dsp:txXfrm>
+        <a:off x="6710230" y="4326214"/>
+        <a:ext cx="255908" cy="256597"/>
+      </dsp:txXfrm>
+    </dsp:sp>
+    <dsp:sp modelId="{9CE0DD54-39C2-4AAD-9435-83F0E6FD4AB8}">
+      <dsp:nvSpPr>
+        <dsp:cNvPr id="0" name=""/>
+        <dsp:cNvSpPr/>
+      </dsp:nvSpPr>
+      <dsp:spPr>
+        <a:xfrm>
+          <a:off x="7248259" y="3937178"/>
+          <a:ext cx="1724451" cy="1034670"/>
+        </a:xfrm>
+        <a:prstGeom prst="roundRect">
+          <a:avLst>
+            <a:gd name="adj" fmla="val 10000"/>
+          </a:avLst>
+        </a:prstGeom>
+        <a:gradFill rotWithShape="0">
+          <a:gsLst>
+            <a:gs pos="0">
+              <a:schemeClr val="accent6">
+                <a:shade val="50000"/>
+                <a:hueOff val="150880"/>
+                <a:satOff val="-23474"/>
+                <a:lumOff val="16572"/>
+                <a:alphaOff val="0"/>
+                <a:satMod val="103000"/>
+                <a:lumMod val="102000"/>
+                <a:tint val="94000"/>
+              </a:schemeClr>
+            </a:gs>
+            <a:gs pos="50000">
+              <a:schemeClr val="accent6">
+                <a:shade val="50000"/>
+                <a:hueOff val="150880"/>
+                <a:satOff val="-23474"/>
+                <a:lumOff val="16572"/>
+                <a:alphaOff val="0"/>
+                <a:satMod val="110000"/>
+                <a:lumMod val="100000"/>
+                <a:shade val="100000"/>
+              </a:schemeClr>
+            </a:gs>
+            <a:gs pos="100000">
+              <a:schemeClr val="accent6">
+                <a:shade val="50000"/>
+                <a:hueOff val="150880"/>
+                <a:satOff val="-23474"/>
+                <a:lumOff val="16572"/>
                 <a:alphaOff val="0"/>
                 <a:lumMod val="99000"/>
                 <a:satMod val="120000"/>
@@ -4933,7 +5215,7 @@
         </a:p>
       </dsp:txBody>
       <dsp:txXfrm>
-        <a:off x="4864331" y="3967482"/>
+        <a:off x="7278563" y="3967482"/>
         <a:ext cx="1663843" cy="974062"/>
       </dsp:txXfrm>
     </dsp:sp>
@@ -4944,7 +5226,7 @@
       </dsp:nvSpPr>
       <dsp:spPr>
         <a:xfrm>
-          <a:off x="6710230" y="4240681"/>
+          <a:off x="9124462" y="4240681"/>
           <a:ext cx="365583" cy="427663"/>
         </a:xfrm>
         <a:prstGeom prst="rightArrow">
@@ -4958,9 +5240,9 @@
             <a:gs pos="0">
               <a:schemeClr val="accent6">
                 <a:shade val="90000"/>
-                <a:hueOff val="104561"/>
-                <a:satOff val="-13166"/>
-                <a:lumOff val="9531"/>
+                <a:hueOff val="97092"/>
+                <a:satOff val="-12226"/>
+                <a:lumOff val="8851"/>
                 <a:alphaOff val="0"/>
                 <a:satMod val="103000"/>
                 <a:lumMod val="102000"/>
@@ -4970,9 +5252,9 @@
             <a:gs pos="50000">
               <a:schemeClr val="accent6">
                 <a:shade val="90000"/>
-                <a:hueOff val="104561"/>
-                <a:satOff val="-13166"/>
-                <a:lumOff val="9531"/>
+                <a:hueOff val="97092"/>
+                <a:satOff val="-12226"/>
+                <a:lumOff val="8851"/>
                 <a:alphaOff val="0"/>
                 <a:satMod val="110000"/>
                 <a:lumMod val="100000"/>
@@ -4982,9 +5264,9 @@
             <a:gs pos="100000">
               <a:schemeClr val="accent6">
                 <a:shade val="90000"/>
-                <a:hueOff val="104561"/>
-                <a:satOff val="-13166"/>
-                <a:lumOff val="9531"/>
+                <a:hueOff val="97092"/>
+                <a:satOff val="-12226"/>
+                <a:lumOff val="8851"/>
                 <a:alphaOff val="0"/>
                 <a:lumMod val="99000"/>
                 <a:satMod val="120000"/>
@@ -5042,7 +5324,7 @@
         </a:p>
       </dsp:txBody>
       <dsp:txXfrm>
-        <a:off x="6710230" y="4326214"/>
+        <a:off x="9124462" y="4326214"/>
         <a:ext cx="255908" cy="256597"/>
       </dsp:txXfrm>
     </dsp:sp>
@@ -5053,7 +5335,7 @@
       </dsp:nvSpPr>
       <dsp:spPr>
         <a:xfrm>
-          <a:off x="7248259" y="3937178"/>
+          <a:off x="9662491" y="3937178"/>
           <a:ext cx="1724451" cy="1034670"/>
         </a:xfrm>
         <a:prstGeom prst="roundRect">
@@ -5066,9 +5348,9 @@
             <a:gs pos="0">
               <a:schemeClr val="accent6">
                 <a:shade val="50000"/>
-                <a:hueOff val="80829"/>
-                <a:satOff val="-12576"/>
-                <a:lumOff val="8878"/>
+                <a:hueOff val="75440"/>
+                <a:satOff val="-11737"/>
+                <a:lumOff val="8286"/>
                 <a:alphaOff val="0"/>
                 <a:satMod val="103000"/>
                 <a:lumMod val="102000"/>
@@ -5078,9 +5360,9 @@
             <a:gs pos="50000">
               <a:schemeClr val="accent6">
                 <a:shade val="50000"/>
-                <a:hueOff val="80829"/>
-                <a:satOff val="-12576"/>
-                <a:lumOff val="8878"/>
+                <a:hueOff val="75440"/>
+                <a:satOff val="-11737"/>
+                <a:lumOff val="8286"/>
                 <a:alphaOff val="0"/>
                 <a:satMod val="110000"/>
                 <a:lumMod val="100000"/>
@@ -5090,9 +5372,9 @@
             <a:gs pos="100000">
               <a:schemeClr val="accent6">
                 <a:shade val="50000"/>
-                <a:hueOff val="80829"/>
-                <a:satOff val="-12576"/>
-                <a:lumOff val="8878"/>
+                <a:hueOff val="75440"/>
+                <a:satOff val="-11737"/>
+                <a:lumOff val="8286"/>
                 <a:alphaOff val="0"/>
                 <a:lumMod val="99000"/>
                 <a:satMod val="120000"/>
@@ -5154,7 +5436,7 @@
         </a:p>
       </dsp:txBody>
       <dsp:txXfrm>
-        <a:off x="7278563" y="3967482"/>
+        <a:off x="9692795" y="3967482"/>
         <a:ext cx="1663843" cy="974062"/>
       </dsp:txXfrm>
     </dsp:sp>
@@ -10191,16 +10473,7 @@
                 </a:solidFill>
                 <a:latin typeface="Arial Rounded MT Bold" panose="020F0704030504030204" pitchFamily="34" charset="0"/>
               </a:rPr>
-              <a:t>SWE-OAWP : </a:t>
-            </a:r>
-            <a:r>
-              <a:rPr lang="en-US" sz="5400" dirty="0" smtClean="0">
-                <a:solidFill>
-                  <a:schemeClr val="bg1"/>
-                </a:solidFill>
-                <a:latin typeface="Arial Rounded MT Bold" panose="020F0704030504030204" pitchFamily="34" charset="0"/>
-              </a:rPr>
-              <a:t>Se</a:t>
+              <a:t>SWE-OAWP : Se</a:t>
             </a:r>
             <a:r>
               <a:rPr lang="en-US" sz="5400" dirty="0" smtClean="0">
@@ -10263,6 +10536,13 @@
   <p:clrMapOvr>
     <a:masterClrMapping/>
   </p:clrMapOvr>
+  <p:timing>
+    <p:tnLst>
+      <p:par>
+        <p:cTn id="1" dur="indefinite" restart="never" nodeType="tmRoot"/>
+      </p:par>
+    </p:tnLst>
+  </p:timing>
 </p:sld>
 </file>
 
@@ -10312,16 +10592,7 @@
                 </a:solidFill>
                 <a:latin typeface="Arial Rounded MT Bold" panose="020F0704030504030204" pitchFamily="34" charset="0"/>
               </a:rPr>
-              <a:t>SWE-OAWP : </a:t>
-            </a:r>
-            <a:r>
-              <a:rPr lang="en-US" sz="5400" dirty="0" smtClean="0">
-                <a:solidFill>
-                  <a:schemeClr val="bg1"/>
-                </a:solidFill>
-                <a:latin typeface="Arial Rounded MT Bold" panose="020F0704030504030204" pitchFamily="34" charset="0"/>
-              </a:rPr>
-              <a:t>Se</a:t>
+              <a:t>SWE-OAWP : Se</a:t>
             </a:r>
             <a:r>
               <a:rPr lang="en-US" sz="5400" dirty="0" smtClean="0">
@@ -10384,6 +10655,13 @@
   <p:clrMapOvr>
     <a:masterClrMapping/>
   </p:clrMapOvr>
+  <p:timing>
+    <p:tnLst>
+      <p:par>
+        <p:cTn id="1" dur="indefinite" restart="never" nodeType="tmRoot"/>
+      </p:par>
+    </p:tnLst>
+  </p:timing>
 </p:sld>
 </file>
 
@@ -10433,16 +10711,7 @@
                 </a:solidFill>
                 <a:latin typeface="Arial Rounded MT Bold" panose="020F0704030504030204" pitchFamily="34" charset="0"/>
               </a:rPr>
-              <a:t>SWE-OAWP : </a:t>
-            </a:r>
-            <a:r>
-              <a:rPr lang="en-US" sz="5400" dirty="0" smtClean="0">
-                <a:solidFill>
-                  <a:schemeClr val="bg1"/>
-                </a:solidFill>
-                <a:latin typeface="Arial Rounded MT Bold" panose="020F0704030504030204" pitchFamily="34" charset="0"/>
-              </a:rPr>
-              <a:t>Se</a:t>
+              <a:t>SWE-OAWP : Se</a:t>
             </a:r>
             <a:r>
               <a:rPr lang="en-US" sz="5400" dirty="0" smtClean="0">
@@ -10505,6 +10774,13 @@
   <p:clrMapOvr>
     <a:masterClrMapping/>
   </p:clrMapOvr>
+  <p:timing>
+    <p:tnLst>
+      <p:par>
+        <p:cTn id="1" dur="indefinite" restart="never" nodeType="tmRoot"/>
+      </p:par>
+    </p:tnLst>
+  </p:timing>
 </p:sld>
 </file>
 
@@ -10554,16 +10830,7 @@
                 </a:solidFill>
                 <a:latin typeface="Arial Rounded MT Bold" panose="020F0704030504030204" pitchFamily="34" charset="0"/>
               </a:rPr>
-              <a:t>SWE-OAWP : </a:t>
-            </a:r>
-            <a:r>
-              <a:rPr lang="en-US" sz="5400" dirty="0" smtClean="0">
-                <a:solidFill>
-                  <a:schemeClr val="bg1"/>
-                </a:solidFill>
-                <a:latin typeface="Arial Rounded MT Bold" panose="020F0704030504030204" pitchFamily="34" charset="0"/>
-              </a:rPr>
-              <a:t>Se</a:t>
+              <a:t>SWE-OAWP : Se</a:t>
             </a:r>
             <a:r>
               <a:rPr lang="en-US" sz="5400" dirty="0" smtClean="0">
@@ -10626,6 +10893,13 @@
   <p:clrMapOvr>
     <a:masterClrMapping/>
   </p:clrMapOvr>
+  <p:timing>
+    <p:tnLst>
+      <p:par>
+        <p:cTn id="1" dur="indefinite" restart="never" nodeType="tmRoot"/>
+      </p:par>
+    </p:tnLst>
+  </p:timing>
 </p:sld>
 </file>
 
@@ -10675,16 +10949,7 @@
                 </a:solidFill>
                 <a:latin typeface="Arial Rounded MT Bold" panose="020F0704030504030204" pitchFamily="34" charset="0"/>
               </a:rPr>
-              <a:t>SWE-OAWP : </a:t>
-            </a:r>
-            <a:r>
-              <a:rPr lang="en-US" sz="5400" dirty="0" smtClean="0">
-                <a:solidFill>
-                  <a:schemeClr val="bg1"/>
-                </a:solidFill>
-                <a:latin typeface="Arial Rounded MT Bold" panose="020F0704030504030204" pitchFamily="34" charset="0"/>
-              </a:rPr>
-              <a:t>Se</a:t>
+              <a:t>SWE-OAWP : Se</a:t>
             </a:r>
             <a:r>
               <a:rPr lang="en-US" sz="5400" dirty="0" smtClean="0">
@@ -10747,6 +11012,13 @@
   <p:clrMapOvr>
     <a:masterClrMapping/>
   </p:clrMapOvr>
+  <p:timing>
+    <p:tnLst>
+      <p:par>
+        <p:cTn id="1" dur="indefinite" restart="never" nodeType="tmRoot"/>
+      </p:par>
+    </p:tnLst>
+  </p:timing>
 </p:sld>
 </file>
 
@@ -10844,7 +11116,7 @@
           <p:nvPr>
             <p:extLst>
               <p:ext uri="{D42A27DB-BD31-4B8C-83A1-F6EECF244321}">
-                <p14:modId xmlns:p14="http://schemas.microsoft.com/office/powerpoint/2010/main" val="22919180"/>
+                <p14:modId xmlns:p14="http://schemas.microsoft.com/office/powerpoint/2010/main" val="3834897992"/>
               </p:ext>
             </p:extLst>
           </p:nvPr>
@@ -10872,9 +11144,1559 @@
   <p:timing>
     <p:tnLst>
       <p:par>
-        <p:cTn id="1" dur="indefinite" restart="never" nodeType="tmRoot"/>
+        <p:cTn id="1" dur="indefinite" restart="never" nodeType="tmRoot">
+          <p:childTnLst>
+            <p:seq concurrent="1" nextAc="seek">
+              <p:cTn id="2" dur="indefinite" nodeType="mainSeq">
+                <p:childTnLst>
+                  <p:par>
+                    <p:cTn id="3" fill="hold">
+                      <p:stCondLst>
+                        <p:cond delay="indefinite"/>
+                        <p:cond evt="onBegin" delay="0">
+                          <p:tn val="2"/>
+                        </p:cond>
+                      </p:stCondLst>
+                      <p:childTnLst>
+                        <p:par>
+                          <p:cTn id="4" fill="hold">
+                            <p:stCondLst>
+                              <p:cond delay="0"/>
+                            </p:stCondLst>
+                            <p:childTnLst>
+                              <p:par>
+                                <p:cTn id="5" presetID="10" presetClass="entr" presetSubtype="0" fill="hold" grpId="0" nodeType="afterEffect">
+                                  <p:stCondLst>
+                                    <p:cond delay="0"/>
+                                  </p:stCondLst>
+                                  <p:childTnLst>
+                                    <p:set>
+                                      <p:cBhvr>
+                                        <p:cTn id="6" dur="1" fill="hold">
+                                          <p:stCondLst>
+                                            <p:cond delay="0"/>
+                                          </p:stCondLst>
+                                        </p:cTn>
+                                        <p:tgtEl>
+                                          <p:spTgt spid="7">
+                                            <p:graphicEl>
+                                              <a:dgm id="{63CE118F-9142-4CC8-AAC8-BF3CB8BB02CD}"/>
+                                            </p:graphicEl>
+                                          </p:spTgt>
+                                        </p:tgtEl>
+                                        <p:attrNameLst>
+                                          <p:attrName>style.visibility</p:attrName>
+                                        </p:attrNameLst>
+                                      </p:cBhvr>
+                                      <p:to>
+                                        <p:strVal val="visible"/>
+                                      </p:to>
+                                    </p:set>
+                                    <p:animEffect transition="in" filter="fade">
+                                      <p:cBhvr>
+                                        <p:cTn id="7" dur="500"/>
+                                        <p:tgtEl>
+                                          <p:spTgt spid="7">
+                                            <p:graphicEl>
+                                              <a:dgm id="{63CE118F-9142-4CC8-AAC8-BF3CB8BB02CD}"/>
+                                            </p:graphicEl>
+                                          </p:spTgt>
+                                        </p:tgtEl>
+                                      </p:cBhvr>
+                                    </p:animEffect>
+                                  </p:childTnLst>
+                                </p:cTn>
+                              </p:par>
+                            </p:childTnLst>
+                          </p:cTn>
+                        </p:par>
+                        <p:par>
+                          <p:cTn id="8" fill="hold">
+                            <p:stCondLst>
+                              <p:cond delay="500"/>
+                            </p:stCondLst>
+                            <p:childTnLst>
+                              <p:par>
+                                <p:cTn id="9" presetID="10" presetClass="entr" presetSubtype="0" fill="hold" grpId="0" nodeType="afterEffect">
+                                  <p:stCondLst>
+                                    <p:cond delay="0"/>
+                                  </p:stCondLst>
+                                  <p:childTnLst>
+                                    <p:set>
+                                      <p:cBhvr>
+                                        <p:cTn id="10" dur="1" fill="hold">
+                                          <p:stCondLst>
+                                            <p:cond delay="0"/>
+                                          </p:stCondLst>
+                                        </p:cTn>
+                                        <p:tgtEl>
+                                          <p:spTgt spid="7">
+                                            <p:graphicEl>
+                                              <a:dgm id="{48924F06-028A-4E81-AB80-E867528E89A0}"/>
+                                            </p:graphicEl>
+                                          </p:spTgt>
+                                        </p:tgtEl>
+                                        <p:attrNameLst>
+                                          <p:attrName>style.visibility</p:attrName>
+                                        </p:attrNameLst>
+                                      </p:cBhvr>
+                                      <p:to>
+                                        <p:strVal val="visible"/>
+                                      </p:to>
+                                    </p:set>
+                                    <p:animEffect transition="in" filter="fade">
+                                      <p:cBhvr>
+                                        <p:cTn id="11" dur="500"/>
+                                        <p:tgtEl>
+                                          <p:spTgt spid="7">
+                                            <p:graphicEl>
+                                              <a:dgm id="{48924F06-028A-4E81-AB80-E867528E89A0}"/>
+                                            </p:graphicEl>
+                                          </p:spTgt>
+                                        </p:tgtEl>
+                                      </p:cBhvr>
+                                    </p:animEffect>
+                                  </p:childTnLst>
+                                </p:cTn>
+                              </p:par>
+                            </p:childTnLst>
+                          </p:cTn>
+                        </p:par>
+                        <p:par>
+                          <p:cTn id="12" fill="hold">
+                            <p:stCondLst>
+                              <p:cond delay="1000"/>
+                            </p:stCondLst>
+                            <p:childTnLst>
+                              <p:par>
+                                <p:cTn id="13" presetID="10" presetClass="entr" presetSubtype="0" fill="hold" grpId="0" nodeType="afterEffect">
+                                  <p:stCondLst>
+                                    <p:cond delay="0"/>
+                                  </p:stCondLst>
+                                  <p:childTnLst>
+                                    <p:set>
+                                      <p:cBhvr>
+                                        <p:cTn id="14" dur="1" fill="hold">
+                                          <p:stCondLst>
+                                            <p:cond delay="0"/>
+                                          </p:stCondLst>
+                                        </p:cTn>
+                                        <p:tgtEl>
+                                          <p:spTgt spid="7">
+                                            <p:graphicEl>
+                                              <a:dgm id="{3A4BC97F-37CA-4829-A88A-369F4D7D16BF}"/>
+                                            </p:graphicEl>
+                                          </p:spTgt>
+                                        </p:tgtEl>
+                                        <p:attrNameLst>
+                                          <p:attrName>style.visibility</p:attrName>
+                                        </p:attrNameLst>
+                                      </p:cBhvr>
+                                      <p:to>
+                                        <p:strVal val="visible"/>
+                                      </p:to>
+                                    </p:set>
+                                    <p:animEffect transition="in" filter="fade">
+                                      <p:cBhvr>
+                                        <p:cTn id="15" dur="500"/>
+                                        <p:tgtEl>
+                                          <p:spTgt spid="7">
+                                            <p:graphicEl>
+                                              <a:dgm id="{3A4BC97F-37CA-4829-A88A-369F4D7D16BF}"/>
+                                            </p:graphicEl>
+                                          </p:spTgt>
+                                        </p:tgtEl>
+                                      </p:cBhvr>
+                                    </p:animEffect>
+                                  </p:childTnLst>
+                                </p:cTn>
+                              </p:par>
+                            </p:childTnLst>
+                          </p:cTn>
+                        </p:par>
+                        <p:par>
+                          <p:cTn id="16" fill="hold">
+                            <p:stCondLst>
+                              <p:cond delay="1500"/>
+                            </p:stCondLst>
+                            <p:childTnLst>
+                              <p:par>
+                                <p:cTn id="17" presetID="10" presetClass="entr" presetSubtype="0" fill="hold" grpId="0" nodeType="afterEffect">
+                                  <p:stCondLst>
+                                    <p:cond delay="0"/>
+                                  </p:stCondLst>
+                                  <p:childTnLst>
+                                    <p:set>
+                                      <p:cBhvr>
+                                        <p:cTn id="18" dur="1" fill="hold">
+                                          <p:stCondLst>
+                                            <p:cond delay="0"/>
+                                          </p:stCondLst>
+                                        </p:cTn>
+                                        <p:tgtEl>
+                                          <p:spTgt spid="7">
+                                            <p:graphicEl>
+                                              <a:dgm id="{4115D3B3-E953-4869-93FF-DAB29CF1771B}"/>
+                                            </p:graphicEl>
+                                          </p:spTgt>
+                                        </p:tgtEl>
+                                        <p:attrNameLst>
+                                          <p:attrName>style.visibility</p:attrName>
+                                        </p:attrNameLst>
+                                      </p:cBhvr>
+                                      <p:to>
+                                        <p:strVal val="visible"/>
+                                      </p:to>
+                                    </p:set>
+                                    <p:animEffect transition="in" filter="fade">
+                                      <p:cBhvr>
+                                        <p:cTn id="19" dur="500"/>
+                                        <p:tgtEl>
+                                          <p:spTgt spid="7">
+                                            <p:graphicEl>
+                                              <a:dgm id="{4115D3B3-E953-4869-93FF-DAB29CF1771B}"/>
+                                            </p:graphicEl>
+                                          </p:spTgt>
+                                        </p:tgtEl>
+                                      </p:cBhvr>
+                                    </p:animEffect>
+                                  </p:childTnLst>
+                                </p:cTn>
+                              </p:par>
+                            </p:childTnLst>
+                          </p:cTn>
+                        </p:par>
+                        <p:par>
+                          <p:cTn id="20" fill="hold">
+                            <p:stCondLst>
+                              <p:cond delay="2000"/>
+                            </p:stCondLst>
+                            <p:childTnLst>
+                              <p:par>
+                                <p:cTn id="21" presetID="10" presetClass="entr" presetSubtype="0" fill="hold" grpId="0" nodeType="afterEffect">
+                                  <p:stCondLst>
+                                    <p:cond delay="0"/>
+                                  </p:stCondLst>
+                                  <p:childTnLst>
+                                    <p:set>
+                                      <p:cBhvr>
+                                        <p:cTn id="22" dur="1" fill="hold">
+                                          <p:stCondLst>
+                                            <p:cond delay="0"/>
+                                          </p:stCondLst>
+                                        </p:cTn>
+                                        <p:tgtEl>
+                                          <p:spTgt spid="7">
+                                            <p:graphicEl>
+                                              <a:dgm id="{0FB98FBF-B28F-4B7D-84F4-FEF463FF8EC5}"/>
+                                            </p:graphicEl>
+                                          </p:spTgt>
+                                        </p:tgtEl>
+                                        <p:attrNameLst>
+                                          <p:attrName>style.visibility</p:attrName>
+                                        </p:attrNameLst>
+                                      </p:cBhvr>
+                                      <p:to>
+                                        <p:strVal val="visible"/>
+                                      </p:to>
+                                    </p:set>
+                                    <p:animEffect transition="in" filter="fade">
+                                      <p:cBhvr>
+                                        <p:cTn id="23" dur="500"/>
+                                        <p:tgtEl>
+                                          <p:spTgt spid="7">
+                                            <p:graphicEl>
+                                              <a:dgm id="{0FB98FBF-B28F-4B7D-84F4-FEF463FF8EC5}"/>
+                                            </p:graphicEl>
+                                          </p:spTgt>
+                                        </p:tgtEl>
+                                      </p:cBhvr>
+                                    </p:animEffect>
+                                  </p:childTnLst>
+                                </p:cTn>
+                              </p:par>
+                            </p:childTnLst>
+                          </p:cTn>
+                        </p:par>
+                        <p:par>
+                          <p:cTn id="24" fill="hold">
+                            <p:stCondLst>
+                              <p:cond delay="2500"/>
+                            </p:stCondLst>
+                            <p:childTnLst>
+                              <p:par>
+                                <p:cTn id="25" presetID="10" presetClass="entr" presetSubtype="0" fill="hold" grpId="0" nodeType="afterEffect">
+                                  <p:stCondLst>
+                                    <p:cond delay="0"/>
+                                  </p:stCondLst>
+                                  <p:childTnLst>
+                                    <p:set>
+                                      <p:cBhvr>
+                                        <p:cTn id="26" dur="1" fill="hold">
+                                          <p:stCondLst>
+                                            <p:cond delay="0"/>
+                                          </p:stCondLst>
+                                        </p:cTn>
+                                        <p:tgtEl>
+                                          <p:spTgt spid="7">
+                                            <p:graphicEl>
+                                              <a:dgm id="{5876F1DE-B8AB-4E39-9F0D-4116853BF538}"/>
+                                            </p:graphicEl>
+                                          </p:spTgt>
+                                        </p:tgtEl>
+                                        <p:attrNameLst>
+                                          <p:attrName>style.visibility</p:attrName>
+                                        </p:attrNameLst>
+                                      </p:cBhvr>
+                                      <p:to>
+                                        <p:strVal val="visible"/>
+                                      </p:to>
+                                    </p:set>
+                                    <p:animEffect transition="in" filter="fade">
+                                      <p:cBhvr>
+                                        <p:cTn id="27" dur="500"/>
+                                        <p:tgtEl>
+                                          <p:spTgt spid="7">
+                                            <p:graphicEl>
+                                              <a:dgm id="{5876F1DE-B8AB-4E39-9F0D-4116853BF538}"/>
+                                            </p:graphicEl>
+                                          </p:spTgt>
+                                        </p:tgtEl>
+                                      </p:cBhvr>
+                                    </p:animEffect>
+                                  </p:childTnLst>
+                                </p:cTn>
+                              </p:par>
+                            </p:childTnLst>
+                          </p:cTn>
+                        </p:par>
+                        <p:par>
+                          <p:cTn id="28" fill="hold">
+                            <p:stCondLst>
+                              <p:cond delay="3000"/>
+                            </p:stCondLst>
+                            <p:childTnLst>
+                              <p:par>
+                                <p:cTn id="29" presetID="10" presetClass="entr" presetSubtype="0" fill="hold" grpId="0" nodeType="afterEffect">
+                                  <p:stCondLst>
+                                    <p:cond delay="0"/>
+                                  </p:stCondLst>
+                                  <p:childTnLst>
+                                    <p:set>
+                                      <p:cBhvr>
+                                        <p:cTn id="30" dur="1" fill="hold">
+                                          <p:stCondLst>
+                                            <p:cond delay="0"/>
+                                          </p:stCondLst>
+                                        </p:cTn>
+                                        <p:tgtEl>
+                                          <p:spTgt spid="7">
+                                            <p:graphicEl>
+                                              <a:dgm id="{F41D2CE0-03DE-43A6-AD41-BEF2A391E549}"/>
+                                            </p:graphicEl>
+                                          </p:spTgt>
+                                        </p:tgtEl>
+                                        <p:attrNameLst>
+                                          <p:attrName>style.visibility</p:attrName>
+                                        </p:attrNameLst>
+                                      </p:cBhvr>
+                                      <p:to>
+                                        <p:strVal val="visible"/>
+                                      </p:to>
+                                    </p:set>
+                                    <p:animEffect transition="in" filter="fade">
+                                      <p:cBhvr>
+                                        <p:cTn id="31" dur="500"/>
+                                        <p:tgtEl>
+                                          <p:spTgt spid="7">
+                                            <p:graphicEl>
+                                              <a:dgm id="{F41D2CE0-03DE-43A6-AD41-BEF2A391E549}"/>
+                                            </p:graphicEl>
+                                          </p:spTgt>
+                                        </p:tgtEl>
+                                      </p:cBhvr>
+                                    </p:animEffect>
+                                  </p:childTnLst>
+                                </p:cTn>
+                              </p:par>
+                            </p:childTnLst>
+                          </p:cTn>
+                        </p:par>
+                        <p:par>
+                          <p:cTn id="32" fill="hold">
+                            <p:stCondLst>
+                              <p:cond delay="3500"/>
+                            </p:stCondLst>
+                            <p:childTnLst>
+                              <p:par>
+                                <p:cTn id="33" presetID="10" presetClass="entr" presetSubtype="0" fill="hold" grpId="0" nodeType="afterEffect">
+                                  <p:stCondLst>
+                                    <p:cond delay="0"/>
+                                  </p:stCondLst>
+                                  <p:childTnLst>
+                                    <p:set>
+                                      <p:cBhvr>
+                                        <p:cTn id="34" dur="1" fill="hold">
+                                          <p:stCondLst>
+                                            <p:cond delay="0"/>
+                                          </p:stCondLst>
+                                        </p:cTn>
+                                        <p:tgtEl>
+                                          <p:spTgt spid="7">
+                                            <p:graphicEl>
+                                              <a:dgm id="{787283D2-DC31-4C5F-933D-F24E8169EDC8}"/>
+                                            </p:graphicEl>
+                                          </p:spTgt>
+                                        </p:tgtEl>
+                                        <p:attrNameLst>
+                                          <p:attrName>style.visibility</p:attrName>
+                                        </p:attrNameLst>
+                                      </p:cBhvr>
+                                      <p:to>
+                                        <p:strVal val="visible"/>
+                                      </p:to>
+                                    </p:set>
+                                    <p:animEffect transition="in" filter="fade">
+                                      <p:cBhvr>
+                                        <p:cTn id="35" dur="500"/>
+                                        <p:tgtEl>
+                                          <p:spTgt spid="7">
+                                            <p:graphicEl>
+                                              <a:dgm id="{787283D2-DC31-4C5F-933D-F24E8169EDC8}"/>
+                                            </p:graphicEl>
+                                          </p:spTgt>
+                                        </p:tgtEl>
+                                      </p:cBhvr>
+                                    </p:animEffect>
+                                  </p:childTnLst>
+                                </p:cTn>
+                              </p:par>
+                            </p:childTnLst>
+                          </p:cTn>
+                        </p:par>
+                        <p:par>
+                          <p:cTn id="36" fill="hold">
+                            <p:stCondLst>
+                              <p:cond delay="4000"/>
+                            </p:stCondLst>
+                            <p:childTnLst>
+                              <p:par>
+                                <p:cTn id="37" presetID="10" presetClass="entr" presetSubtype="0" fill="hold" grpId="0" nodeType="afterEffect">
+                                  <p:stCondLst>
+                                    <p:cond delay="0"/>
+                                  </p:stCondLst>
+                                  <p:childTnLst>
+                                    <p:set>
+                                      <p:cBhvr>
+                                        <p:cTn id="38" dur="1" fill="hold">
+                                          <p:stCondLst>
+                                            <p:cond delay="0"/>
+                                          </p:stCondLst>
+                                        </p:cTn>
+                                        <p:tgtEl>
+                                          <p:spTgt spid="7">
+                                            <p:graphicEl>
+                                              <a:dgm id="{B45BBCF7-2388-436D-9A2D-2D562E223D1B}"/>
+                                            </p:graphicEl>
+                                          </p:spTgt>
+                                        </p:tgtEl>
+                                        <p:attrNameLst>
+                                          <p:attrName>style.visibility</p:attrName>
+                                        </p:attrNameLst>
+                                      </p:cBhvr>
+                                      <p:to>
+                                        <p:strVal val="visible"/>
+                                      </p:to>
+                                    </p:set>
+                                    <p:animEffect transition="in" filter="fade">
+                                      <p:cBhvr>
+                                        <p:cTn id="39" dur="500"/>
+                                        <p:tgtEl>
+                                          <p:spTgt spid="7">
+                                            <p:graphicEl>
+                                              <a:dgm id="{B45BBCF7-2388-436D-9A2D-2D562E223D1B}"/>
+                                            </p:graphicEl>
+                                          </p:spTgt>
+                                        </p:tgtEl>
+                                      </p:cBhvr>
+                                    </p:animEffect>
+                                  </p:childTnLst>
+                                </p:cTn>
+                              </p:par>
+                            </p:childTnLst>
+                          </p:cTn>
+                        </p:par>
+                        <p:par>
+                          <p:cTn id="40" fill="hold">
+                            <p:stCondLst>
+                              <p:cond delay="4500"/>
+                            </p:stCondLst>
+                            <p:childTnLst>
+                              <p:par>
+                                <p:cTn id="41" presetID="10" presetClass="entr" presetSubtype="0" fill="hold" grpId="0" nodeType="afterEffect">
+                                  <p:stCondLst>
+                                    <p:cond delay="0"/>
+                                  </p:stCondLst>
+                                  <p:childTnLst>
+                                    <p:set>
+                                      <p:cBhvr>
+                                        <p:cTn id="42" dur="1" fill="hold">
+                                          <p:stCondLst>
+                                            <p:cond delay="0"/>
+                                          </p:stCondLst>
+                                        </p:cTn>
+                                        <p:tgtEl>
+                                          <p:spTgt spid="7">
+                                            <p:graphicEl>
+                                              <a:dgm id="{DEC679EB-2799-46C1-90F2-EE5825B68383}"/>
+                                            </p:graphicEl>
+                                          </p:spTgt>
+                                        </p:tgtEl>
+                                        <p:attrNameLst>
+                                          <p:attrName>style.visibility</p:attrName>
+                                        </p:attrNameLst>
+                                      </p:cBhvr>
+                                      <p:to>
+                                        <p:strVal val="visible"/>
+                                      </p:to>
+                                    </p:set>
+                                    <p:animEffect transition="in" filter="fade">
+                                      <p:cBhvr>
+                                        <p:cTn id="43" dur="500"/>
+                                        <p:tgtEl>
+                                          <p:spTgt spid="7">
+                                            <p:graphicEl>
+                                              <a:dgm id="{DEC679EB-2799-46C1-90F2-EE5825B68383}"/>
+                                            </p:graphicEl>
+                                          </p:spTgt>
+                                        </p:tgtEl>
+                                      </p:cBhvr>
+                                    </p:animEffect>
+                                  </p:childTnLst>
+                                </p:cTn>
+                              </p:par>
+                            </p:childTnLst>
+                          </p:cTn>
+                        </p:par>
+                        <p:par>
+                          <p:cTn id="44" fill="hold">
+                            <p:stCondLst>
+                              <p:cond delay="5000"/>
+                            </p:stCondLst>
+                            <p:childTnLst>
+                              <p:par>
+                                <p:cTn id="45" presetID="10" presetClass="entr" presetSubtype="0" fill="hold" grpId="0" nodeType="afterEffect">
+                                  <p:stCondLst>
+                                    <p:cond delay="0"/>
+                                  </p:stCondLst>
+                                  <p:childTnLst>
+                                    <p:set>
+                                      <p:cBhvr>
+                                        <p:cTn id="46" dur="1" fill="hold">
+                                          <p:stCondLst>
+                                            <p:cond delay="0"/>
+                                          </p:stCondLst>
+                                        </p:cTn>
+                                        <p:tgtEl>
+                                          <p:spTgt spid="7">
+                                            <p:graphicEl>
+                                              <a:dgm id="{940586C3-78CD-4EDF-931D-F74DE1C37342}"/>
+                                            </p:graphicEl>
+                                          </p:spTgt>
+                                        </p:tgtEl>
+                                        <p:attrNameLst>
+                                          <p:attrName>style.visibility</p:attrName>
+                                        </p:attrNameLst>
+                                      </p:cBhvr>
+                                      <p:to>
+                                        <p:strVal val="visible"/>
+                                      </p:to>
+                                    </p:set>
+                                    <p:animEffect transition="in" filter="fade">
+                                      <p:cBhvr>
+                                        <p:cTn id="47" dur="500"/>
+                                        <p:tgtEl>
+                                          <p:spTgt spid="7">
+                                            <p:graphicEl>
+                                              <a:dgm id="{940586C3-78CD-4EDF-931D-F74DE1C37342}"/>
+                                            </p:graphicEl>
+                                          </p:spTgt>
+                                        </p:tgtEl>
+                                      </p:cBhvr>
+                                    </p:animEffect>
+                                  </p:childTnLst>
+                                </p:cTn>
+                              </p:par>
+                            </p:childTnLst>
+                          </p:cTn>
+                        </p:par>
+                        <p:par>
+                          <p:cTn id="48" fill="hold">
+                            <p:stCondLst>
+                              <p:cond delay="5500"/>
+                            </p:stCondLst>
+                            <p:childTnLst>
+                              <p:par>
+                                <p:cTn id="49" presetID="10" presetClass="entr" presetSubtype="0" fill="hold" grpId="0" nodeType="afterEffect">
+                                  <p:stCondLst>
+                                    <p:cond delay="0"/>
+                                  </p:stCondLst>
+                                  <p:childTnLst>
+                                    <p:set>
+                                      <p:cBhvr>
+                                        <p:cTn id="50" dur="1" fill="hold">
+                                          <p:stCondLst>
+                                            <p:cond delay="0"/>
+                                          </p:stCondLst>
+                                        </p:cTn>
+                                        <p:tgtEl>
+                                          <p:spTgt spid="7">
+                                            <p:graphicEl>
+                                              <a:dgm id="{6301015F-424B-4CC0-91B1-756CF871A347}"/>
+                                            </p:graphicEl>
+                                          </p:spTgt>
+                                        </p:tgtEl>
+                                        <p:attrNameLst>
+                                          <p:attrName>style.visibility</p:attrName>
+                                        </p:attrNameLst>
+                                      </p:cBhvr>
+                                      <p:to>
+                                        <p:strVal val="visible"/>
+                                      </p:to>
+                                    </p:set>
+                                    <p:animEffect transition="in" filter="fade">
+                                      <p:cBhvr>
+                                        <p:cTn id="51" dur="500"/>
+                                        <p:tgtEl>
+                                          <p:spTgt spid="7">
+                                            <p:graphicEl>
+                                              <a:dgm id="{6301015F-424B-4CC0-91B1-756CF871A347}"/>
+                                            </p:graphicEl>
+                                          </p:spTgt>
+                                        </p:tgtEl>
+                                      </p:cBhvr>
+                                    </p:animEffect>
+                                  </p:childTnLst>
+                                </p:cTn>
+                              </p:par>
+                            </p:childTnLst>
+                          </p:cTn>
+                        </p:par>
+                        <p:par>
+                          <p:cTn id="52" fill="hold">
+                            <p:stCondLst>
+                              <p:cond delay="6000"/>
+                            </p:stCondLst>
+                            <p:childTnLst>
+                              <p:par>
+                                <p:cTn id="53" presetID="10" presetClass="entr" presetSubtype="0" fill="hold" grpId="0" nodeType="afterEffect">
+                                  <p:stCondLst>
+                                    <p:cond delay="0"/>
+                                  </p:stCondLst>
+                                  <p:childTnLst>
+                                    <p:set>
+                                      <p:cBhvr>
+                                        <p:cTn id="54" dur="1" fill="hold">
+                                          <p:stCondLst>
+                                            <p:cond delay="0"/>
+                                          </p:stCondLst>
+                                        </p:cTn>
+                                        <p:tgtEl>
+                                          <p:spTgt spid="7">
+                                            <p:graphicEl>
+                                              <a:dgm id="{8DAED0D4-D883-489B-A93F-A42FBCBEB15C}"/>
+                                            </p:graphicEl>
+                                          </p:spTgt>
+                                        </p:tgtEl>
+                                        <p:attrNameLst>
+                                          <p:attrName>style.visibility</p:attrName>
+                                        </p:attrNameLst>
+                                      </p:cBhvr>
+                                      <p:to>
+                                        <p:strVal val="visible"/>
+                                      </p:to>
+                                    </p:set>
+                                    <p:animEffect transition="in" filter="fade">
+                                      <p:cBhvr>
+                                        <p:cTn id="55" dur="500"/>
+                                        <p:tgtEl>
+                                          <p:spTgt spid="7">
+                                            <p:graphicEl>
+                                              <a:dgm id="{8DAED0D4-D883-489B-A93F-A42FBCBEB15C}"/>
+                                            </p:graphicEl>
+                                          </p:spTgt>
+                                        </p:tgtEl>
+                                      </p:cBhvr>
+                                    </p:animEffect>
+                                  </p:childTnLst>
+                                </p:cTn>
+                              </p:par>
+                            </p:childTnLst>
+                          </p:cTn>
+                        </p:par>
+                        <p:par>
+                          <p:cTn id="56" fill="hold">
+                            <p:stCondLst>
+                              <p:cond delay="6500"/>
+                            </p:stCondLst>
+                            <p:childTnLst>
+                              <p:par>
+                                <p:cTn id="57" presetID="10" presetClass="entr" presetSubtype="0" fill="hold" grpId="0" nodeType="afterEffect">
+                                  <p:stCondLst>
+                                    <p:cond delay="0"/>
+                                  </p:stCondLst>
+                                  <p:childTnLst>
+                                    <p:set>
+                                      <p:cBhvr>
+                                        <p:cTn id="58" dur="1" fill="hold">
+                                          <p:stCondLst>
+                                            <p:cond delay="0"/>
+                                          </p:stCondLst>
+                                        </p:cTn>
+                                        <p:tgtEl>
+                                          <p:spTgt spid="7">
+                                            <p:graphicEl>
+                                              <a:dgm id="{6EEDDD97-4856-450C-A7D4-2CD4709F929E}"/>
+                                            </p:graphicEl>
+                                          </p:spTgt>
+                                        </p:tgtEl>
+                                        <p:attrNameLst>
+                                          <p:attrName>style.visibility</p:attrName>
+                                        </p:attrNameLst>
+                                      </p:cBhvr>
+                                      <p:to>
+                                        <p:strVal val="visible"/>
+                                      </p:to>
+                                    </p:set>
+                                    <p:animEffect transition="in" filter="fade">
+                                      <p:cBhvr>
+                                        <p:cTn id="59" dur="500"/>
+                                        <p:tgtEl>
+                                          <p:spTgt spid="7">
+                                            <p:graphicEl>
+                                              <a:dgm id="{6EEDDD97-4856-450C-A7D4-2CD4709F929E}"/>
+                                            </p:graphicEl>
+                                          </p:spTgt>
+                                        </p:tgtEl>
+                                      </p:cBhvr>
+                                    </p:animEffect>
+                                  </p:childTnLst>
+                                </p:cTn>
+                              </p:par>
+                            </p:childTnLst>
+                          </p:cTn>
+                        </p:par>
+                        <p:par>
+                          <p:cTn id="60" fill="hold">
+                            <p:stCondLst>
+                              <p:cond delay="7000"/>
+                            </p:stCondLst>
+                            <p:childTnLst>
+                              <p:par>
+                                <p:cTn id="61" presetID="10" presetClass="entr" presetSubtype="0" fill="hold" grpId="0" nodeType="afterEffect">
+                                  <p:stCondLst>
+                                    <p:cond delay="0"/>
+                                  </p:stCondLst>
+                                  <p:childTnLst>
+                                    <p:set>
+                                      <p:cBhvr>
+                                        <p:cTn id="62" dur="1" fill="hold">
+                                          <p:stCondLst>
+                                            <p:cond delay="0"/>
+                                          </p:stCondLst>
+                                        </p:cTn>
+                                        <p:tgtEl>
+                                          <p:spTgt spid="7">
+                                            <p:graphicEl>
+                                              <a:dgm id="{C6629E15-758C-41B8-82B8-42C5A8C7074B}"/>
+                                            </p:graphicEl>
+                                          </p:spTgt>
+                                        </p:tgtEl>
+                                        <p:attrNameLst>
+                                          <p:attrName>style.visibility</p:attrName>
+                                        </p:attrNameLst>
+                                      </p:cBhvr>
+                                      <p:to>
+                                        <p:strVal val="visible"/>
+                                      </p:to>
+                                    </p:set>
+                                    <p:animEffect transition="in" filter="fade">
+                                      <p:cBhvr>
+                                        <p:cTn id="63" dur="500"/>
+                                        <p:tgtEl>
+                                          <p:spTgt spid="7">
+                                            <p:graphicEl>
+                                              <a:dgm id="{C6629E15-758C-41B8-82B8-42C5A8C7074B}"/>
+                                            </p:graphicEl>
+                                          </p:spTgt>
+                                        </p:tgtEl>
+                                      </p:cBhvr>
+                                    </p:animEffect>
+                                  </p:childTnLst>
+                                </p:cTn>
+                              </p:par>
+                            </p:childTnLst>
+                          </p:cTn>
+                        </p:par>
+                        <p:par>
+                          <p:cTn id="64" fill="hold">
+                            <p:stCondLst>
+                              <p:cond delay="7500"/>
+                            </p:stCondLst>
+                            <p:childTnLst>
+                              <p:par>
+                                <p:cTn id="65" presetID="10" presetClass="entr" presetSubtype="0" fill="hold" grpId="0" nodeType="afterEffect">
+                                  <p:stCondLst>
+                                    <p:cond delay="0"/>
+                                  </p:stCondLst>
+                                  <p:childTnLst>
+                                    <p:set>
+                                      <p:cBhvr>
+                                        <p:cTn id="66" dur="1" fill="hold">
+                                          <p:stCondLst>
+                                            <p:cond delay="0"/>
+                                          </p:stCondLst>
+                                        </p:cTn>
+                                        <p:tgtEl>
+                                          <p:spTgt spid="7">
+                                            <p:graphicEl>
+                                              <a:dgm id="{86651481-FF04-44BD-A562-EDE89FD7BA2F}"/>
+                                            </p:graphicEl>
+                                          </p:spTgt>
+                                        </p:tgtEl>
+                                        <p:attrNameLst>
+                                          <p:attrName>style.visibility</p:attrName>
+                                        </p:attrNameLst>
+                                      </p:cBhvr>
+                                      <p:to>
+                                        <p:strVal val="visible"/>
+                                      </p:to>
+                                    </p:set>
+                                    <p:animEffect transition="in" filter="fade">
+                                      <p:cBhvr>
+                                        <p:cTn id="67" dur="500"/>
+                                        <p:tgtEl>
+                                          <p:spTgt spid="7">
+                                            <p:graphicEl>
+                                              <a:dgm id="{86651481-FF04-44BD-A562-EDE89FD7BA2F}"/>
+                                            </p:graphicEl>
+                                          </p:spTgt>
+                                        </p:tgtEl>
+                                      </p:cBhvr>
+                                    </p:animEffect>
+                                  </p:childTnLst>
+                                </p:cTn>
+                              </p:par>
+                            </p:childTnLst>
+                          </p:cTn>
+                        </p:par>
+                        <p:par>
+                          <p:cTn id="68" fill="hold">
+                            <p:stCondLst>
+                              <p:cond delay="8000"/>
+                            </p:stCondLst>
+                            <p:childTnLst>
+                              <p:par>
+                                <p:cTn id="69" presetID="10" presetClass="entr" presetSubtype="0" fill="hold" grpId="0" nodeType="afterEffect">
+                                  <p:stCondLst>
+                                    <p:cond delay="0"/>
+                                  </p:stCondLst>
+                                  <p:childTnLst>
+                                    <p:set>
+                                      <p:cBhvr>
+                                        <p:cTn id="70" dur="1" fill="hold">
+                                          <p:stCondLst>
+                                            <p:cond delay="0"/>
+                                          </p:stCondLst>
+                                        </p:cTn>
+                                        <p:tgtEl>
+                                          <p:spTgt spid="7">
+                                            <p:graphicEl>
+                                              <a:dgm id="{EC90519D-653C-4218-9A18-B4BEF799A799}"/>
+                                            </p:graphicEl>
+                                          </p:spTgt>
+                                        </p:tgtEl>
+                                        <p:attrNameLst>
+                                          <p:attrName>style.visibility</p:attrName>
+                                        </p:attrNameLst>
+                                      </p:cBhvr>
+                                      <p:to>
+                                        <p:strVal val="visible"/>
+                                      </p:to>
+                                    </p:set>
+                                    <p:animEffect transition="in" filter="fade">
+                                      <p:cBhvr>
+                                        <p:cTn id="71" dur="500"/>
+                                        <p:tgtEl>
+                                          <p:spTgt spid="7">
+                                            <p:graphicEl>
+                                              <a:dgm id="{EC90519D-653C-4218-9A18-B4BEF799A799}"/>
+                                            </p:graphicEl>
+                                          </p:spTgt>
+                                        </p:tgtEl>
+                                      </p:cBhvr>
+                                    </p:animEffect>
+                                  </p:childTnLst>
+                                </p:cTn>
+                              </p:par>
+                            </p:childTnLst>
+                          </p:cTn>
+                        </p:par>
+                        <p:par>
+                          <p:cTn id="72" fill="hold">
+                            <p:stCondLst>
+                              <p:cond delay="8500"/>
+                            </p:stCondLst>
+                            <p:childTnLst>
+                              <p:par>
+                                <p:cTn id="73" presetID="10" presetClass="entr" presetSubtype="0" fill="hold" grpId="0" nodeType="afterEffect">
+                                  <p:stCondLst>
+                                    <p:cond delay="0"/>
+                                  </p:stCondLst>
+                                  <p:childTnLst>
+                                    <p:set>
+                                      <p:cBhvr>
+                                        <p:cTn id="74" dur="1" fill="hold">
+                                          <p:stCondLst>
+                                            <p:cond delay="0"/>
+                                          </p:stCondLst>
+                                        </p:cTn>
+                                        <p:tgtEl>
+                                          <p:spTgt spid="7">
+                                            <p:graphicEl>
+                                              <a:dgm id="{1AB638A6-1292-4BC0-845E-8DD832EACDE4}"/>
+                                            </p:graphicEl>
+                                          </p:spTgt>
+                                        </p:tgtEl>
+                                        <p:attrNameLst>
+                                          <p:attrName>style.visibility</p:attrName>
+                                        </p:attrNameLst>
+                                      </p:cBhvr>
+                                      <p:to>
+                                        <p:strVal val="visible"/>
+                                      </p:to>
+                                    </p:set>
+                                    <p:animEffect transition="in" filter="fade">
+                                      <p:cBhvr>
+                                        <p:cTn id="75" dur="500"/>
+                                        <p:tgtEl>
+                                          <p:spTgt spid="7">
+                                            <p:graphicEl>
+                                              <a:dgm id="{1AB638A6-1292-4BC0-845E-8DD832EACDE4}"/>
+                                            </p:graphicEl>
+                                          </p:spTgt>
+                                        </p:tgtEl>
+                                      </p:cBhvr>
+                                    </p:animEffect>
+                                  </p:childTnLst>
+                                </p:cTn>
+                              </p:par>
+                            </p:childTnLst>
+                          </p:cTn>
+                        </p:par>
+                        <p:par>
+                          <p:cTn id="76" fill="hold">
+                            <p:stCondLst>
+                              <p:cond delay="9000"/>
+                            </p:stCondLst>
+                            <p:childTnLst>
+                              <p:par>
+                                <p:cTn id="77" presetID="10" presetClass="entr" presetSubtype="0" fill="hold" grpId="0" nodeType="afterEffect">
+                                  <p:stCondLst>
+                                    <p:cond delay="0"/>
+                                  </p:stCondLst>
+                                  <p:childTnLst>
+                                    <p:set>
+                                      <p:cBhvr>
+                                        <p:cTn id="78" dur="1" fill="hold">
+                                          <p:stCondLst>
+                                            <p:cond delay="0"/>
+                                          </p:stCondLst>
+                                        </p:cTn>
+                                        <p:tgtEl>
+                                          <p:spTgt spid="7">
+                                            <p:graphicEl>
+                                              <a:dgm id="{5BACB6AB-CAC5-4E01-BE11-BD6799C01AAA}"/>
+                                            </p:graphicEl>
+                                          </p:spTgt>
+                                        </p:tgtEl>
+                                        <p:attrNameLst>
+                                          <p:attrName>style.visibility</p:attrName>
+                                        </p:attrNameLst>
+                                      </p:cBhvr>
+                                      <p:to>
+                                        <p:strVal val="visible"/>
+                                      </p:to>
+                                    </p:set>
+                                    <p:animEffect transition="in" filter="fade">
+                                      <p:cBhvr>
+                                        <p:cTn id="79" dur="500"/>
+                                        <p:tgtEl>
+                                          <p:spTgt spid="7">
+                                            <p:graphicEl>
+                                              <a:dgm id="{5BACB6AB-CAC5-4E01-BE11-BD6799C01AAA}"/>
+                                            </p:graphicEl>
+                                          </p:spTgt>
+                                        </p:tgtEl>
+                                      </p:cBhvr>
+                                    </p:animEffect>
+                                  </p:childTnLst>
+                                </p:cTn>
+                              </p:par>
+                            </p:childTnLst>
+                          </p:cTn>
+                        </p:par>
+                        <p:par>
+                          <p:cTn id="80" fill="hold">
+                            <p:stCondLst>
+                              <p:cond delay="9500"/>
+                            </p:stCondLst>
+                            <p:childTnLst>
+                              <p:par>
+                                <p:cTn id="81" presetID="10" presetClass="entr" presetSubtype="0" fill="hold" grpId="0" nodeType="afterEffect">
+                                  <p:stCondLst>
+                                    <p:cond delay="0"/>
+                                  </p:stCondLst>
+                                  <p:childTnLst>
+                                    <p:set>
+                                      <p:cBhvr>
+                                        <p:cTn id="82" dur="1" fill="hold">
+                                          <p:stCondLst>
+                                            <p:cond delay="0"/>
+                                          </p:stCondLst>
+                                        </p:cTn>
+                                        <p:tgtEl>
+                                          <p:spTgt spid="7">
+                                            <p:graphicEl>
+                                              <a:dgm id="{89BC5668-20AB-4079-B523-AF9F3BAC5EBB}"/>
+                                            </p:graphicEl>
+                                          </p:spTgt>
+                                        </p:tgtEl>
+                                        <p:attrNameLst>
+                                          <p:attrName>style.visibility</p:attrName>
+                                        </p:attrNameLst>
+                                      </p:cBhvr>
+                                      <p:to>
+                                        <p:strVal val="visible"/>
+                                      </p:to>
+                                    </p:set>
+                                    <p:animEffect transition="in" filter="fade">
+                                      <p:cBhvr>
+                                        <p:cTn id="83" dur="500"/>
+                                        <p:tgtEl>
+                                          <p:spTgt spid="7">
+                                            <p:graphicEl>
+                                              <a:dgm id="{89BC5668-20AB-4079-B523-AF9F3BAC5EBB}"/>
+                                            </p:graphicEl>
+                                          </p:spTgt>
+                                        </p:tgtEl>
+                                      </p:cBhvr>
+                                    </p:animEffect>
+                                  </p:childTnLst>
+                                </p:cTn>
+                              </p:par>
+                            </p:childTnLst>
+                          </p:cTn>
+                        </p:par>
+                        <p:par>
+                          <p:cTn id="84" fill="hold">
+                            <p:stCondLst>
+                              <p:cond delay="10000"/>
+                            </p:stCondLst>
+                            <p:childTnLst>
+                              <p:par>
+                                <p:cTn id="85" presetID="10" presetClass="entr" presetSubtype="0" fill="hold" grpId="0" nodeType="afterEffect">
+                                  <p:stCondLst>
+                                    <p:cond delay="0"/>
+                                  </p:stCondLst>
+                                  <p:childTnLst>
+                                    <p:set>
+                                      <p:cBhvr>
+                                        <p:cTn id="86" dur="1" fill="hold">
+                                          <p:stCondLst>
+                                            <p:cond delay="0"/>
+                                          </p:stCondLst>
+                                        </p:cTn>
+                                        <p:tgtEl>
+                                          <p:spTgt spid="7">
+                                            <p:graphicEl>
+                                              <a:dgm id="{FF31987F-28DF-4C28-B287-28C25572ABE9}"/>
+                                            </p:graphicEl>
+                                          </p:spTgt>
+                                        </p:tgtEl>
+                                        <p:attrNameLst>
+                                          <p:attrName>style.visibility</p:attrName>
+                                        </p:attrNameLst>
+                                      </p:cBhvr>
+                                      <p:to>
+                                        <p:strVal val="visible"/>
+                                      </p:to>
+                                    </p:set>
+                                    <p:animEffect transition="in" filter="fade">
+                                      <p:cBhvr>
+                                        <p:cTn id="87" dur="500"/>
+                                        <p:tgtEl>
+                                          <p:spTgt spid="7">
+                                            <p:graphicEl>
+                                              <a:dgm id="{FF31987F-28DF-4C28-B287-28C25572ABE9}"/>
+                                            </p:graphicEl>
+                                          </p:spTgt>
+                                        </p:tgtEl>
+                                      </p:cBhvr>
+                                    </p:animEffect>
+                                  </p:childTnLst>
+                                </p:cTn>
+                              </p:par>
+                            </p:childTnLst>
+                          </p:cTn>
+                        </p:par>
+                        <p:par>
+                          <p:cTn id="88" fill="hold">
+                            <p:stCondLst>
+                              <p:cond delay="10500"/>
+                            </p:stCondLst>
+                            <p:childTnLst>
+                              <p:par>
+                                <p:cTn id="89" presetID="10" presetClass="entr" presetSubtype="0" fill="hold" grpId="0" nodeType="afterEffect">
+                                  <p:stCondLst>
+                                    <p:cond delay="0"/>
+                                  </p:stCondLst>
+                                  <p:childTnLst>
+                                    <p:set>
+                                      <p:cBhvr>
+                                        <p:cTn id="90" dur="1" fill="hold">
+                                          <p:stCondLst>
+                                            <p:cond delay="0"/>
+                                          </p:stCondLst>
+                                        </p:cTn>
+                                        <p:tgtEl>
+                                          <p:spTgt spid="7">
+                                            <p:graphicEl>
+                                              <a:dgm id="{53F21E50-3FE7-44CF-8ADB-18482AFA795B}"/>
+                                            </p:graphicEl>
+                                          </p:spTgt>
+                                        </p:tgtEl>
+                                        <p:attrNameLst>
+                                          <p:attrName>style.visibility</p:attrName>
+                                        </p:attrNameLst>
+                                      </p:cBhvr>
+                                      <p:to>
+                                        <p:strVal val="visible"/>
+                                      </p:to>
+                                    </p:set>
+                                    <p:animEffect transition="in" filter="fade">
+                                      <p:cBhvr>
+                                        <p:cTn id="91" dur="500"/>
+                                        <p:tgtEl>
+                                          <p:spTgt spid="7">
+                                            <p:graphicEl>
+                                              <a:dgm id="{53F21E50-3FE7-44CF-8ADB-18482AFA795B}"/>
+                                            </p:graphicEl>
+                                          </p:spTgt>
+                                        </p:tgtEl>
+                                      </p:cBhvr>
+                                    </p:animEffect>
+                                  </p:childTnLst>
+                                </p:cTn>
+                              </p:par>
+                            </p:childTnLst>
+                          </p:cTn>
+                        </p:par>
+                        <p:par>
+                          <p:cTn id="92" fill="hold">
+                            <p:stCondLst>
+                              <p:cond delay="11000"/>
+                            </p:stCondLst>
+                            <p:childTnLst>
+                              <p:par>
+                                <p:cTn id="93" presetID="10" presetClass="entr" presetSubtype="0" fill="hold" grpId="0" nodeType="afterEffect">
+                                  <p:stCondLst>
+                                    <p:cond delay="0"/>
+                                  </p:stCondLst>
+                                  <p:childTnLst>
+                                    <p:set>
+                                      <p:cBhvr>
+                                        <p:cTn id="94" dur="1" fill="hold">
+                                          <p:stCondLst>
+                                            <p:cond delay="0"/>
+                                          </p:stCondLst>
+                                        </p:cTn>
+                                        <p:tgtEl>
+                                          <p:spTgt spid="7">
+                                            <p:graphicEl>
+                                              <a:dgm id="{EC4DBE40-1F90-4072-823A-1E09E26F5F8B}"/>
+                                            </p:graphicEl>
+                                          </p:spTgt>
+                                        </p:tgtEl>
+                                        <p:attrNameLst>
+                                          <p:attrName>style.visibility</p:attrName>
+                                        </p:attrNameLst>
+                                      </p:cBhvr>
+                                      <p:to>
+                                        <p:strVal val="visible"/>
+                                      </p:to>
+                                    </p:set>
+                                    <p:animEffect transition="in" filter="fade">
+                                      <p:cBhvr>
+                                        <p:cTn id="95" dur="500"/>
+                                        <p:tgtEl>
+                                          <p:spTgt spid="7">
+                                            <p:graphicEl>
+                                              <a:dgm id="{EC4DBE40-1F90-4072-823A-1E09E26F5F8B}"/>
+                                            </p:graphicEl>
+                                          </p:spTgt>
+                                        </p:tgtEl>
+                                      </p:cBhvr>
+                                    </p:animEffect>
+                                  </p:childTnLst>
+                                </p:cTn>
+                              </p:par>
+                            </p:childTnLst>
+                          </p:cTn>
+                        </p:par>
+                        <p:par>
+                          <p:cTn id="96" fill="hold">
+                            <p:stCondLst>
+                              <p:cond delay="11500"/>
+                            </p:stCondLst>
+                            <p:childTnLst>
+                              <p:par>
+                                <p:cTn id="97" presetID="10" presetClass="entr" presetSubtype="0" fill="hold" grpId="0" nodeType="afterEffect">
+                                  <p:stCondLst>
+                                    <p:cond delay="0"/>
+                                  </p:stCondLst>
+                                  <p:childTnLst>
+                                    <p:set>
+                                      <p:cBhvr>
+                                        <p:cTn id="98" dur="1" fill="hold">
+                                          <p:stCondLst>
+                                            <p:cond delay="0"/>
+                                          </p:stCondLst>
+                                        </p:cTn>
+                                        <p:tgtEl>
+                                          <p:spTgt spid="7">
+                                            <p:graphicEl>
+                                              <a:dgm id="{245CB016-E536-4099-BD43-ED1A0E2850EC}"/>
+                                            </p:graphicEl>
+                                          </p:spTgt>
+                                        </p:tgtEl>
+                                        <p:attrNameLst>
+                                          <p:attrName>style.visibility</p:attrName>
+                                        </p:attrNameLst>
+                                      </p:cBhvr>
+                                      <p:to>
+                                        <p:strVal val="visible"/>
+                                      </p:to>
+                                    </p:set>
+                                    <p:animEffect transition="in" filter="fade">
+                                      <p:cBhvr>
+                                        <p:cTn id="99" dur="500"/>
+                                        <p:tgtEl>
+                                          <p:spTgt spid="7">
+                                            <p:graphicEl>
+                                              <a:dgm id="{245CB016-E536-4099-BD43-ED1A0E2850EC}"/>
+                                            </p:graphicEl>
+                                          </p:spTgt>
+                                        </p:tgtEl>
+                                      </p:cBhvr>
+                                    </p:animEffect>
+                                  </p:childTnLst>
+                                </p:cTn>
+                              </p:par>
+                            </p:childTnLst>
+                          </p:cTn>
+                        </p:par>
+                        <p:par>
+                          <p:cTn id="100" fill="hold">
+                            <p:stCondLst>
+                              <p:cond delay="12000"/>
+                            </p:stCondLst>
+                            <p:childTnLst>
+                              <p:par>
+                                <p:cTn id="101" presetID="10" presetClass="entr" presetSubtype="0" fill="hold" grpId="0" nodeType="afterEffect">
+                                  <p:stCondLst>
+                                    <p:cond delay="0"/>
+                                  </p:stCondLst>
+                                  <p:childTnLst>
+                                    <p:set>
+                                      <p:cBhvr>
+                                        <p:cTn id="102" dur="1" fill="hold">
+                                          <p:stCondLst>
+                                            <p:cond delay="0"/>
+                                          </p:stCondLst>
+                                        </p:cTn>
+                                        <p:tgtEl>
+                                          <p:spTgt spid="7">
+                                            <p:graphicEl>
+                                              <a:dgm id="{5DD1498A-C3D8-44BC-9E5C-4527DA1E6703}"/>
+                                            </p:graphicEl>
+                                          </p:spTgt>
+                                        </p:tgtEl>
+                                        <p:attrNameLst>
+                                          <p:attrName>style.visibility</p:attrName>
+                                        </p:attrNameLst>
+                                      </p:cBhvr>
+                                      <p:to>
+                                        <p:strVal val="visible"/>
+                                      </p:to>
+                                    </p:set>
+                                    <p:animEffect transition="in" filter="fade">
+                                      <p:cBhvr>
+                                        <p:cTn id="103" dur="500"/>
+                                        <p:tgtEl>
+                                          <p:spTgt spid="7">
+                                            <p:graphicEl>
+                                              <a:dgm id="{5DD1498A-C3D8-44BC-9E5C-4527DA1E6703}"/>
+                                            </p:graphicEl>
+                                          </p:spTgt>
+                                        </p:tgtEl>
+                                      </p:cBhvr>
+                                    </p:animEffect>
+                                  </p:childTnLst>
+                                </p:cTn>
+                              </p:par>
+                            </p:childTnLst>
+                          </p:cTn>
+                        </p:par>
+                        <p:par>
+                          <p:cTn id="104" fill="hold">
+                            <p:stCondLst>
+                              <p:cond delay="12500"/>
+                            </p:stCondLst>
+                            <p:childTnLst>
+                              <p:par>
+                                <p:cTn id="105" presetID="10" presetClass="entr" presetSubtype="0" fill="hold" grpId="0" nodeType="afterEffect">
+                                  <p:stCondLst>
+                                    <p:cond delay="0"/>
+                                  </p:stCondLst>
+                                  <p:childTnLst>
+                                    <p:set>
+                                      <p:cBhvr>
+                                        <p:cTn id="106" dur="1" fill="hold">
+                                          <p:stCondLst>
+                                            <p:cond delay="0"/>
+                                          </p:stCondLst>
+                                        </p:cTn>
+                                        <p:tgtEl>
+                                          <p:spTgt spid="7">
+                                            <p:graphicEl>
+                                              <a:dgm id="{A1846374-733E-4755-94E6-8D6AA7C26CCB}"/>
+                                            </p:graphicEl>
+                                          </p:spTgt>
+                                        </p:tgtEl>
+                                        <p:attrNameLst>
+                                          <p:attrName>style.visibility</p:attrName>
+                                        </p:attrNameLst>
+                                      </p:cBhvr>
+                                      <p:to>
+                                        <p:strVal val="visible"/>
+                                      </p:to>
+                                    </p:set>
+                                    <p:animEffect transition="in" filter="fade">
+                                      <p:cBhvr>
+                                        <p:cTn id="107" dur="500"/>
+                                        <p:tgtEl>
+                                          <p:spTgt spid="7">
+                                            <p:graphicEl>
+                                              <a:dgm id="{A1846374-733E-4755-94E6-8D6AA7C26CCB}"/>
+                                            </p:graphicEl>
+                                          </p:spTgt>
+                                        </p:tgtEl>
+                                      </p:cBhvr>
+                                    </p:animEffect>
+                                  </p:childTnLst>
+                                </p:cTn>
+                              </p:par>
+                            </p:childTnLst>
+                          </p:cTn>
+                        </p:par>
+                        <p:par>
+                          <p:cTn id="108" fill="hold">
+                            <p:stCondLst>
+                              <p:cond delay="13000"/>
+                            </p:stCondLst>
+                            <p:childTnLst>
+                              <p:par>
+                                <p:cTn id="109" presetID="10" presetClass="entr" presetSubtype="0" fill="hold" grpId="0" nodeType="afterEffect">
+                                  <p:stCondLst>
+                                    <p:cond delay="0"/>
+                                  </p:stCondLst>
+                                  <p:childTnLst>
+                                    <p:set>
+                                      <p:cBhvr>
+                                        <p:cTn id="110" dur="1" fill="hold">
+                                          <p:stCondLst>
+                                            <p:cond delay="0"/>
+                                          </p:stCondLst>
+                                        </p:cTn>
+                                        <p:tgtEl>
+                                          <p:spTgt spid="7">
+                                            <p:graphicEl>
+                                              <a:dgm id="{9CE0DD54-39C2-4AAD-9435-83F0E6FD4AB8}"/>
+                                            </p:graphicEl>
+                                          </p:spTgt>
+                                        </p:tgtEl>
+                                        <p:attrNameLst>
+                                          <p:attrName>style.visibility</p:attrName>
+                                        </p:attrNameLst>
+                                      </p:cBhvr>
+                                      <p:to>
+                                        <p:strVal val="visible"/>
+                                      </p:to>
+                                    </p:set>
+                                    <p:animEffect transition="in" filter="fade">
+                                      <p:cBhvr>
+                                        <p:cTn id="111" dur="500"/>
+                                        <p:tgtEl>
+                                          <p:spTgt spid="7">
+                                            <p:graphicEl>
+                                              <a:dgm id="{9CE0DD54-39C2-4AAD-9435-83F0E6FD4AB8}"/>
+                                            </p:graphicEl>
+                                          </p:spTgt>
+                                        </p:tgtEl>
+                                      </p:cBhvr>
+                                    </p:animEffect>
+                                  </p:childTnLst>
+                                </p:cTn>
+                              </p:par>
+                            </p:childTnLst>
+                          </p:cTn>
+                        </p:par>
+                        <p:par>
+                          <p:cTn id="112" fill="hold">
+                            <p:stCondLst>
+                              <p:cond delay="13500"/>
+                            </p:stCondLst>
+                            <p:childTnLst>
+                              <p:par>
+                                <p:cTn id="113" presetID="10" presetClass="entr" presetSubtype="0" fill="hold" grpId="0" nodeType="afterEffect">
+                                  <p:stCondLst>
+                                    <p:cond delay="0"/>
+                                  </p:stCondLst>
+                                  <p:childTnLst>
+                                    <p:set>
+                                      <p:cBhvr>
+                                        <p:cTn id="114" dur="1" fill="hold">
+                                          <p:stCondLst>
+                                            <p:cond delay="0"/>
+                                          </p:stCondLst>
+                                        </p:cTn>
+                                        <p:tgtEl>
+                                          <p:spTgt spid="7">
+                                            <p:graphicEl>
+                                              <a:dgm id="{032CB8CC-BF05-4C8C-B46F-A36B41146929}"/>
+                                            </p:graphicEl>
+                                          </p:spTgt>
+                                        </p:tgtEl>
+                                        <p:attrNameLst>
+                                          <p:attrName>style.visibility</p:attrName>
+                                        </p:attrNameLst>
+                                      </p:cBhvr>
+                                      <p:to>
+                                        <p:strVal val="visible"/>
+                                      </p:to>
+                                    </p:set>
+                                    <p:animEffect transition="in" filter="fade">
+                                      <p:cBhvr>
+                                        <p:cTn id="115" dur="500"/>
+                                        <p:tgtEl>
+                                          <p:spTgt spid="7">
+                                            <p:graphicEl>
+                                              <a:dgm id="{032CB8CC-BF05-4C8C-B46F-A36B41146929}"/>
+                                            </p:graphicEl>
+                                          </p:spTgt>
+                                        </p:tgtEl>
+                                      </p:cBhvr>
+                                    </p:animEffect>
+                                  </p:childTnLst>
+                                </p:cTn>
+                              </p:par>
+                            </p:childTnLst>
+                          </p:cTn>
+                        </p:par>
+                        <p:par>
+                          <p:cTn id="116" fill="hold">
+                            <p:stCondLst>
+                              <p:cond delay="14000"/>
+                            </p:stCondLst>
+                            <p:childTnLst>
+                              <p:par>
+                                <p:cTn id="117" presetID="10" presetClass="entr" presetSubtype="0" fill="hold" grpId="0" nodeType="afterEffect">
+                                  <p:stCondLst>
+                                    <p:cond delay="0"/>
+                                  </p:stCondLst>
+                                  <p:childTnLst>
+                                    <p:set>
+                                      <p:cBhvr>
+                                        <p:cTn id="118" dur="1" fill="hold">
+                                          <p:stCondLst>
+                                            <p:cond delay="0"/>
+                                          </p:stCondLst>
+                                        </p:cTn>
+                                        <p:tgtEl>
+                                          <p:spTgt spid="7">
+                                            <p:graphicEl>
+                                              <a:dgm id="{E74057B0-E55D-49A5-8F06-CF9D2C33D4FF}"/>
+                                            </p:graphicEl>
+                                          </p:spTgt>
+                                        </p:tgtEl>
+                                        <p:attrNameLst>
+                                          <p:attrName>style.visibility</p:attrName>
+                                        </p:attrNameLst>
+                                      </p:cBhvr>
+                                      <p:to>
+                                        <p:strVal val="visible"/>
+                                      </p:to>
+                                    </p:set>
+                                    <p:animEffect transition="in" filter="fade">
+                                      <p:cBhvr>
+                                        <p:cTn id="119" dur="500"/>
+                                        <p:tgtEl>
+                                          <p:spTgt spid="7">
+                                            <p:graphicEl>
+                                              <a:dgm id="{E74057B0-E55D-49A5-8F06-CF9D2C33D4FF}"/>
+                                            </p:graphicEl>
+                                          </p:spTgt>
+                                        </p:tgtEl>
+                                      </p:cBhvr>
+                                    </p:animEffect>
+                                  </p:childTnLst>
+                                </p:cTn>
+                              </p:par>
+                            </p:childTnLst>
+                          </p:cTn>
+                        </p:par>
+                      </p:childTnLst>
+                    </p:cTn>
+                  </p:par>
+                </p:childTnLst>
+              </p:cTn>
+              <p:prevCondLst>
+                <p:cond evt="onPrev" delay="0">
+                  <p:tgtEl>
+                    <p:sldTgt/>
+                  </p:tgtEl>
+                </p:cond>
+              </p:prevCondLst>
+              <p:nextCondLst>
+                <p:cond evt="onNext" delay="0">
+                  <p:tgtEl>
+                    <p:sldTgt/>
+                  </p:tgtEl>
+                </p:cond>
+              </p:nextCondLst>
+            </p:seq>
+          </p:childTnLst>
+        </p:cTn>
       </p:par>
     </p:tnLst>
+    <p:bldLst>
+      <p:bldGraphic spid="7" grpId="0">
+        <p:bldSub>
+          <a:bldDgm bld="one"/>
+        </p:bldSub>
+      </p:bldGraphic>
+    </p:bldLst>
   </p:timing>
 </p:sld>
 </file>
@@ -10925,16 +12747,7 @@
                 </a:solidFill>
                 <a:latin typeface="Arial Rounded MT Bold" panose="020F0704030504030204" pitchFamily="34" charset="0"/>
               </a:rPr>
-              <a:t>SWE-OAWP : </a:t>
-            </a:r>
-            <a:r>
-              <a:rPr lang="en-US" sz="5400" dirty="0" smtClean="0">
-                <a:solidFill>
-                  <a:schemeClr val="bg1"/>
-                </a:solidFill>
-                <a:latin typeface="Arial Rounded MT Bold" panose="020F0704030504030204" pitchFamily="34" charset="0"/>
-              </a:rPr>
-              <a:t>Se</a:t>
+              <a:t>SWE-OAWP : Se</a:t>
             </a:r>
             <a:r>
               <a:rPr lang="en-US" sz="5400" dirty="0" smtClean="0">
@@ -10997,6 +12810,13 @@
   <p:clrMapOvr>
     <a:masterClrMapping/>
   </p:clrMapOvr>
+  <p:timing>
+    <p:tnLst>
+      <p:par>
+        <p:cTn id="1" dur="indefinite" restart="never" nodeType="tmRoot"/>
+      </p:par>
+    </p:tnLst>
+  </p:timing>
 </p:sld>
 </file>
 
@@ -11070,16 +12890,7 @@
                 </a:solidFill>
                 <a:latin typeface="Arial Rounded MT Bold" panose="020F0704030504030204" pitchFamily="34" charset="0"/>
               </a:rPr>
-              <a:t>SWE-OAWP : </a:t>
-            </a:r>
-            <a:r>
-              <a:rPr lang="en-US" sz="5400" dirty="0" smtClean="0">
-                <a:solidFill>
-                  <a:schemeClr val="bg1"/>
-                </a:solidFill>
-                <a:latin typeface="Arial Rounded MT Bold" panose="020F0704030504030204" pitchFamily="34" charset="0"/>
-              </a:rPr>
-              <a:t>Se</a:t>
+              <a:t>SWE-OAWP : Se</a:t>
             </a:r>
             <a:r>
               <a:rPr lang="en-US" sz="5400" dirty="0" smtClean="0">
@@ -11203,6 +13014,364 @@
           </a:p>
         </p:txBody>
       </p:sp>
+      <p:sp>
+        <p:nvSpPr>
+          <p:cNvPr id="3" name="TextBox 2"/>
+          <p:cNvSpPr txBox="1"/>
+          <p:nvPr/>
+        </p:nvSpPr>
+        <p:spPr>
+          <a:xfrm>
+            <a:off x="3603576" y="1594583"/>
+            <a:ext cx="3898362" cy="830997"/>
+          </a:xfrm>
+          <a:prstGeom prst="rect">
+            <a:avLst/>
+          </a:prstGeom>
+          <a:noFill/>
+          <a:ln>
+            <a:noFill/>
+          </a:ln>
+          <a:effectLst>
+            <a:outerShdw blurRad="190500" dist="228600" dir="2700000" algn="ctr">
+              <a:srgbClr val="000000">
+                <a:alpha val="30000"/>
+              </a:srgbClr>
+            </a:outerShdw>
+          </a:effectLst>
+          <a:scene3d>
+            <a:camera prst="orthographicFront">
+              <a:rot lat="0" lon="0" rev="0"/>
+            </a:camera>
+            <a:lightRig rig="glow" dir="t">
+              <a:rot lat="0" lon="0" rev="4800000"/>
+            </a:lightRig>
+          </a:scene3d>
+          <a:sp3d prstMaterial="matte">
+            <a:bevelT w="127000" h="63500"/>
+          </a:sp3d>
+        </p:spPr>
+        <p:txBody>
+          <a:bodyPr wrap="square" rtlCol="0">
+            <a:spAutoFit/>
+          </a:bodyPr>
+          <a:lstStyle/>
+          <a:p>
+            <a:r>
+              <a:rPr lang="en-US" sz="4800" dirty="0" smtClean="0">
+                <a:latin typeface="Arial Rounded MT Bold" panose="020F0704030504030204" pitchFamily="34" charset="0"/>
+              </a:rPr>
+              <a:t>Dashboards</a:t>
+            </a:r>
+            <a:endParaRPr lang="en-US" sz="4800" dirty="0">
+              <a:latin typeface="Arial Rounded MT Bold" panose="020F0704030504030204" pitchFamily="34" charset="0"/>
+            </a:endParaRPr>
+          </a:p>
+        </p:txBody>
+      </p:sp>
+      <p:pic>
+        <p:nvPicPr>
+          <p:cNvPr id="8" name="Picture 7"/>
+          <p:cNvPicPr/>
+          <p:nvPr/>
+        </p:nvPicPr>
+        <p:blipFill rotWithShape="1">
+          <a:blip r:embed="rId2"/>
+          <a:srcRect r="51239"/>
+          <a:stretch/>
+        </p:blipFill>
+        <p:spPr>
+          <a:xfrm>
+            <a:off x="856211" y="2760815"/>
+            <a:ext cx="1961804" cy="2649047"/>
+          </a:xfrm>
+          <a:prstGeom prst="rect">
+            <a:avLst/>
+          </a:prstGeom>
+        </p:spPr>
+      </p:pic>
+      <p:pic>
+        <p:nvPicPr>
+          <p:cNvPr id="9" name="Picture 8"/>
+          <p:cNvPicPr/>
+          <p:nvPr/>
+        </p:nvPicPr>
+        <p:blipFill rotWithShape="1">
+          <a:blip r:embed="rId3"/>
+          <a:srcRect r="50607"/>
+          <a:stretch/>
+        </p:blipFill>
+        <p:spPr>
+          <a:xfrm>
+            <a:off x="2924541" y="2760815"/>
+            <a:ext cx="2194559" cy="2649045"/>
+          </a:xfrm>
+          <a:prstGeom prst="rect">
+            <a:avLst/>
+          </a:prstGeom>
+        </p:spPr>
+      </p:pic>
+      <p:pic>
+        <p:nvPicPr>
+          <p:cNvPr id="11" name="Picture 10"/>
+          <p:cNvPicPr/>
+          <p:nvPr/>
+        </p:nvPicPr>
+        <p:blipFill rotWithShape="1">
+          <a:blip r:embed="rId4"/>
+          <a:srcRect r="49998"/>
+          <a:stretch/>
+        </p:blipFill>
+        <p:spPr>
+          <a:xfrm>
+            <a:off x="5225626" y="2760813"/>
+            <a:ext cx="2169786" cy="2649047"/>
+          </a:xfrm>
+          <a:prstGeom prst="rect">
+            <a:avLst/>
+          </a:prstGeom>
+        </p:spPr>
+      </p:pic>
+      <p:pic>
+        <p:nvPicPr>
+          <p:cNvPr id="12" name="Picture 11"/>
+          <p:cNvPicPr>
+            <a:picLocks noChangeAspect="1"/>
+          </p:cNvPicPr>
+          <p:nvPr/>
+        </p:nvPicPr>
+        <p:blipFill>
+          <a:blip r:embed="rId5"/>
+          <a:stretch>
+            <a:fillRect/>
+          </a:stretch>
+        </p:blipFill>
+        <p:spPr>
+          <a:xfrm>
+            <a:off x="7501938" y="2760813"/>
+            <a:ext cx="4427524" cy="2649047"/>
+          </a:xfrm>
+          <a:prstGeom prst="rect">
+            <a:avLst/>
+          </a:prstGeom>
+        </p:spPr>
+      </p:pic>
+      <p:sp>
+        <p:nvSpPr>
+          <p:cNvPr id="13" name="TextBox 12"/>
+          <p:cNvSpPr txBox="1"/>
+          <p:nvPr/>
+        </p:nvSpPr>
+        <p:spPr>
+          <a:xfrm>
+            <a:off x="978512" y="5443111"/>
+            <a:ext cx="1717201" cy="369332"/>
+          </a:xfrm>
+          <a:prstGeom prst="rect">
+            <a:avLst/>
+          </a:prstGeom>
+          <a:noFill/>
+          <a:ln>
+            <a:noFill/>
+          </a:ln>
+          <a:effectLst>
+            <a:outerShdw blurRad="190500" dist="228600" dir="2700000" algn="ctr">
+              <a:srgbClr val="000000">
+                <a:alpha val="30000"/>
+              </a:srgbClr>
+            </a:outerShdw>
+          </a:effectLst>
+          <a:scene3d>
+            <a:camera prst="orthographicFront">
+              <a:rot lat="0" lon="0" rev="0"/>
+            </a:camera>
+            <a:lightRig rig="glow" dir="t">
+              <a:rot lat="0" lon="0" rev="4800000"/>
+            </a:lightRig>
+          </a:scene3d>
+          <a:sp3d prstMaterial="matte">
+            <a:bevelT w="127000" h="63500"/>
+          </a:sp3d>
+        </p:spPr>
+        <p:txBody>
+          <a:bodyPr wrap="none" rtlCol="0">
+            <a:spAutoFit/>
+          </a:bodyPr>
+          <a:lstStyle/>
+          <a:p>
+            <a:r>
+              <a:rPr lang="en-US" dirty="0" smtClean="0"/>
+              <a:t>Outreach Admin</a:t>
+            </a:r>
+            <a:endParaRPr lang="en-US" dirty="0"/>
+          </a:p>
+        </p:txBody>
+      </p:sp>
+      <p:sp>
+        <p:nvSpPr>
+          <p:cNvPr id="14" name="TextBox 13"/>
+          <p:cNvSpPr txBox="1"/>
+          <p:nvPr/>
+        </p:nvSpPr>
+        <p:spPr>
+          <a:xfrm>
+            <a:off x="3051041" y="5443111"/>
+            <a:ext cx="1941557" cy="923330"/>
+          </a:xfrm>
+          <a:prstGeom prst="rect">
+            <a:avLst/>
+          </a:prstGeom>
+          <a:noFill/>
+          <a:ln>
+            <a:noFill/>
+          </a:ln>
+          <a:effectLst>
+            <a:outerShdw blurRad="190500" dist="228600" dir="2700000" algn="ctr">
+              <a:srgbClr val="000000">
+                <a:alpha val="30000"/>
+              </a:srgbClr>
+            </a:outerShdw>
+          </a:effectLst>
+          <a:scene3d>
+            <a:camera prst="orthographicFront">
+              <a:rot lat="0" lon="0" rev="0"/>
+            </a:camera>
+            <a:lightRig rig="glow" dir="t">
+              <a:rot lat="0" lon="0" rev="4800000"/>
+            </a:lightRig>
+          </a:scene3d>
+          <a:sp3d prstMaterial="matte">
+            <a:bevelT w="127000" h="63500"/>
+          </a:sp3d>
+        </p:spPr>
+        <p:txBody>
+          <a:bodyPr wrap="none" rtlCol="0">
+            <a:spAutoFit/>
+          </a:bodyPr>
+          <a:lstStyle/>
+          <a:p>
+            <a:r>
+              <a:rPr lang="en-US" dirty="0" smtClean="0"/>
+              <a:t>National/Regional/</a:t>
+            </a:r>
+          </a:p>
+          <a:p>
+            <a:r>
+              <a:rPr lang="en-US" dirty="0" smtClean="0"/>
+              <a:t>Chapter Level</a:t>
+            </a:r>
+          </a:p>
+          <a:p>
+            <a:r>
+              <a:rPr lang="en-US" dirty="0" smtClean="0"/>
+              <a:t>Member</a:t>
+            </a:r>
+            <a:endParaRPr lang="en-US" dirty="0"/>
+          </a:p>
+        </p:txBody>
+      </p:sp>
+      <p:sp>
+        <p:nvSpPr>
+          <p:cNvPr id="15" name="TextBox 14"/>
+          <p:cNvSpPr txBox="1"/>
+          <p:nvPr/>
+        </p:nvSpPr>
+        <p:spPr>
+          <a:xfrm>
+            <a:off x="5451918" y="5443172"/>
+            <a:ext cx="1619098" cy="369332"/>
+          </a:xfrm>
+          <a:prstGeom prst="rect">
+            <a:avLst/>
+          </a:prstGeom>
+          <a:noFill/>
+          <a:ln>
+            <a:noFill/>
+          </a:ln>
+          <a:effectLst>
+            <a:outerShdw blurRad="190500" dist="228600" dir="2700000" algn="ctr">
+              <a:srgbClr val="000000">
+                <a:alpha val="30000"/>
+              </a:srgbClr>
+            </a:outerShdw>
+          </a:effectLst>
+          <a:scene3d>
+            <a:camera prst="orthographicFront">
+              <a:rot lat="0" lon="0" rev="0"/>
+            </a:camera>
+            <a:lightRig rig="glow" dir="t">
+              <a:rot lat="0" lon="0" rev="4800000"/>
+            </a:lightRig>
+          </a:scene3d>
+          <a:sp3d prstMaterial="matte">
+            <a:bevelT w="127000" h="63500"/>
+          </a:sp3d>
+        </p:spPr>
+        <p:txBody>
+          <a:bodyPr wrap="none" rtlCol="0">
+            <a:spAutoFit/>
+          </a:bodyPr>
+          <a:lstStyle/>
+          <a:p>
+            <a:r>
+              <a:rPr lang="en-US" dirty="0" smtClean="0"/>
+              <a:t>SWE Volunteer</a:t>
+            </a:r>
+            <a:endParaRPr lang="en-US" dirty="0"/>
+          </a:p>
+        </p:txBody>
+      </p:sp>
+      <p:sp>
+        <p:nvSpPr>
+          <p:cNvPr id="16" name="TextBox 15"/>
+          <p:cNvSpPr txBox="1"/>
+          <p:nvPr/>
+        </p:nvSpPr>
+        <p:spPr>
+          <a:xfrm>
+            <a:off x="8646777" y="5443111"/>
+            <a:ext cx="1986441" cy="369332"/>
+          </a:xfrm>
+          <a:prstGeom prst="rect">
+            <a:avLst/>
+          </a:prstGeom>
+          <a:noFill/>
+          <a:ln>
+            <a:noFill/>
+          </a:ln>
+          <a:effectLst>
+            <a:outerShdw blurRad="190500" dist="228600" dir="2700000" algn="ctr">
+              <a:srgbClr val="000000">
+                <a:alpha val="30000"/>
+              </a:srgbClr>
+            </a:outerShdw>
+          </a:effectLst>
+          <a:scene3d>
+            <a:camera prst="orthographicFront">
+              <a:rot lat="0" lon="0" rev="0"/>
+            </a:camera>
+            <a:lightRig rig="glow" dir="t">
+              <a:rot lat="0" lon="0" rev="4800000"/>
+            </a:lightRig>
+          </a:scene3d>
+          <a:sp3d prstMaterial="matte">
+            <a:bevelT w="127000" h="63500"/>
+          </a:sp3d>
+        </p:spPr>
+        <p:txBody>
+          <a:bodyPr wrap="none" rtlCol="0">
+            <a:spAutoFit/>
+          </a:bodyPr>
+          <a:lstStyle/>
+          <a:p>
+            <a:r>
+              <a:rPr lang="en-US" dirty="0" smtClean="0"/>
+              <a:t>Survey Participants</a:t>
+            </a:r>
+            <a:endParaRPr lang="en-US" dirty="0"/>
+          </a:p>
+        </p:txBody>
+      </p:sp>
     </p:spTree>
     <p:extLst>
       <p:ext uri="{BB962C8B-B14F-4D97-AF65-F5344CB8AC3E}">
@@ -11213,6 +13382,13 @@
   <p:clrMapOvr>
     <a:masterClrMapping/>
   </p:clrMapOvr>
+  <p:timing>
+    <p:tnLst>
+      <p:par>
+        <p:cTn id="1" dur="indefinite" restart="never" nodeType="tmRoot"/>
+      </p:par>
+    </p:tnLst>
+  </p:timing>
 </p:sld>
 </file>
 
@@ -11241,7 +13417,7 @@
         </p:nvSpPr>
         <p:spPr>
           <a:xfrm>
-            <a:off x="0" y="114300"/>
+            <a:off x="0" y="105987"/>
             <a:ext cx="10964008" cy="923330"/>
           </a:xfrm>
           <a:prstGeom prst="rect">
@@ -11262,7 +13438,16 @@
                 </a:solidFill>
                 <a:latin typeface="Arial Rounded MT Bold" panose="020F0704030504030204" pitchFamily="34" charset="0"/>
               </a:rPr>
-              <a:t>SWE-OAWP : Te</a:t>
+              <a:t>SWE-OAWP : </a:t>
+            </a:r>
+            <a:r>
+              <a:rPr lang="en-US" sz="5400" dirty="0" smtClean="0">
+                <a:solidFill>
+                  <a:schemeClr val="bg1"/>
+                </a:solidFill>
+                <a:latin typeface="Arial Rounded MT Bold" panose="020F0704030504030204" pitchFamily="34" charset="0"/>
+              </a:rPr>
+              <a:t>Te</a:t>
             </a:r>
             <a:r>
               <a:rPr lang="en-US" sz="5400" dirty="0" smtClean="0">
@@ -11280,11 +13465,44 @@
                 </a:solidFill>
                 <a:latin typeface="Arial Rounded MT Bold" panose="020F0704030504030204" pitchFamily="34" charset="0"/>
               </a:rPr>
-              <a:t>ting</a:t>
+              <a:t>ting </a:t>
+            </a:r>
+            <a:r>
+              <a:rPr lang="en-US" sz="5400" i="1" dirty="0" smtClean="0">
+                <a:solidFill>
+                  <a:srgbClr val="9966FF"/>
+                </a:solidFill>
+                <a:latin typeface="Arial Rounded MT Bold" panose="020F0704030504030204" pitchFamily="34" charset="0"/>
+              </a:rPr>
+              <a:t>by</a:t>
+            </a:r>
+            <a:r>
+              <a:rPr lang="en-US" sz="5400" dirty="0" smtClean="0">
+                <a:solidFill>
+                  <a:schemeClr val="bg1"/>
+                </a:solidFill>
+                <a:latin typeface="Arial Rounded MT Bold" panose="020F0704030504030204" pitchFamily="34" charset="0"/>
+              </a:rPr>
+              <a:t> </a:t>
+            </a:r>
+            <a:r>
+              <a:rPr lang="en-US" sz="5400" dirty="0" smtClean="0">
+                <a:solidFill>
+                  <a:schemeClr val="accent6">
+                    <a:lumMod val="50000"/>
+                    <a:lumOff val="50000"/>
+                  </a:schemeClr>
+                </a:solidFill>
+                <a:latin typeface="Arial Rounded MT Bold" panose="020F0704030504030204" pitchFamily="34" charset="0"/>
+              </a:rPr>
+              <a:t>Testers</a:t>
             </a:r>
             <a:endParaRPr lang="en-US" sz="5400" dirty="0">
               <a:solidFill>
-                <a:schemeClr val="bg1"/>
+                <a:schemeClr val="accent6">
+                  <a:lumMod val="50000"/>
+                  <a:lumOff val="50000"/>
+                </a:schemeClr>
               </a:solidFill>
               <a:latin typeface="Arial Rounded MT Bold" panose="020F0704030504030204" pitchFamily="34" charset="0"/>
             </a:endParaRPr>
@@ -11300,13 +13518,13 @@
           <p:nvPr>
             <p:extLst>
               <p:ext uri="{D42A27DB-BD31-4B8C-83A1-F6EECF244321}">
-                <p14:modId xmlns:p14="http://schemas.microsoft.com/office/powerpoint/2010/main" val="1772323201"/>
+                <p14:modId xmlns:p14="http://schemas.microsoft.com/office/powerpoint/2010/main" val="2250314870"/>
               </p:ext>
             </p:extLst>
           </p:nvPr>
         </p:nvGraphicFramePr>
         <p:xfrm>
-          <a:off x="2501462" y="1250732"/>
+          <a:off x="2775782" y="1267358"/>
           <a:ext cx="7325710" cy="5475888"/>
         </p:xfrm>
         <a:graphic>
@@ -14028,14 +16246,14 @@
       </p:grpSpPr>
       <p:sp>
         <p:nvSpPr>
-          <p:cNvPr id="2" name="TextBox 1"/>
+          <p:cNvPr id="3" name="TextBox 2"/>
           <p:cNvSpPr txBox="1"/>
           <p:nvPr/>
         </p:nvSpPr>
         <p:spPr>
           <a:xfrm>
-            <a:off x="272562" y="87923"/>
-            <a:ext cx="4440115" cy="1015663"/>
+            <a:off x="0" y="105987"/>
+            <a:ext cx="10964008" cy="923330"/>
           </a:xfrm>
           <a:prstGeom prst="rect">
             <a:avLst/>
@@ -14049,45 +16267,1030 @@
           <a:lstStyle/>
           <a:p>
             <a:r>
-              <a:rPr lang="en-US" sz="6000" dirty="0" smtClean="0">
+              <a:rPr lang="en-US" sz="5400" dirty="0" smtClean="0">
                 <a:solidFill>
-                  <a:srgbClr val="FF0000"/>
+                  <a:schemeClr val="bg1"/>
                 </a:solidFill>
+                <a:latin typeface="Arial Rounded MT Bold" panose="020F0704030504030204" pitchFamily="34" charset="0"/>
+              </a:rPr>
+              <a:t>SWE-OAWP : </a:t>
+            </a:r>
+            <a:r>
+              <a:rPr lang="en-US" sz="5400" dirty="0" smtClean="0">
+                <a:solidFill>
+                  <a:schemeClr val="bg1"/>
+                </a:solidFill>
+                <a:latin typeface="Arial Rounded MT Bold" panose="020F0704030504030204" pitchFamily="34" charset="0"/>
               </a:rPr>
               <a:t>T</a:t>
             </a:r>
             <a:r>
-              <a:rPr lang="en-US" sz="6000" dirty="0" smtClean="0">
+              <a:rPr lang="en-US" sz="5400" dirty="0" smtClean="0">
+                <a:solidFill>
+                  <a:srgbClr val="FF0000"/>
+                </a:solidFill>
+                <a:latin typeface="Arial Rounded MT Bold" panose="020F0704030504030204" pitchFamily="34" charset="0"/>
+              </a:rPr>
+              <a:t>e</a:t>
+            </a:r>
+            <a:r>
+              <a:rPr lang="en-US" sz="5400" dirty="0" smtClean="0">
                 <a:solidFill>
                   <a:schemeClr val="bg1"/>
                 </a:solidFill>
+                <a:latin typeface="Arial Rounded MT Bold" panose="020F0704030504030204" pitchFamily="34" charset="0"/>
               </a:rPr>
-              <a:t>he </a:t>
+              <a:t>sting </a:t>
             </a:r>
             <a:r>
-              <a:rPr lang="en-US" sz="6000" dirty="0" smtClean="0">
+              <a:rPr lang="en-US" sz="5400" i="1" dirty="0" smtClean="0">
                 <a:solidFill>
-                  <a:srgbClr val="FF0000"/>
+                  <a:srgbClr val="9966FF"/>
                 </a:solidFill>
+                <a:latin typeface="Arial Rounded MT Bold" panose="020F0704030504030204" pitchFamily="34" charset="0"/>
               </a:rPr>
-              <a:t>B</a:t>
+              <a:t>on</a:t>
             </a:r>
             <a:r>
-              <a:rPr lang="en-US" sz="6000" dirty="0" smtClean="0">
+              <a:rPr lang="en-US" sz="5400" dirty="0" smtClean="0">
                 <a:solidFill>
-                  <a:schemeClr val="bg1"/>
+                  <a:srgbClr val="9966FF"/>
                 </a:solidFill>
+                <a:latin typeface="Arial Rounded MT Bold" panose="020F0704030504030204" pitchFamily="34" charset="0"/>
               </a:rPr>
-              <a:t>lueprint</a:t>
+              <a:t> </a:t>
             </a:r>
-            <a:endParaRPr lang="en-US" sz="6000" dirty="0">
+            <a:r>
+              <a:rPr lang="en-US" sz="5400" dirty="0" smtClean="0">
+                <a:solidFill>
+                  <a:schemeClr val="accent6">
+                    <a:lumMod val="50000"/>
+                    <a:lumOff val="50000"/>
+                  </a:schemeClr>
+                </a:solidFill>
+                <a:latin typeface="Arial Rounded MT Bold" panose="020F0704030504030204" pitchFamily="34" charset="0"/>
+              </a:rPr>
+              <a:t>Cases</a:t>
+            </a:r>
+            <a:endParaRPr lang="en-US" sz="5400" dirty="0">
               <a:solidFill>
-                <a:schemeClr val="bg1"/>
+                <a:schemeClr val="accent6">
+                  <a:lumMod val="50000"/>
+                  <a:lumOff val="50000"/>
+                </a:schemeClr>
               </a:solidFill>
+              <a:latin typeface="Arial Rounded MT Bold" panose="020F0704030504030204" pitchFamily="34" charset="0"/>
             </a:endParaRPr>
           </a:p>
         </p:txBody>
       </p:sp>
+      <p:graphicFrame>
+        <p:nvGraphicFramePr>
+          <p:cNvPr id="5" name="Table 4"/>
+          <p:cNvGraphicFramePr>
+            <a:graphicFrameLocks noGrp="1"/>
+          </p:cNvGraphicFramePr>
+          <p:nvPr>
+            <p:extLst>
+              <p:ext uri="{D42A27DB-BD31-4B8C-83A1-F6EECF244321}">
+                <p14:modId xmlns:p14="http://schemas.microsoft.com/office/powerpoint/2010/main" val="1044708304"/>
+              </p:ext>
+            </p:extLst>
+          </p:nvPr>
+        </p:nvGraphicFramePr>
+        <p:xfrm>
+          <a:off x="0" y="1170130"/>
+          <a:ext cx="12191999" cy="5687869"/>
+        </p:xfrm>
+        <a:graphic>
+          <a:graphicData uri="http://schemas.openxmlformats.org/drawingml/2006/table">
+            <a:tbl>
+              <a:tblPr firstRow="1" bandRow="1">
+                <a:tableStyleId>{5C22544A-7EE6-4342-B048-85BDC9FD1C3A}</a:tableStyleId>
+              </a:tblPr>
+              <a:tblGrid>
+                <a:gridCol w="1612262">
+                  <a:extLst>
+                    <a:ext uri="{9D8B030D-6E8A-4147-A177-3AD203B41FA5}">
+                      <a16:colId xmlns:a16="http://schemas.microsoft.com/office/drawing/2014/main" val="3006715950"/>
+                    </a:ext>
+                  </a:extLst>
+                </a:gridCol>
+                <a:gridCol w="5440200">
+                  <a:extLst>
+                    <a:ext uri="{9D8B030D-6E8A-4147-A177-3AD203B41FA5}">
+                      <a16:colId xmlns:a16="http://schemas.microsoft.com/office/drawing/2014/main" val="2048654769"/>
+                    </a:ext>
+                  </a:extLst>
+                </a:gridCol>
+                <a:gridCol w="5139537">
+                  <a:extLst>
+                    <a:ext uri="{9D8B030D-6E8A-4147-A177-3AD203B41FA5}">
+                      <a16:colId xmlns:a16="http://schemas.microsoft.com/office/drawing/2014/main" val="2056714678"/>
+                    </a:ext>
+                  </a:extLst>
+                </a:gridCol>
+              </a:tblGrid>
+              <a:tr h="368538">
+                <a:tc>
+                  <a:txBody>
+                    <a:bodyPr/>
+                    <a:lstStyle/>
+                    <a:p>
+                      <a:r>
+                        <a:rPr lang="en-US" dirty="0" smtClean="0">
+                          <a:latin typeface="Arial Rounded MT Bold" panose="020F0704030504030204" pitchFamily="34" charset="0"/>
+                        </a:rPr>
+                        <a:t>#Test Case</a:t>
+                      </a:r>
+                      <a:endParaRPr lang="en-US" dirty="0">
+                        <a:latin typeface="Arial Rounded MT Bold" panose="020F0704030504030204" pitchFamily="34" charset="0"/>
+                      </a:endParaRPr>
+                    </a:p>
+                  </a:txBody>
+                  <a:tcPr/>
+                </a:tc>
+                <a:tc>
+                  <a:txBody>
+                    <a:bodyPr/>
+                    <a:lstStyle/>
+                    <a:p>
+                      <a:r>
+                        <a:rPr lang="en-US" dirty="0" smtClean="0">
+                          <a:latin typeface="Arial Rounded MT Bold" panose="020F0704030504030204" pitchFamily="34" charset="0"/>
+                        </a:rPr>
+                        <a:t>Test</a:t>
+                      </a:r>
+                      <a:r>
+                        <a:rPr lang="en-US" baseline="0" dirty="0" smtClean="0">
+                          <a:latin typeface="Arial Rounded MT Bold" panose="020F0704030504030204" pitchFamily="34" charset="0"/>
+                        </a:rPr>
+                        <a:t> Cases by Admin and other members</a:t>
+                      </a:r>
+                      <a:endParaRPr lang="en-US" dirty="0">
+                        <a:latin typeface="Arial Rounded MT Bold" panose="020F0704030504030204" pitchFamily="34" charset="0"/>
+                      </a:endParaRPr>
+                    </a:p>
+                  </a:txBody>
+                  <a:tcPr/>
+                </a:tc>
+                <a:tc>
+                  <a:txBody>
+                    <a:bodyPr/>
+                    <a:lstStyle/>
+                    <a:p>
+                      <a:r>
+                        <a:rPr lang="en-US" dirty="0" smtClean="0">
+                          <a:latin typeface="Arial Rounded MT Bold" panose="020F0704030504030204" pitchFamily="34" charset="0"/>
+                        </a:rPr>
+                        <a:t>Test Cases by participants.</a:t>
+                      </a:r>
+                      <a:endParaRPr lang="en-US" dirty="0">
+                        <a:latin typeface="Arial Rounded MT Bold" panose="020F0704030504030204" pitchFamily="34" charset="0"/>
+                      </a:endParaRPr>
+                    </a:p>
+                  </a:txBody>
+                  <a:tcPr/>
+                </a:tc>
+                <a:extLst>
+                  <a:ext uri="{0D108BD9-81ED-4DB2-BD59-A6C34878D82A}">
+                    <a16:rowId xmlns:a16="http://schemas.microsoft.com/office/drawing/2014/main" val="2064989678"/>
+                  </a:ext>
+                </a:extLst>
+              </a:tr>
+              <a:tr h="368538">
+                <a:tc>
+                  <a:txBody>
+                    <a:bodyPr/>
+                    <a:lstStyle/>
+                    <a:p>
+                      <a:r>
+                        <a:rPr lang="en-US" sz="1200" dirty="0" smtClean="0">
+                          <a:latin typeface="Arial Narrow" panose="020B0606020202030204" pitchFamily="34" charset="0"/>
+                        </a:rPr>
+                        <a:t>1</a:t>
+                      </a:r>
+                      <a:endParaRPr lang="en-US" sz="1200" dirty="0">
+                        <a:latin typeface="Arial Narrow" panose="020B0606020202030204" pitchFamily="34" charset="0"/>
+                      </a:endParaRPr>
+                    </a:p>
+                  </a:txBody>
+                  <a:tcPr/>
+                </a:tc>
+                <a:tc>
+                  <a:txBody>
+                    <a:bodyPr/>
+                    <a:lstStyle/>
+                    <a:p>
+                      <a:r>
+                        <a:rPr lang="en-US" sz="1200" dirty="0" smtClean="0">
+                          <a:latin typeface="Arial Narrow" panose="020B0606020202030204" pitchFamily="34" charset="0"/>
+                        </a:rPr>
+                        <a:t>Perform smoke testing for proper dashboards and logins, logouts.</a:t>
+                      </a:r>
+                      <a:endParaRPr lang="en-US" sz="1200" dirty="0">
+                        <a:latin typeface="Arial Narrow" panose="020B0606020202030204" pitchFamily="34" charset="0"/>
+                      </a:endParaRPr>
+                    </a:p>
+                  </a:txBody>
+                  <a:tcPr/>
+                </a:tc>
+                <a:tc>
+                  <a:txBody>
+                    <a:bodyPr/>
+                    <a:lstStyle/>
+                    <a:p>
+                      <a:pPr marL="0" marR="0">
+                        <a:spcBef>
+                          <a:spcPts val="0"/>
+                        </a:spcBef>
+                        <a:spcAft>
+                          <a:spcPts val="0"/>
+                        </a:spcAft>
+                      </a:pPr>
+                      <a:r>
+                        <a:rPr lang="en-US" sz="1200" b="0" dirty="0">
+                          <a:effectLst/>
+                          <a:latin typeface="Arial Narrow" panose="020B0606020202030204" pitchFamily="34" charset="0"/>
+                          <a:ea typeface="Calibri" panose="020F0502020204030204" pitchFamily="34" charset="0"/>
+                          <a:cs typeface="Times New Roman" panose="02020603050405020304" pitchFamily="18" charset="0"/>
+                        </a:rPr>
+                        <a:t>Login to participant panel. </a:t>
+                      </a:r>
+                    </a:p>
+                  </a:txBody>
+                  <a:tcPr marL="68580" marR="68580" marT="0" marB="0"/>
+                </a:tc>
+                <a:extLst>
+                  <a:ext uri="{0D108BD9-81ED-4DB2-BD59-A6C34878D82A}">
+                    <a16:rowId xmlns:a16="http://schemas.microsoft.com/office/drawing/2014/main" val="3939625858"/>
+                  </a:ext>
+                </a:extLst>
+              </a:tr>
+              <a:tr h="368538">
+                <a:tc>
+                  <a:txBody>
+                    <a:bodyPr/>
+                    <a:lstStyle/>
+                    <a:p>
+                      <a:r>
+                        <a:rPr lang="en-US" sz="1200" dirty="0" smtClean="0">
+                          <a:latin typeface="Arial Narrow" panose="020B0606020202030204" pitchFamily="34" charset="0"/>
+                        </a:rPr>
+                        <a:t>2</a:t>
+                      </a:r>
+                      <a:endParaRPr lang="en-US" sz="1200" dirty="0">
+                        <a:latin typeface="Arial Narrow" panose="020B0606020202030204" pitchFamily="34" charset="0"/>
+                      </a:endParaRPr>
+                    </a:p>
+                  </a:txBody>
+                  <a:tcPr/>
+                </a:tc>
+                <a:tc>
+                  <a:txBody>
+                    <a:bodyPr/>
+                    <a:lstStyle/>
+                    <a:p>
+                      <a:r>
+                        <a:rPr lang="en-US" sz="1200" dirty="0" smtClean="0">
+                          <a:latin typeface="Arial Narrow" panose="020B0606020202030204" pitchFamily="34" charset="0"/>
+                        </a:rPr>
+                        <a:t>Login with your User ID Provided .</a:t>
+                      </a:r>
+                      <a:endParaRPr lang="en-US" sz="1200" dirty="0">
+                        <a:latin typeface="Arial Narrow" panose="020B0606020202030204" pitchFamily="34" charset="0"/>
+                      </a:endParaRPr>
+                    </a:p>
+                  </a:txBody>
+                  <a:tcPr/>
+                </a:tc>
+                <a:tc>
+                  <a:txBody>
+                    <a:bodyPr/>
+                    <a:lstStyle/>
+                    <a:p>
+                      <a:pPr marL="0" marR="0">
+                        <a:spcBef>
+                          <a:spcPts val="0"/>
+                        </a:spcBef>
+                        <a:spcAft>
+                          <a:spcPts val="0"/>
+                        </a:spcAft>
+                      </a:pPr>
+                      <a:r>
+                        <a:rPr lang="en-US" sz="1200" b="0">
+                          <a:effectLst/>
+                          <a:latin typeface="Arial Narrow" panose="020B0606020202030204" pitchFamily="34" charset="0"/>
+                          <a:ea typeface="Calibri" panose="020F0502020204030204" pitchFamily="34" charset="0"/>
+                          <a:cs typeface="Times New Roman" panose="02020603050405020304" pitchFamily="18" charset="0"/>
+                        </a:rPr>
+                        <a:t>Visible List of Submitted and pending Surveys. </a:t>
+                      </a:r>
+                    </a:p>
+                  </a:txBody>
+                  <a:tcPr marL="68580" marR="68580" marT="0" marB="0"/>
+                </a:tc>
+                <a:extLst>
+                  <a:ext uri="{0D108BD9-81ED-4DB2-BD59-A6C34878D82A}">
+                    <a16:rowId xmlns:a16="http://schemas.microsoft.com/office/drawing/2014/main" val="3683809234"/>
+                  </a:ext>
+                </a:extLst>
+              </a:tr>
+              <a:tr h="368538">
+                <a:tc>
+                  <a:txBody>
+                    <a:bodyPr/>
+                    <a:lstStyle/>
+                    <a:p>
+                      <a:r>
+                        <a:rPr lang="en-US" sz="1200" dirty="0" smtClean="0">
+                          <a:latin typeface="Arial Narrow" panose="020B0606020202030204" pitchFamily="34" charset="0"/>
+                        </a:rPr>
+                        <a:t>3</a:t>
+                      </a:r>
+                      <a:endParaRPr lang="en-US" sz="1200" dirty="0">
+                        <a:latin typeface="Arial Narrow" panose="020B0606020202030204" pitchFamily="34" charset="0"/>
+                      </a:endParaRPr>
+                    </a:p>
+                  </a:txBody>
+                  <a:tcPr/>
+                </a:tc>
+                <a:tc>
+                  <a:txBody>
+                    <a:bodyPr/>
+                    <a:lstStyle/>
+                    <a:p>
+                      <a:r>
+                        <a:rPr lang="en-US" sz="1200" dirty="0" smtClean="0">
+                          <a:latin typeface="Arial Narrow" panose="020B0606020202030204" pitchFamily="34" charset="0"/>
+                        </a:rPr>
+                        <a:t>Login with your Email Provided.</a:t>
+                      </a:r>
+                      <a:endParaRPr lang="en-US" sz="1200" dirty="0">
+                        <a:latin typeface="Arial Narrow" panose="020B0606020202030204" pitchFamily="34" charset="0"/>
+                      </a:endParaRPr>
+                    </a:p>
+                  </a:txBody>
+                  <a:tcPr/>
+                </a:tc>
+                <a:tc>
+                  <a:txBody>
+                    <a:bodyPr/>
+                    <a:lstStyle/>
+                    <a:p>
+                      <a:pPr marL="0" marR="0">
+                        <a:spcBef>
+                          <a:spcPts val="0"/>
+                        </a:spcBef>
+                        <a:spcAft>
+                          <a:spcPts val="0"/>
+                        </a:spcAft>
+                      </a:pPr>
+                      <a:r>
+                        <a:rPr lang="en-US" sz="1200" b="0" dirty="0">
+                          <a:effectLst/>
+                          <a:latin typeface="Arial Narrow" panose="020B0606020202030204" pitchFamily="34" charset="0"/>
+                          <a:ea typeface="Calibri" panose="020F0502020204030204" pitchFamily="34" charset="0"/>
+                          <a:cs typeface="Times New Roman" panose="02020603050405020304" pitchFamily="18" charset="0"/>
+                        </a:rPr>
+                        <a:t>No link to open Submitted Surveys. </a:t>
+                      </a:r>
+                    </a:p>
+                  </a:txBody>
+                  <a:tcPr marL="68580" marR="68580" marT="0" marB="0"/>
+                </a:tc>
+                <a:extLst>
+                  <a:ext uri="{0D108BD9-81ED-4DB2-BD59-A6C34878D82A}">
+                    <a16:rowId xmlns:a16="http://schemas.microsoft.com/office/drawing/2014/main" val="4178259904"/>
+                  </a:ext>
+                </a:extLst>
+              </a:tr>
+              <a:tr h="368538">
+                <a:tc>
+                  <a:txBody>
+                    <a:bodyPr/>
+                    <a:lstStyle/>
+                    <a:p>
+                      <a:r>
+                        <a:rPr lang="en-US" sz="1200" dirty="0" smtClean="0">
+                          <a:latin typeface="Arial Narrow" panose="020B0606020202030204" pitchFamily="34" charset="0"/>
+                        </a:rPr>
+                        <a:t>4</a:t>
+                      </a:r>
+                      <a:endParaRPr lang="en-US" sz="1200" dirty="0">
+                        <a:latin typeface="Arial Narrow" panose="020B0606020202030204" pitchFamily="34" charset="0"/>
+                      </a:endParaRPr>
+                    </a:p>
+                  </a:txBody>
+                  <a:tcPr/>
+                </a:tc>
+                <a:tc>
+                  <a:txBody>
+                    <a:bodyPr/>
+                    <a:lstStyle/>
+                    <a:p>
+                      <a:r>
+                        <a:rPr lang="en-US" sz="1200" dirty="0" smtClean="0">
+                          <a:latin typeface="Arial Narrow" panose="020B0606020202030204" pitchFamily="34" charset="0"/>
+                        </a:rPr>
+                        <a:t>Put incorrect password for your login.</a:t>
+                      </a:r>
+                      <a:endParaRPr lang="en-US" sz="1200" dirty="0">
+                        <a:latin typeface="Arial Narrow" panose="020B0606020202030204" pitchFamily="34" charset="0"/>
+                      </a:endParaRPr>
+                    </a:p>
+                  </a:txBody>
+                  <a:tcPr/>
+                </a:tc>
+                <a:tc>
+                  <a:txBody>
+                    <a:bodyPr/>
+                    <a:lstStyle/>
+                    <a:p>
+                      <a:pPr marL="0" marR="0">
+                        <a:spcBef>
+                          <a:spcPts val="0"/>
+                        </a:spcBef>
+                        <a:spcAft>
+                          <a:spcPts val="0"/>
+                        </a:spcAft>
+                      </a:pPr>
+                      <a:r>
+                        <a:rPr lang="en-US" sz="1200" b="0" dirty="0">
+                          <a:effectLst/>
+                          <a:latin typeface="Arial Narrow" panose="020B0606020202030204" pitchFamily="34" charset="0"/>
+                          <a:ea typeface="Calibri" panose="020F0502020204030204" pitchFamily="34" charset="0"/>
+                          <a:cs typeface="Times New Roman" panose="02020603050405020304" pitchFamily="18" charset="0"/>
+                        </a:rPr>
+                        <a:t>Opened pending surveys successfully. </a:t>
+                      </a:r>
+                    </a:p>
+                  </a:txBody>
+                  <a:tcPr marL="68580" marR="68580" marT="0" marB="0"/>
+                </a:tc>
+                <a:extLst>
+                  <a:ext uri="{0D108BD9-81ED-4DB2-BD59-A6C34878D82A}">
+                    <a16:rowId xmlns:a16="http://schemas.microsoft.com/office/drawing/2014/main" val="3049863812"/>
+                  </a:ext>
+                </a:extLst>
+              </a:tr>
+              <a:tr h="460672">
+                <a:tc>
+                  <a:txBody>
+                    <a:bodyPr/>
+                    <a:lstStyle/>
+                    <a:p>
+                      <a:r>
+                        <a:rPr lang="en-US" sz="1200" dirty="0" smtClean="0">
+                          <a:latin typeface="Arial Narrow" panose="020B0606020202030204" pitchFamily="34" charset="0"/>
+                        </a:rPr>
+                        <a:t>5</a:t>
+                      </a:r>
+                      <a:endParaRPr lang="en-US" sz="1200" dirty="0">
+                        <a:latin typeface="Arial Narrow" panose="020B0606020202030204" pitchFamily="34" charset="0"/>
+                      </a:endParaRPr>
+                    </a:p>
+                  </a:txBody>
+                  <a:tcPr/>
+                </a:tc>
+                <a:tc>
+                  <a:txBody>
+                    <a:bodyPr/>
+                    <a:lstStyle/>
+                    <a:p>
+                      <a:r>
+                        <a:rPr lang="en-US" sz="1200" dirty="0" smtClean="0">
+                          <a:latin typeface="Arial Narrow" panose="020B0606020202030204" pitchFamily="34" charset="0"/>
+                        </a:rPr>
+                        <a:t>Check for name and appropriate links on dashboard e.g. admin should see Survey administration, Manage Feedback and Infographics links. </a:t>
+                      </a:r>
+                      <a:endParaRPr lang="en-US" sz="1200" dirty="0">
+                        <a:latin typeface="Arial Narrow" panose="020B0606020202030204" pitchFamily="34" charset="0"/>
+                      </a:endParaRPr>
+                    </a:p>
+                  </a:txBody>
+                  <a:tcPr/>
+                </a:tc>
+                <a:tc>
+                  <a:txBody>
+                    <a:bodyPr/>
+                    <a:lstStyle/>
+                    <a:p>
+                      <a:pPr marL="0" marR="0">
+                        <a:spcBef>
+                          <a:spcPts val="0"/>
+                        </a:spcBef>
+                        <a:spcAft>
+                          <a:spcPts val="0"/>
+                        </a:spcAft>
+                      </a:pPr>
+                      <a:r>
+                        <a:rPr lang="en-US" sz="1200" b="0">
+                          <a:effectLst/>
+                          <a:latin typeface="Arial Narrow" panose="020B0606020202030204" pitchFamily="34" charset="0"/>
+                          <a:ea typeface="Calibri" panose="020F0502020204030204" pitchFamily="34" charset="0"/>
+                          <a:cs typeface="Times New Roman" panose="02020603050405020304" pitchFamily="18" charset="0"/>
+                        </a:rPr>
+                        <a:t>Answered Dropdown and Custom Questions successfully.</a:t>
+                      </a:r>
+                    </a:p>
+                  </a:txBody>
+                  <a:tcPr marL="68580" marR="68580" marT="0" marB="0"/>
+                </a:tc>
+                <a:extLst>
+                  <a:ext uri="{0D108BD9-81ED-4DB2-BD59-A6C34878D82A}">
+                    <a16:rowId xmlns:a16="http://schemas.microsoft.com/office/drawing/2014/main" val="3758901412"/>
+                  </a:ext>
+                </a:extLst>
+              </a:tr>
+              <a:tr h="460672">
+                <a:tc>
+                  <a:txBody>
+                    <a:bodyPr/>
+                    <a:lstStyle/>
+                    <a:p>
+                      <a:r>
+                        <a:rPr lang="en-US" sz="1200" dirty="0" smtClean="0">
+                          <a:latin typeface="Arial Narrow" panose="020B0606020202030204" pitchFamily="34" charset="0"/>
+                        </a:rPr>
+                        <a:t>6</a:t>
+                      </a:r>
+                      <a:endParaRPr lang="en-US" sz="1200" dirty="0">
+                        <a:latin typeface="Arial Narrow" panose="020B0606020202030204" pitchFamily="34" charset="0"/>
+                      </a:endParaRPr>
+                    </a:p>
+                  </a:txBody>
+                  <a:tcPr/>
+                </a:tc>
+                <a:tc>
+                  <a:txBody>
+                    <a:bodyPr/>
+                    <a:lstStyle/>
+                    <a:p>
+                      <a:r>
+                        <a:rPr lang="en-US" sz="1200" dirty="0" smtClean="0">
+                          <a:latin typeface="Arial Narrow" panose="020B0606020202030204" pitchFamily="34" charset="0"/>
+                        </a:rPr>
+                        <a:t>Click on Survey Admin and create a "Student" survey. Select minimum 3 and maximum 5 head topics and then any number of questions in those topics.</a:t>
+                      </a:r>
+                      <a:endParaRPr lang="en-US" sz="1200" dirty="0">
+                        <a:latin typeface="Arial Narrow" panose="020B0606020202030204" pitchFamily="34" charset="0"/>
+                      </a:endParaRPr>
+                    </a:p>
+                  </a:txBody>
+                  <a:tcPr/>
+                </a:tc>
+                <a:tc>
+                  <a:txBody>
+                    <a:bodyPr/>
+                    <a:lstStyle/>
+                    <a:p>
+                      <a:pPr marL="0" marR="0">
+                        <a:spcBef>
+                          <a:spcPts val="0"/>
+                        </a:spcBef>
+                        <a:spcAft>
+                          <a:spcPts val="0"/>
+                        </a:spcAft>
+                      </a:pPr>
+                      <a:r>
+                        <a:rPr lang="en-US" sz="1200" b="0" dirty="0">
+                          <a:effectLst/>
+                          <a:latin typeface="Arial Narrow" panose="020B0606020202030204" pitchFamily="34" charset="0"/>
+                          <a:ea typeface="Calibri" panose="020F0502020204030204" pitchFamily="34" charset="0"/>
+                          <a:cs typeface="Times New Roman" panose="02020603050405020304" pitchFamily="18" charset="0"/>
+                        </a:rPr>
+                        <a:t>Survey Submitted Successfully.</a:t>
+                      </a:r>
+                    </a:p>
+                  </a:txBody>
+                  <a:tcPr marL="68580" marR="68580" marT="0" marB="0"/>
+                </a:tc>
+                <a:extLst>
+                  <a:ext uri="{0D108BD9-81ED-4DB2-BD59-A6C34878D82A}">
+                    <a16:rowId xmlns:a16="http://schemas.microsoft.com/office/drawing/2014/main" val="3152525244"/>
+                  </a:ext>
+                </a:extLst>
+              </a:tr>
+              <a:tr h="528339">
+                <a:tc>
+                  <a:txBody>
+                    <a:bodyPr/>
+                    <a:lstStyle/>
+                    <a:p>
+                      <a:r>
+                        <a:rPr lang="en-US" sz="1200" dirty="0" smtClean="0">
+                          <a:latin typeface="Arial Narrow" panose="020B0606020202030204" pitchFamily="34" charset="0"/>
+                        </a:rPr>
+                        <a:t>7</a:t>
+                      </a:r>
+                      <a:endParaRPr lang="en-US" sz="1200" dirty="0">
+                        <a:latin typeface="Arial Narrow" panose="020B0606020202030204" pitchFamily="34" charset="0"/>
+                      </a:endParaRPr>
+                    </a:p>
+                  </a:txBody>
+                  <a:tcPr/>
+                </a:tc>
+                <a:tc>
+                  <a:txBody>
+                    <a:bodyPr/>
+                    <a:lstStyle/>
+                    <a:p>
+                      <a:r>
+                        <a:rPr lang="en-US" sz="1200" dirty="0" smtClean="0">
+                          <a:latin typeface="Arial Narrow" panose="020B0606020202030204" pitchFamily="34" charset="0"/>
+                        </a:rPr>
+                        <a:t>Deploy Survey to following users :- </a:t>
+                      </a:r>
+                      <a:r>
+                        <a:rPr lang="en-US" sz="1200" i="1" dirty="0" smtClean="0">
+                          <a:latin typeface="Arial Narrow" panose="020B0606020202030204" pitchFamily="34" charset="0"/>
+                        </a:rPr>
+                        <a:t>“</a:t>
+                      </a:r>
+                      <a:r>
+                        <a:rPr lang="en-US" sz="1200" i="1" dirty="0" smtClean="0">
+                          <a:solidFill>
+                            <a:srgbClr val="002060"/>
+                          </a:solidFill>
+                          <a:latin typeface="Arial Narrow" panose="020B0606020202030204" pitchFamily="34" charset="0"/>
+                        </a:rPr>
+                        <a:t>tania.singh@ttu.edu”,”sara.khan@ttu.edu”,”arun-kumar.jegarkal@ttu.edu”,”bhavyabatra88@gmail.com”,”vinay.deshpande18@gmail.com” </a:t>
+                      </a:r>
+                      <a:endParaRPr lang="en-US" sz="1200" i="1" dirty="0">
+                        <a:solidFill>
+                          <a:srgbClr val="002060"/>
+                        </a:solidFill>
+                        <a:latin typeface="Arial Narrow" panose="020B0606020202030204" pitchFamily="34" charset="0"/>
+                      </a:endParaRPr>
+                    </a:p>
+                  </a:txBody>
+                  <a:tcPr/>
+                </a:tc>
+                <a:tc>
+                  <a:txBody>
+                    <a:bodyPr/>
+                    <a:lstStyle/>
+                    <a:p>
+                      <a:pPr marL="0" marR="0">
+                        <a:spcBef>
+                          <a:spcPts val="0"/>
+                        </a:spcBef>
+                        <a:spcAft>
+                          <a:spcPts val="0"/>
+                        </a:spcAft>
+                      </a:pPr>
+                      <a:r>
+                        <a:rPr lang="en-US" sz="1200" b="0" dirty="0">
+                          <a:effectLst/>
+                          <a:latin typeface="Arial Narrow" panose="020B0606020202030204" pitchFamily="34" charset="0"/>
+                          <a:ea typeface="Calibri" panose="020F0502020204030204" pitchFamily="34" charset="0"/>
+                          <a:cs typeface="Times New Roman" panose="02020603050405020304" pitchFamily="18" charset="0"/>
+                        </a:rPr>
+                        <a:t>Survey Status changed from pending to submitted.</a:t>
+                      </a:r>
+                    </a:p>
+                  </a:txBody>
+                  <a:tcPr marL="68580" marR="68580" marT="0" marB="0"/>
+                </a:tc>
+                <a:extLst>
+                  <a:ext uri="{0D108BD9-81ED-4DB2-BD59-A6C34878D82A}">
+                    <a16:rowId xmlns:a16="http://schemas.microsoft.com/office/drawing/2014/main" val="771572886"/>
+                  </a:ext>
+                </a:extLst>
+              </a:tr>
+              <a:tr h="368538">
+                <a:tc>
+                  <a:txBody>
+                    <a:bodyPr/>
+                    <a:lstStyle/>
+                    <a:p>
+                      <a:r>
+                        <a:rPr lang="en-US" sz="1200" dirty="0" smtClean="0">
+                          <a:latin typeface="Arial Narrow" panose="020B0606020202030204" pitchFamily="34" charset="0"/>
+                        </a:rPr>
+                        <a:t>8</a:t>
+                      </a:r>
+                      <a:endParaRPr lang="en-US" sz="1200" dirty="0">
+                        <a:latin typeface="Arial Narrow" panose="020B0606020202030204" pitchFamily="34" charset="0"/>
+                      </a:endParaRPr>
+                    </a:p>
+                  </a:txBody>
+                  <a:tcPr/>
+                </a:tc>
+                <a:tc>
+                  <a:txBody>
+                    <a:bodyPr/>
+                    <a:lstStyle/>
+                    <a:p>
+                      <a:r>
+                        <a:rPr lang="en-US" sz="1200" dirty="0" smtClean="0">
+                          <a:latin typeface="Arial Narrow" panose="020B0606020202030204" pitchFamily="34" charset="0"/>
+                        </a:rPr>
+                        <a:t>Go back to survey List.</a:t>
+                      </a:r>
+                      <a:endParaRPr lang="en-US" sz="1200" dirty="0">
+                        <a:latin typeface="Arial Narrow" panose="020B0606020202030204" pitchFamily="34" charset="0"/>
+                      </a:endParaRPr>
+                    </a:p>
+                  </a:txBody>
+                  <a:tcPr/>
+                </a:tc>
+                <a:tc>
+                  <a:txBody>
+                    <a:bodyPr/>
+                    <a:lstStyle/>
+                    <a:p>
+                      <a:r>
+                        <a:rPr lang="en-US" sz="1200" dirty="0" smtClean="0">
+                          <a:latin typeface="Arial Narrow" panose="020B0606020202030204" pitchFamily="34" charset="0"/>
+                          <a:cs typeface="Calibri" panose="020F0502020204030204" pitchFamily="34" charset="0"/>
+                        </a:rPr>
+                        <a:t>Submit a blank survey.</a:t>
+                      </a:r>
+                      <a:endParaRPr lang="en-US" sz="1200" dirty="0">
+                        <a:latin typeface="Arial Narrow" panose="020B0606020202030204" pitchFamily="34" charset="0"/>
+                        <a:cs typeface="Calibri" panose="020F0502020204030204" pitchFamily="34" charset="0"/>
+                      </a:endParaRPr>
+                    </a:p>
+                  </a:txBody>
+                  <a:tcPr/>
+                </a:tc>
+                <a:extLst>
+                  <a:ext uri="{0D108BD9-81ED-4DB2-BD59-A6C34878D82A}">
+                    <a16:rowId xmlns:a16="http://schemas.microsoft.com/office/drawing/2014/main" val="3576002165"/>
+                  </a:ext>
+                </a:extLst>
+              </a:tr>
+              <a:tr h="460672">
+                <a:tc>
+                  <a:txBody>
+                    <a:bodyPr/>
+                    <a:lstStyle/>
+                    <a:p>
+                      <a:r>
+                        <a:rPr lang="en-US" sz="1200" dirty="0" smtClean="0">
+                          <a:latin typeface="Arial Narrow" panose="020B0606020202030204" pitchFamily="34" charset="0"/>
+                        </a:rPr>
+                        <a:t>9</a:t>
+                      </a:r>
+                      <a:endParaRPr lang="en-US" sz="1200" dirty="0">
+                        <a:latin typeface="Arial Narrow" panose="020B0606020202030204" pitchFamily="34" charset="0"/>
+                      </a:endParaRPr>
+                    </a:p>
+                  </a:txBody>
+                  <a:tcPr/>
+                </a:tc>
+                <a:tc>
+                  <a:txBody>
+                    <a:bodyPr/>
+                    <a:lstStyle/>
+                    <a:p>
+                      <a:r>
+                        <a:rPr lang="en-US" sz="1200" dirty="0" smtClean="0">
+                          <a:latin typeface="Arial Narrow" panose="020B0606020202030204" pitchFamily="34" charset="0"/>
+                        </a:rPr>
+                        <a:t>Go to Manage Feedback and put random values for data. Select any survey with answers if available and submit feedback.</a:t>
+                      </a:r>
+                      <a:endParaRPr lang="en-US" sz="1200" dirty="0">
+                        <a:latin typeface="Arial Narrow" panose="020B0606020202030204" pitchFamily="34" charset="0"/>
+                      </a:endParaRPr>
+                    </a:p>
+                  </a:txBody>
+                  <a:tcPr/>
+                </a:tc>
+                <a:tc>
+                  <a:txBody>
+                    <a:bodyPr/>
+                    <a:lstStyle/>
+                    <a:p>
+                      <a:endParaRPr lang="en-US" dirty="0"/>
+                    </a:p>
+                  </a:txBody>
+                  <a:tcPr/>
+                </a:tc>
+                <a:extLst>
+                  <a:ext uri="{0D108BD9-81ED-4DB2-BD59-A6C34878D82A}">
+                    <a16:rowId xmlns:a16="http://schemas.microsoft.com/office/drawing/2014/main" val="3035713944"/>
+                  </a:ext>
+                </a:extLst>
+              </a:tr>
+              <a:tr h="460672">
+                <a:tc>
+                  <a:txBody>
+                    <a:bodyPr/>
+                    <a:lstStyle/>
+                    <a:p>
+                      <a:r>
+                        <a:rPr lang="en-US" sz="1200" dirty="0" smtClean="0">
+                          <a:latin typeface="Arial Narrow" panose="020B0606020202030204" pitchFamily="34" charset="0"/>
+                        </a:rPr>
+                        <a:t>10</a:t>
+                      </a:r>
+                      <a:endParaRPr lang="en-US" sz="1200" dirty="0">
+                        <a:latin typeface="Arial Narrow" panose="020B0606020202030204" pitchFamily="34" charset="0"/>
+                      </a:endParaRPr>
+                    </a:p>
+                  </a:txBody>
+                  <a:tcPr/>
+                </a:tc>
+                <a:tc>
+                  <a:txBody>
+                    <a:bodyPr/>
+                    <a:lstStyle/>
+                    <a:p>
+                      <a:r>
+                        <a:rPr lang="en-US" sz="1200" dirty="0" smtClean="0">
+                          <a:latin typeface="Arial Narrow" panose="020B0606020202030204" pitchFamily="34" charset="0"/>
+                        </a:rPr>
+                        <a:t>Go Infographics Section. You should be able see all the graphs for all states (if data available for other states.)</a:t>
+                      </a:r>
+                      <a:endParaRPr lang="en-US" sz="1200" dirty="0">
+                        <a:latin typeface="Arial Narrow" panose="020B0606020202030204" pitchFamily="34" charset="0"/>
+                      </a:endParaRPr>
+                    </a:p>
+                  </a:txBody>
+                  <a:tcPr/>
+                </a:tc>
+                <a:tc>
+                  <a:txBody>
+                    <a:bodyPr/>
+                    <a:lstStyle/>
+                    <a:p>
+                      <a:endParaRPr lang="en-US"/>
+                    </a:p>
+                  </a:txBody>
+                  <a:tcPr/>
+                </a:tc>
+                <a:extLst>
+                  <a:ext uri="{0D108BD9-81ED-4DB2-BD59-A6C34878D82A}">
+                    <a16:rowId xmlns:a16="http://schemas.microsoft.com/office/drawing/2014/main" val="3667638240"/>
+                  </a:ext>
+                </a:extLst>
+              </a:tr>
+              <a:tr h="368538">
+                <a:tc>
+                  <a:txBody>
+                    <a:bodyPr/>
+                    <a:lstStyle/>
+                    <a:p>
+                      <a:r>
+                        <a:rPr lang="en-US" sz="1200" dirty="0" smtClean="0">
+                          <a:latin typeface="Arial Narrow" panose="020B0606020202030204" pitchFamily="34" charset="0"/>
+                        </a:rPr>
+                        <a:t>11</a:t>
+                      </a:r>
+                      <a:endParaRPr lang="en-US" sz="1200" dirty="0">
+                        <a:latin typeface="Arial Narrow" panose="020B0606020202030204" pitchFamily="34" charset="0"/>
+                      </a:endParaRPr>
+                    </a:p>
+                  </a:txBody>
+                  <a:tcPr/>
+                </a:tc>
+                <a:tc>
+                  <a:txBody>
+                    <a:bodyPr/>
+                    <a:lstStyle/>
+                    <a:p>
+                      <a:r>
+                        <a:rPr lang="en-US" sz="1200" dirty="0" smtClean="0">
+                          <a:latin typeface="Arial Narrow" panose="020B0606020202030204" pitchFamily="34" charset="0"/>
+                        </a:rPr>
+                        <a:t>Do ad-hoc testing. </a:t>
+                      </a:r>
+                      <a:endParaRPr lang="en-US" sz="1200" dirty="0">
+                        <a:latin typeface="Arial Narrow" panose="020B0606020202030204" pitchFamily="34" charset="0"/>
+                      </a:endParaRPr>
+                    </a:p>
+                  </a:txBody>
+                  <a:tcPr/>
+                </a:tc>
+                <a:tc>
+                  <a:txBody>
+                    <a:bodyPr/>
+                    <a:lstStyle/>
+                    <a:p>
+                      <a:endParaRPr lang="en-US"/>
+                    </a:p>
+                  </a:txBody>
+                  <a:tcPr/>
+                </a:tc>
+                <a:extLst>
+                  <a:ext uri="{0D108BD9-81ED-4DB2-BD59-A6C34878D82A}">
+                    <a16:rowId xmlns:a16="http://schemas.microsoft.com/office/drawing/2014/main" val="3963580024"/>
+                  </a:ext>
+                </a:extLst>
+              </a:tr>
+              <a:tr h="368538">
+                <a:tc>
+                  <a:txBody>
+                    <a:bodyPr/>
+                    <a:lstStyle/>
+                    <a:p>
+                      <a:r>
+                        <a:rPr lang="en-US" sz="1200" dirty="0" smtClean="0">
+                          <a:latin typeface="Arial Narrow" panose="020B0606020202030204" pitchFamily="34" charset="0"/>
+                        </a:rPr>
+                        <a:t>12</a:t>
+                      </a:r>
+                      <a:endParaRPr lang="en-US" sz="1200" dirty="0">
+                        <a:latin typeface="Arial Narrow" panose="020B0606020202030204" pitchFamily="34" charset="0"/>
+                      </a:endParaRPr>
+                    </a:p>
+                  </a:txBody>
+                  <a:tcPr/>
+                </a:tc>
+                <a:tc>
+                  <a:txBody>
+                    <a:bodyPr/>
+                    <a:lstStyle/>
+                    <a:p>
+                      <a:r>
+                        <a:rPr lang="en-US" sz="1200" dirty="0" smtClean="0">
+                          <a:latin typeface="Arial Narrow" panose="020B0606020202030204" pitchFamily="34" charset="0"/>
+                        </a:rPr>
+                        <a:t>Create random surveys, add and delete other surveys which are not deployed.</a:t>
+                      </a:r>
+                      <a:endParaRPr lang="en-US" sz="1200" dirty="0">
+                        <a:latin typeface="Arial Narrow" panose="020B0606020202030204" pitchFamily="34" charset="0"/>
+                      </a:endParaRPr>
+                    </a:p>
+                  </a:txBody>
+                  <a:tcPr/>
+                </a:tc>
+                <a:tc>
+                  <a:txBody>
+                    <a:bodyPr/>
+                    <a:lstStyle/>
+                    <a:p>
+                      <a:endParaRPr lang="en-US" dirty="0"/>
+                    </a:p>
+                  </a:txBody>
+                  <a:tcPr/>
+                </a:tc>
+                <a:extLst>
+                  <a:ext uri="{0D108BD9-81ED-4DB2-BD59-A6C34878D82A}">
+                    <a16:rowId xmlns:a16="http://schemas.microsoft.com/office/drawing/2014/main" val="407960867"/>
+                  </a:ext>
+                </a:extLst>
+              </a:tr>
+              <a:tr h="368538">
+                <a:tc>
+                  <a:txBody>
+                    <a:bodyPr/>
+                    <a:lstStyle/>
+                    <a:p>
+                      <a:r>
+                        <a:rPr lang="en-US" sz="1200" dirty="0" smtClean="0">
+                          <a:latin typeface="Arial Narrow" panose="020B0606020202030204" pitchFamily="34" charset="0"/>
+                        </a:rPr>
+                        <a:t>13</a:t>
+                      </a:r>
+                      <a:endParaRPr lang="en-US" sz="1200" dirty="0">
+                        <a:latin typeface="Arial Narrow" panose="020B0606020202030204" pitchFamily="34" charset="0"/>
+                      </a:endParaRPr>
+                    </a:p>
+                  </a:txBody>
+                  <a:tcPr/>
+                </a:tc>
+                <a:tc>
+                  <a:txBody>
+                    <a:bodyPr/>
+                    <a:lstStyle/>
+                    <a:p>
+                      <a:r>
+                        <a:rPr lang="en-US" sz="1200" dirty="0" smtClean="0">
+                          <a:latin typeface="Arial Narrow" panose="020B0606020202030204" pitchFamily="34" charset="0"/>
+                        </a:rPr>
+                        <a:t>Don’t include online surveys even if exist while giving feedbacks.</a:t>
+                      </a:r>
+                      <a:endParaRPr lang="en-US" sz="1200" dirty="0">
+                        <a:latin typeface="Arial Narrow" panose="020B0606020202030204" pitchFamily="34" charset="0"/>
+                      </a:endParaRPr>
+                    </a:p>
+                  </a:txBody>
+                  <a:tcPr/>
+                </a:tc>
+                <a:tc>
+                  <a:txBody>
+                    <a:bodyPr/>
+                    <a:lstStyle/>
+                    <a:p>
+                      <a:endParaRPr lang="en-US" dirty="0"/>
+                    </a:p>
+                  </a:txBody>
+                  <a:tcPr/>
+                </a:tc>
+                <a:extLst>
+                  <a:ext uri="{0D108BD9-81ED-4DB2-BD59-A6C34878D82A}">
+                    <a16:rowId xmlns:a16="http://schemas.microsoft.com/office/drawing/2014/main" val="1945250785"/>
+                  </a:ext>
+                </a:extLst>
+              </a:tr>
+            </a:tbl>
+          </a:graphicData>
+        </a:graphic>
+      </p:graphicFrame>
     </p:spTree>
     <p:extLst>
       <p:ext uri="{BB962C8B-B14F-4D97-AF65-F5344CB8AC3E}">
@@ -14127,14 +17330,14 @@
       </p:grpSpPr>
       <p:sp>
         <p:nvSpPr>
-          <p:cNvPr id="2" name="TextBox 1"/>
+          <p:cNvPr id="3" name="TextBox 2"/>
           <p:cNvSpPr txBox="1"/>
           <p:nvPr/>
         </p:nvSpPr>
         <p:spPr>
           <a:xfrm>
-            <a:off x="272562" y="87923"/>
-            <a:ext cx="4440115" cy="1015663"/>
+            <a:off x="0" y="105987"/>
+            <a:ext cx="10964008" cy="923330"/>
           </a:xfrm>
           <a:prstGeom prst="rect">
             <a:avLst/>
@@ -14148,41 +17351,398 @@
           <a:lstStyle/>
           <a:p>
             <a:r>
-              <a:rPr lang="en-US" sz="6000" dirty="0" smtClean="0">
+              <a:rPr lang="en-US" sz="5400" dirty="0" smtClean="0">
+                <a:solidFill>
+                  <a:schemeClr val="bg1"/>
+                </a:solidFill>
+                <a:latin typeface="Arial Rounded MT Bold" panose="020F0704030504030204" pitchFamily="34" charset="0"/>
+              </a:rPr>
+              <a:t>SWE-OAWP : </a:t>
+            </a:r>
+            <a:r>
+              <a:rPr lang="en-US" sz="5400" dirty="0" smtClean="0">
                 <a:solidFill>
                   <a:srgbClr val="FF0000"/>
                 </a:solidFill>
+                <a:latin typeface="Arial Rounded MT Bold" panose="020F0704030504030204" pitchFamily="34" charset="0"/>
               </a:rPr>
-              <a:t>T</a:t>
+              <a:t>P</a:t>
             </a:r>
             <a:r>
-              <a:rPr lang="en-US" sz="6000" dirty="0" smtClean="0">
+              <a:rPr lang="en-US" sz="5400" dirty="0" smtClean="0">
                 <a:solidFill>
                   <a:schemeClr val="bg1"/>
                 </a:solidFill>
+                <a:latin typeface="Arial Rounded MT Bold" panose="020F0704030504030204" pitchFamily="34" charset="0"/>
               </a:rPr>
-              <a:t>he </a:t>
+              <a:t>rivacy</a:t>
+            </a:r>
+            <a:endParaRPr lang="en-US" sz="5400" dirty="0">
+              <a:solidFill>
+                <a:schemeClr val="accent6">
+                  <a:lumMod val="50000"/>
+                  <a:lumOff val="50000"/>
+                </a:schemeClr>
+              </a:solidFill>
+              <a:latin typeface="Arial Rounded MT Bold" panose="020F0704030504030204" pitchFamily="34" charset="0"/>
+            </a:endParaRPr>
+          </a:p>
+        </p:txBody>
+      </p:sp>
+      <p:sp>
+        <p:nvSpPr>
+          <p:cNvPr id="5" name="Rectangle 4"/>
+          <p:cNvSpPr/>
+          <p:nvPr/>
+        </p:nvSpPr>
+        <p:spPr>
+          <a:xfrm>
+            <a:off x="856436" y="1582588"/>
+            <a:ext cx="7045583" cy="1477328"/>
+          </a:xfrm>
+          <a:prstGeom prst="rect">
+            <a:avLst/>
+          </a:prstGeom>
+        </p:spPr>
+        <p:txBody>
+          <a:bodyPr wrap="none">
+            <a:spAutoFit/>
+          </a:bodyPr>
+          <a:lstStyle/>
+          <a:p>
+            <a:r>
+              <a:rPr lang="en-US" b="1" dirty="0"/>
+              <a:t>FTC Fair Information </a:t>
             </a:r>
             <a:r>
-              <a:rPr lang="en-US" sz="6000" dirty="0" smtClean="0">
+              <a:rPr lang="en-US" b="1" dirty="0" smtClean="0"/>
+              <a:t>Practice</a:t>
+            </a:r>
+          </a:p>
+          <a:p>
+            <a:r>
+              <a:rPr lang="en-US" b="1" dirty="0" smtClean="0"/>
+              <a:t>Awareness – </a:t>
+            </a:r>
+          </a:p>
+          <a:p>
+            <a:r>
+              <a:rPr lang="en-US" b="1" dirty="0" smtClean="0"/>
+              <a:t>Consent – No information passing to third parties. Consent of Survey.</a:t>
+            </a:r>
+          </a:p>
+          <a:p>
+            <a:r>
+              <a:rPr lang="en-US" b="1" dirty="0" smtClean="0"/>
+              <a:t>Information is secure – </a:t>
+            </a:r>
+          </a:p>
+          <a:p>
+            <a:r>
+              <a:rPr lang="en-US" b="1" dirty="0" smtClean="0"/>
+              <a:t>Participation</a:t>
+            </a:r>
+            <a:endParaRPr lang="en-US" b="1" dirty="0"/>
+          </a:p>
+        </p:txBody>
+      </p:sp>
+    </p:spTree>
+    <p:extLst>
+      <p:ext uri="{BB962C8B-B14F-4D97-AF65-F5344CB8AC3E}">
+        <p14:creationId xmlns:p14="http://schemas.microsoft.com/office/powerpoint/2010/main" val="1408089013"/>
+      </p:ext>
+    </p:extLst>
+  </p:cSld>
+  <p:clrMapOvr>
+    <a:masterClrMapping/>
+  </p:clrMapOvr>
+  <p:timing>
+    <p:tnLst>
+      <p:par>
+        <p:cTn id="1" dur="indefinite" restart="never" nodeType="tmRoot"/>
+      </p:par>
+    </p:tnLst>
+  </p:timing>
+</p:sld>
+</file>
+
+<file path=ppt/slides/slide26.xml><?xml version="1.0" encoding="utf-8"?>
+<p:sld xmlns:a="http://schemas.openxmlformats.org/drawingml/2006/main" xmlns:r="http://schemas.openxmlformats.org/officeDocument/2006/relationships" xmlns:p="http://schemas.openxmlformats.org/presentationml/2006/main">
+  <p:cSld>
+    <p:spTree>
+      <p:nvGrpSpPr>
+        <p:cNvPr id="1" name=""/>
+        <p:cNvGrpSpPr/>
+        <p:nvPr/>
+      </p:nvGrpSpPr>
+      <p:grpSpPr>
+        <a:xfrm>
+          <a:off x="0" y="0"/>
+          <a:ext cx="0" cy="0"/>
+          <a:chOff x="0" y="0"/>
+          <a:chExt cx="0" cy="0"/>
+        </a:xfrm>
+      </p:grpSpPr>
+      <p:sp>
+        <p:nvSpPr>
+          <p:cNvPr id="4" name="TextBox 3"/>
+          <p:cNvSpPr txBox="1"/>
+          <p:nvPr/>
+        </p:nvSpPr>
+        <p:spPr>
+          <a:xfrm>
+            <a:off x="0" y="105987"/>
+            <a:ext cx="10964008" cy="923330"/>
+          </a:xfrm>
+          <a:prstGeom prst="rect">
+            <a:avLst/>
+          </a:prstGeom>
+          <a:noFill/>
+        </p:spPr>
+        <p:txBody>
+          <a:bodyPr wrap="square" rtlCol="0">
+            <a:spAutoFit/>
+          </a:bodyPr>
+          <a:lstStyle/>
+          <a:p>
+            <a:r>
+              <a:rPr lang="en-US" sz="5400" dirty="0" smtClean="0">
+                <a:solidFill>
+                  <a:schemeClr val="bg1"/>
+                </a:solidFill>
+                <a:latin typeface="Arial Rounded MT Bold" panose="020F0704030504030204" pitchFamily="34" charset="0"/>
+              </a:rPr>
+              <a:t>SWE-OAWP : </a:t>
+            </a:r>
+            <a:r>
+              <a:rPr lang="en-US" sz="5400" dirty="0" smtClean="0">
+                <a:solidFill>
+                  <a:schemeClr val="bg1"/>
+                </a:solidFill>
+                <a:latin typeface="Arial Rounded MT Bold" panose="020F0704030504030204" pitchFamily="34" charset="0"/>
+              </a:rPr>
+              <a:t>What’s in Future </a:t>
+            </a:r>
+            <a:r>
+              <a:rPr lang="en-US" sz="5400" dirty="0" smtClean="0">
                 <a:solidFill>
                   <a:srgbClr val="FF0000"/>
                 </a:solidFill>
+                <a:latin typeface="Arial Rounded MT Bold" panose="020F0704030504030204" pitchFamily="34" charset="0"/>
               </a:rPr>
-              <a:t>B</a:t>
+              <a:t>?</a:t>
+            </a:r>
+            <a:endParaRPr lang="en-US" sz="5400" dirty="0">
+              <a:solidFill>
+                <a:srgbClr val="FF0000"/>
+              </a:solidFill>
+              <a:latin typeface="Arial Rounded MT Bold" panose="020F0704030504030204" pitchFamily="34" charset="0"/>
+            </a:endParaRPr>
+          </a:p>
+        </p:txBody>
+      </p:sp>
+      <p:sp>
+        <p:nvSpPr>
+          <p:cNvPr id="5" name="TextBox 4"/>
+          <p:cNvSpPr txBox="1"/>
+          <p:nvPr/>
+        </p:nvSpPr>
+        <p:spPr>
+          <a:xfrm>
+            <a:off x="140678" y="1354015"/>
+            <a:ext cx="11175022" cy="6001643"/>
+          </a:xfrm>
+          <a:prstGeom prst="rect">
+            <a:avLst/>
+          </a:prstGeom>
+          <a:noFill/>
+        </p:spPr>
+        <p:txBody>
+          <a:bodyPr wrap="square" rtlCol="0">
+            <a:spAutoFit/>
+          </a:bodyPr>
+          <a:lstStyle/>
+          <a:p>
+            <a:pPr marL="285750" indent="-285750">
+              <a:buBlip>
+                <a:blip r:embed="rId2"/>
+              </a:buBlip>
+            </a:pPr>
+            <a:r>
+              <a:rPr lang="en-US" sz="2400" b="1" dirty="0" smtClean="0">
+                <a:latin typeface="Arial Narrow" panose="020B0606020202030204" pitchFamily="34" charset="0"/>
+              </a:rPr>
+              <a:t>Change Management Model </a:t>
             </a:r>
             <a:r>
-              <a:rPr lang="en-US" sz="6000" dirty="0" smtClean="0">
-                <a:solidFill>
-                  <a:schemeClr val="bg1"/>
-                </a:solidFill>
+              <a:rPr lang="en-US" sz="2400" dirty="0" smtClean="0">
+                <a:latin typeface="Arial Narrow" panose="020B0606020202030204" pitchFamily="34" charset="0"/>
               </a:rPr>
-              <a:t>lueprint</a:t>
+              <a:t>: Objectives, Roles, User access controls, Questions.</a:t>
             </a:r>
-            <a:endParaRPr lang="en-US" sz="6000" dirty="0">
-              <a:solidFill>
-                <a:schemeClr val="bg1"/>
-              </a:solidFill>
+          </a:p>
+          <a:p>
+            <a:endParaRPr lang="en-US" sz="2400" dirty="0" smtClean="0">
+              <a:latin typeface="Arial Narrow" panose="020B0606020202030204" pitchFamily="34" charset="0"/>
+            </a:endParaRPr>
+          </a:p>
+          <a:p>
+            <a:pPr marL="285750" indent="-285750">
+              <a:buBlip>
+                <a:blip r:embed="rId2"/>
+              </a:buBlip>
+            </a:pPr>
+            <a:r>
+              <a:rPr lang="en-US" sz="2400" b="1" dirty="0" smtClean="0">
+                <a:latin typeface="Arial Narrow" panose="020B0606020202030204" pitchFamily="34" charset="0"/>
+              </a:rPr>
+              <a:t>Paper Survey Generation </a:t>
+            </a:r>
+            <a:r>
+              <a:rPr lang="en-US" sz="2400" dirty="0" smtClean="0">
+                <a:latin typeface="Arial Narrow" panose="020B0606020202030204" pitchFamily="34" charset="0"/>
+              </a:rPr>
+              <a:t>for latest file formats.</a:t>
+            </a:r>
+          </a:p>
+          <a:p>
+            <a:endParaRPr lang="en-US" sz="2400" dirty="0" smtClean="0">
+              <a:latin typeface="Arial Narrow" panose="020B0606020202030204" pitchFamily="34" charset="0"/>
+            </a:endParaRPr>
+          </a:p>
+          <a:p>
+            <a:pPr marL="285750" indent="-285750">
+              <a:buBlip>
+                <a:blip r:embed="rId2"/>
+              </a:buBlip>
+            </a:pPr>
+            <a:r>
+              <a:rPr lang="en-US" sz="2400" b="1" dirty="0" smtClean="0">
+                <a:latin typeface="Arial Narrow" panose="020B0606020202030204" pitchFamily="34" charset="0"/>
+              </a:rPr>
+              <a:t>Live</a:t>
+            </a:r>
+            <a:r>
+              <a:rPr lang="en-US" sz="2400" dirty="0" smtClean="0">
+                <a:latin typeface="Arial Narrow" panose="020B0606020202030204" pitchFamily="34" charset="0"/>
+              </a:rPr>
+              <a:t> Infographics. </a:t>
+            </a:r>
+          </a:p>
+          <a:p>
+            <a:endParaRPr lang="en-US" sz="2400" dirty="0" smtClean="0">
+              <a:latin typeface="Arial Narrow" panose="020B0606020202030204" pitchFamily="34" charset="0"/>
+            </a:endParaRPr>
+          </a:p>
+          <a:p>
+            <a:pPr marL="285750" indent="-285750">
+              <a:buBlip>
+                <a:blip r:embed="rId2"/>
+              </a:buBlip>
+            </a:pPr>
+            <a:r>
+              <a:rPr lang="en-US" sz="2400" b="1" dirty="0" smtClean="0">
+                <a:latin typeface="Arial Narrow" panose="020B0606020202030204" pitchFamily="34" charset="0"/>
+              </a:rPr>
+              <a:t>Collaborative graphs </a:t>
+            </a:r>
+            <a:r>
+              <a:rPr lang="en-US" sz="2400" dirty="0" smtClean="0">
+                <a:latin typeface="Arial Narrow" panose="020B0606020202030204" pitchFamily="34" charset="0"/>
+              </a:rPr>
+              <a:t>and downloadable formats.</a:t>
+            </a:r>
+          </a:p>
+          <a:p>
+            <a:endParaRPr lang="en-US" sz="2400" dirty="0" smtClean="0">
+              <a:latin typeface="Arial Narrow" panose="020B0606020202030204" pitchFamily="34" charset="0"/>
+            </a:endParaRPr>
+          </a:p>
+          <a:p>
+            <a:pPr marL="285750" indent="-285750">
+              <a:buBlip>
+                <a:blip r:embed="rId2"/>
+              </a:buBlip>
+            </a:pPr>
+            <a:r>
+              <a:rPr lang="en-US" sz="2400" b="1" dirty="0" smtClean="0">
+                <a:latin typeface="Arial Narrow" panose="020B0606020202030204" pitchFamily="34" charset="0"/>
+              </a:rPr>
+              <a:t>UX/UI</a:t>
+            </a:r>
+            <a:r>
+              <a:rPr lang="en-US" sz="2400" dirty="0" smtClean="0">
+                <a:latin typeface="Arial Narrow" panose="020B0606020202030204" pitchFamily="34" charset="0"/>
+              </a:rPr>
+              <a:t> Design. </a:t>
+            </a:r>
+          </a:p>
+          <a:p>
+            <a:endParaRPr lang="en-US" sz="2400" dirty="0" smtClean="0">
+              <a:latin typeface="Arial Narrow" panose="020B0606020202030204" pitchFamily="34" charset="0"/>
+            </a:endParaRPr>
+          </a:p>
+          <a:p>
+            <a:pPr marL="285750" indent="-285750">
+              <a:buBlip>
+                <a:blip r:embed="rId2"/>
+              </a:buBlip>
+            </a:pPr>
+            <a:r>
+              <a:rPr lang="en-US" sz="2400" b="1" dirty="0" smtClean="0">
+                <a:latin typeface="Arial Narrow" panose="020B0606020202030204" pitchFamily="34" charset="0"/>
+              </a:rPr>
+              <a:t>One click Link </a:t>
+            </a:r>
+            <a:r>
+              <a:rPr lang="en-US" sz="2400" dirty="0" smtClean="0">
+                <a:latin typeface="Arial Narrow" panose="020B0606020202030204" pitchFamily="34" charset="0"/>
+              </a:rPr>
+              <a:t>for participants using dedicated Email Relay Server. </a:t>
+            </a:r>
+          </a:p>
+          <a:p>
+            <a:endParaRPr lang="en-US" sz="2400" dirty="0" smtClean="0">
+              <a:latin typeface="Arial Narrow" panose="020B0606020202030204" pitchFamily="34" charset="0"/>
+            </a:endParaRPr>
+          </a:p>
+          <a:p>
+            <a:pPr marL="285750" indent="-285750">
+              <a:buBlip>
+                <a:blip r:embed="rId2"/>
+              </a:buBlip>
+            </a:pPr>
+            <a:r>
+              <a:rPr lang="en-US" sz="2400" b="1" dirty="0" smtClean="0">
+                <a:latin typeface="Arial Narrow" panose="020B0606020202030204" pitchFamily="34" charset="0"/>
+              </a:rPr>
+              <a:t>International Level Members </a:t>
+            </a:r>
+            <a:r>
+              <a:rPr lang="en-US" sz="2400" dirty="0" smtClean="0">
+                <a:latin typeface="Arial Narrow" panose="020B0606020202030204" pitchFamily="34" charset="0"/>
+              </a:rPr>
+              <a:t>– Dashboard.</a:t>
+            </a:r>
+          </a:p>
+          <a:p>
+            <a:endParaRPr lang="en-US" dirty="0" smtClean="0">
+              <a:latin typeface="Arial Narrow" panose="020B0606020202030204" pitchFamily="34" charset="0"/>
+            </a:endParaRPr>
+          </a:p>
+          <a:p>
+            <a:endParaRPr lang="en-US" dirty="0" smtClean="0">
+              <a:latin typeface="Arial Narrow" panose="020B0606020202030204" pitchFamily="34" charset="0"/>
+            </a:endParaRPr>
+          </a:p>
+          <a:p>
+            <a:endParaRPr lang="en-US" dirty="0" smtClean="0">
+              <a:latin typeface="Arial Narrow" panose="020B0606020202030204" pitchFamily="34" charset="0"/>
+            </a:endParaRPr>
+          </a:p>
+          <a:p>
+            <a:endParaRPr lang="en-US" dirty="0">
+              <a:latin typeface="Arial Narrow" panose="020B0606020202030204" pitchFamily="34" charset="0"/>
             </a:endParaRPr>
           </a:p>
         </p:txBody>
@@ -14190,7 +17750,233 @@
     </p:spTree>
     <p:extLst>
       <p:ext uri="{BB962C8B-B14F-4D97-AF65-F5344CB8AC3E}">
-        <p14:creationId xmlns:p14="http://schemas.microsoft.com/office/powerpoint/2010/main" val="1408089013"/>
+        <p14:creationId xmlns:p14="http://schemas.microsoft.com/office/powerpoint/2010/main" val="59279012"/>
+      </p:ext>
+    </p:extLst>
+  </p:cSld>
+  <p:clrMapOvr>
+    <a:masterClrMapping/>
+  </p:clrMapOvr>
+  <p:timing>
+    <p:tnLst>
+      <p:par>
+        <p:cTn id="1" dur="indefinite" restart="never" nodeType="tmRoot"/>
+      </p:par>
+    </p:tnLst>
+  </p:timing>
+</p:sld>
+</file>
+
+<file path=ppt/slides/slide27.xml><?xml version="1.0" encoding="utf-8"?>
+<p:sld xmlns:a="http://schemas.openxmlformats.org/drawingml/2006/main" xmlns:r="http://schemas.openxmlformats.org/officeDocument/2006/relationships" xmlns:p="http://schemas.openxmlformats.org/presentationml/2006/main">
+  <p:cSld>
+    <p:spTree>
+      <p:nvGrpSpPr>
+        <p:cNvPr id="1" name=""/>
+        <p:cNvGrpSpPr/>
+        <p:nvPr/>
+      </p:nvGrpSpPr>
+      <p:grpSpPr>
+        <a:xfrm>
+          <a:off x="0" y="0"/>
+          <a:ext cx="0" cy="0"/>
+          <a:chOff x="0" y="0"/>
+          <a:chExt cx="0" cy="0"/>
+        </a:xfrm>
+      </p:grpSpPr>
+      <p:sp>
+        <p:nvSpPr>
+          <p:cNvPr id="4" name="TextBox 3"/>
+          <p:cNvSpPr txBox="1"/>
+          <p:nvPr/>
+        </p:nvSpPr>
+        <p:spPr>
+          <a:xfrm>
+            <a:off x="0" y="105987"/>
+            <a:ext cx="10964008" cy="923330"/>
+          </a:xfrm>
+          <a:prstGeom prst="rect">
+            <a:avLst/>
+          </a:prstGeom>
+          <a:noFill/>
+        </p:spPr>
+        <p:txBody>
+          <a:bodyPr wrap="square" rtlCol="0">
+            <a:spAutoFit/>
+          </a:bodyPr>
+          <a:lstStyle/>
+          <a:p>
+            <a:r>
+              <a:rPr lang="en-US" sz="5400" dirty="0" smtClean="0">
+                <a:solidFill>
+                  <a:schemeClr val="bg1"/>
+                </a:solidFill>
+                <a:latin typeface="Arial Rounded MT Bold" panose="020F0704030504030204" pitchFamily="34" charset="0"/>
+              </a:rPr>
+              <a:t>SWE-OAWP </a:t>
+            </a:r>
+            <a:r>
+              <a:rPr lang="en-US" sz="5400" dirty="0" smtClean="0">
+                <a:solidFill>
+                  <a:schemeClr val="bg1"/>
+                </a:solidFill>
+                <a:latin typeface="Arial Rounded MT Bold" panose="020F0704030504030204" pitchFamily="34" charset="0"/>
+              </a:rPr>
+              <a:t>:</a:t>
+            </a:r>
+            <a:r>
+              <a:rPr lang="en-US" sz="5400" dirty="0" smtClean="0">
+                <a:solidFill>
+                  <a:srgbClr val="FF0000"/>
+                </a:solidFill>
+                <a:latin typeface="Arial Rounded MT Bold" panose="020F0704030504030204" pitchFamily="34" charset="0"/>
+              </a:rPr>
+              <a:t> LIVE</a:t>
+            </a:r>
+            <a:endParaRPr lang="en-US" sz="5400" dirty="0">
+              <a:solidFill>
+                <a:srgbClr val="FF0000"/>
+              </a:solidFill>
+              <a:latin typeface="Arial Rounded MT Bold" panose="020F0704030504030204" pitchFamily="34" charset="0"/>
+            </a:endParaRPr>
+          </a:p>
+        </p:txBody>
+      </p:sp>
+      <p:grpSp>
+        <p:nvGrpSpPr>
+          <p:cNvPr id="3" name="Group 2"/>
+          <p:cNvGrpSpPr/>
+          <p:nvPr/>
+        </p:nvGrpSpPr>
+        <p:grpSpPr>
+          <a:xfrm>
+            <a:off x="4486759" y="2138767"/>
+            <a:ext cx="3285128" cy="2417735"/>
+            <a:chOff x="7248259" y="3937178"/>
+            <a:chExt cx="1724451" cy="1034670"/>
+          </a:xfrm>
+          <a:scene3d>
+            <a:camera prst="orthographicFront"/>
+            <a:lightRig rig="flat" dir="t"/>
+          </a:scene3d>
+        </p:grpSpPr>
+        <p:sp>
+          <p:nvSpPr>
+            <p:cNvPr id="5" name="Rounded Rectangle 4"/>
+            <p:cNvSpPr/>
+            <p:nvPr/>
+          </p:nvSpPr>
+          <p:spPr>
+            <a:xfrm>
+              <a:off x="7248259" y="3937178"/>
+              <a:ext cx="1724451" cy="1034670"/>
+            </a:xfrm>
+            <a:prstGeom prst="roundRect">
+              <a:avLst>
+                <a:gd name="adj" fmla="val 10000"/>
+              </a:avLst>
+            </a:prstGeom>
+            <a:sp3d prstMaterial="plastic">
+              <a:bevelT w="120900" h="88900"/>
+              <a:bevelB w="88900" h="31750" prst="angle"/>
+            </a:sp3d>
+          </p:spPr>
+          <p:style>
+            <a:lnRef idx="0">
+              <a:schemeClr val="lt1">
+                <a:hueOff val="0"/>
+                <a:satOff val="0"/>
+                <a:lumOff val="0"/>
+                <a:alphaOff val="0"/>
+              </a:schemeClr>
+            </a:lnRef>
+            <a:fillRef idx="3">
+              <a:schemeClr val="accent6">
+                <a:shade val="50000"/>
+                <a:hueOff val="80829"/>
+                <a:satOff val="-12576"/>
+                <a:lumOff val="8878"/>
+                <a:alphaOff val="0"/>
+              </a:schemeClr>
+            </a:fillRef>
+            <a:effectRef idx="2">
+              <a:schemeClr val="accent6">
+                <a:shade val="50000"/>
+                <a:hueOff val="80829"/>
+                <a:satOff val="-12576"/>
+                <a:lumOff val="8878"/>
+                <a:alphaOff val="0"/>
+              </a:schemeClr>
+            </a:effectRef>
+            <a:fontRef idx="minor">
+              <a:schemeClr val="lt1"/>
+            </a:fontRef>
+          </p:style>
+        </p:sp>
+        <p:sp>
+          <p:nvSpPr>
+            <p:cNvPr id="6" name="Rounded Rectangle 4"/>
+            <p:cNvSpPr txBox="1"/>
+            <p:nvPr/>
+          </p:nvSpPr>
+          <p:spPr>
+            <a:xfrm>
+              <a:off x="7278563" y="3967482"/>
+              <a:ext cx="1663843" cy="974062"/>
+            </a:xfrm>
+            <a:prstGeom prst="rect">
+              <a:avLst/>
+            </a:prstGeom>
+            <a:sp3d/>
+          </p:spPr>
+          <p:style>
+            <a:lnRef idx="0">
+              <a:scrgbClr r="0" g="0" b="0"/>
+            </a:lnRef>
+            <a:fillRef idx="0">
+              <a:scrgbClr r="0" g="0" b="0"/>
+            </a:fillRef>
+            <a:effectRef idx="0">
+              <a:scrgbClr r="0" g="0" b="0"/>
+            </a:effectRef>
+            <a:fontRef idx="minor">
+              <a:schemeClr val="lt1"/>
+            </a:fontRef>
+          </p:style>
+          <p:txBody>
+            <a:bodyPr spcFirstLastPara="0" vert="horz" wrap="square" lIns="76200" tIns="76200" rIns="76200" bIns="76200" numCol="1" spcCol="1270" anchor="ctr" anchorCtr="0">
+              <a:noAutofit/>
+            </a:bodyPr>
+            <a:lstStyle/>
+            <a:p>
+              <a:pPr lvl="0" algn="ctr" defTabSz="889000">
+                <a:lnSpc>
+                  <a:spcPct val="90000"/>
+                </a:lnSpc>
+                <a:spcBef>
+                  <a:spcPct val="0"/>
+                </a:spcBef>
+                <a:spcAft>
+                  <a:spcPct val="35000"/>
+                </a:spcAft>
+              </a:pPr>
+              <a:r>
+                <a:rPr lang="en-US" sz="2000" kern="1200" dirty="0" smtClean="0"/>
+                <a:t>Lets </a:t>
+              </a:r>
+              <a:r>
+                <a:rPr lang="en-US" sz="2000" kern="1200" dirty="0" smtClean="0"/>
+                <a:t>go Live !!</a:t>
+              </a:r>
+              <a:endParaRPr lang="en-US" sz="2000" kern="1200" dirty="0"/>
+            </a:p>
+          </p:txBody>
+        </p:sp>
+      </p:grpSp>
+    </p:spTree>
+    <p:extLst>
+      <p:ext uri="{BB962C8B-B14F-4D97-AF65-F5344CB8AC3E}">
+        <p14:creationId xmlns:p14="http://schemas.microsoft.com/office/powerpoint/2010/main" val="2310028576"/>
       </p:ext>
     </p:extLst>
   </p:cSld>
@@ -14529,16 +18315,7 @@
                 </a:solidFill>
                 <a:latin typeface="Arial Rounded MT Bold" panose="020F0704030504030204" pitchFamily="34" charset="0"/>
               </a:rPr>
-              <a:t>SWE-OAWP : </a:t>
-            </a:r>
-            <a:r>
-              <a:rPr lang="en-US" sz="5400" dirty="0" smtClean="0">
-                <a:solidFill>
-                  <a:schemeClr val="bg1"/>
-                </a:solidFill>
-                <a:latin typeface="Arial Rounded MT Bold" panose="020F0704030504030204" pitchFamily="34" charset="0"/>
-              </a:rPr>
-              <a:t>Related </a:t>
+              <a:t>SWE-OAWP : Related </a:t>
             </a:r>
             <a:r>
               <a:rPr lang="en-US" sz="5400" dirty="0" smtClean="0">
@@ -14658,6 +18435,13 @@
   <p:clrMapOvr>
     <a:masterClrMapping/>
   </p:clrMapOvr>
+  <p:timing>
+    <p:tnLst>
+      <p:par>
+        <p:cTn id="1" dur="indefinite" restart="never" nodeType="tmRoot"/>
+      </p:par>
+    </p:tnLst>
+  </p:timing>
 </p:sld>
 </file>
 
@@ -14707,16 +18491,7 @@
                 </a:solidFill>
                 <a:latin typeface="Arial Rounded MT Bold" panose="020F0704030504030204" pitchFamily="34" charset="0"/>
               </a:rPr>
-              <a:t>SWE-OAWP : </a:t>
-            </a:r>
-            <a:r>
-              <a:rPr lang="en-US" sz="5400" dirty="0" smtClean="0">
-                <a:solidFill>
-                  <a:schemeClr val="bg1"/>
-                </a:solidFill>
-                <a:latin typeface="Arial Rounded MT Bold" panose="020F0704030504030204" pitchFamily="34" charset="0"/>
-              </a:rPr>
-              <a:t>Related </a:t>
+              <a:t>SWE-OAWP : Related </a:t>
             </a:r>
             <a:r>
               <a:rPr lang="en-US" sz="5400" dirty="0" smtClean="0">
@@ -14830,6 +18605,13 @@
   <p:clrMapOvr>
     <a:masterClrMapping/>
   </p:clrMapOvr>
+  <p:timing>
+    <p:tnLst>
+      <p:par>
+        <p:cTn id="1" dur="indefinite" restart="never" nodeType="tmRoot"/>
+      </p:par>
+    </p:tnLst>
+  </p:timing>
 </p:sld>
 </file>
 

--- a/Documentation/Master's Defense Presentation.pptx
+++ b/Documentation/Master's Defense Presentation.pptx
@@ -2054,10 +2054,24 @@
     <dgm:pt modelId="{A1846374-733E-4755-94E6-8D6AA7C26CCB}" type="pres">
       <dgm:prSet presAssocID="{28FD3D8D-53C3-4EF4-95A2-2A57C21C1A3F}" presName="sibTrans" presStyleLbl="sibTrans2D1" presStyleIdx="12" presStyleCnt="14"/>
       <dgm:spPr/>
+      <dgm:t>
+        <a:bodyPr/>
+        <a:lstStyle/>
+        <a:p>
+          <a:endParaRPr lang="en-US"/>
+        </a:p>
+      </dgm:t>
     </dgm:pt>
     <dgm:pt modelId="{D0037001-12A3-4C9F-A599-1B3BF6E2C905}" type="pres">
       <dgm:prSet presAssocID="{28FD3D8D-53C3-4EF4-95A2-2A57C21C1A3F}" presName="connectorText" presStyleLbl="sibTrans2D1" presStyleIdx="12" presStyleCnt="14"/>
       <dgm:spPr/>
+      <dgm:t>
+        <a:bodyPr/>
+        <a:lstStyle/>
+        <a:p>
+          <a:endParaRPr lang="en-US"/>
+        </a:p>
+      </dgm:t>
     </dgm:pt>
     <dgm:pt modelId="{9CE0DD54-39C2-4AAD-9435-83F0E6FD4AB8}" type="pres">
       <dgm:prSet presAssocID="{E48BA875-0344-4EDD-BF7E-F6C5905262D8}" presName="node" presStyleLbl="node1" presStyleIdx="13" presStyleCnt="15">
@@ -13438,16 +13452,7 @@
                 </a:solidFill>
                 <a:latin typeface="Arial Rounded MT Bold" panose="020F0704030504030204" pitchFamily="34" charset="0"/>
               </a:rPr>
-              <a:t>SWE-OAWP : </a:t>
-            </a:r>
-            <a:r>
-              <a:rPr lang="en-US" sz="5400" dirty="0" smtClean="0">
-                <a:solidFill>
-                  <a:schemeClr val="bg1"/>
-                </a:solidFill>
-                <a:latin typeface="Arial Rounded MT Bold" panose="020F0704030504030204" pitchFamily="34" charset="0"/>
-              </a:rPr>
-              <a:t>Te</a:t>
+              <a:t>SWE-OAWP : Te</a:t>
             </a:r>
             <a:r>
               <a:rPr lang="en-US" sz="5400" dirty="0" smtClean="0">
@@ -16273,16 +16278,7 @@
                 </a:solidFill>
                 <a:latin typeface="Arial Rounded MT Bold" panose="020F0704030504030204" pitchFamily="34" charset="0"/>
               </a:rPr>
-              <a:t>SWE-OAWP : </a:t>
-            </a:r>
-            <a:r>
-              <a:rPr lang="en-US" sz="5400" dirty="0" smtClean="0">
-                <a:solidFill>
-                  <a:schemeClr val="bg1"/>
-                </a:solidFill>
-                <a:latin typeface="Arial Rounded MT Bold" panose="020F0704030504030204" pitchFamily="34" charset="0"/>
-              </a:rPr>
-              <a:t>T</a:t>
+              <a:t>SWE-OAWP : T</a:t>
             </a:r>
             <a:r>
               <a:rPr lang="en-US" sz="5400" dirty="0" smtClean="0">
@@ -17397,52 +17393,129 @@
         </p:nvSpPr>
         <p:spPr>
           <a:xfrm>
-            <a:off x="856436" y="1582588"/>
-            <a:ext cx="7045583" cy="1477328"/>
+            <a:off x="341430" y="1897897"/>
+            <a:ext cx="10475433" cy="3170099"/>
           </a:xfrm>
           <a:prstGeom prst="rect">
             <a:avLst/>
           </a:prstGeom>
         </p:spPr>
         <p:txBody>
-          <a:bodyPr wrap="none">
+          <a:bodyPr wrap="square">
             <a:spAutoFit/>
           </a:bodyPr>
           <a:lstStyle/>
           <a:p>
             <a:r>
-              <a:rPr lang="en-US" b="1" dirty="0"/>
-              <a:t>FTC Fair Information </a:t>
+              <a:rPr lang="en-US" sz="4000" b="1" dirty="0" smtClean="0">
+                <a:latin typeface="Arial Narrow" panose="020B0606020202030204" pitchFamily="34" charset="0"/>
+                <a:cs typeface="Arial" panose="020B0604020202020204" pitchFamily="34" charset="0"/>
+              </a:rPr>
+              <a:t>FTC </a:t>
             </a:r>
             <a:r>
-              <a:rPr lang="en-US" b="1" dirty="0" smtClean="0"/>
+              <a:rPr lang="en-US" sz="4000" b="1" dirty="0">
+                <a:latin typeface="Arial Narrow" panose="020B0606020202030204" pitchFamily="34" charset="0"/>
+                <a:cs typeface="Arial" panose="020B0604020202020204" pitchFamily="34" charset="0"/>
+              </a:rPr>
+              <a:t>Fair Information </a:t>
+            </a:r>
+            <a:r>
+              <a:rPr lang="en-US" sz="4000" b="1" dirty="0" smtClean="0">
+                <a:latin typeface="Arial Narrow" panose="020B0606020202030204" pitchFamily="34" charset="0"/>
+                <a:cs typeface="Arial" panose="020B0604020202020204" pitchFamily="34" charset="0"/>
+              </a:rPr>
               <a:t>Practice</a:t>
             </a:r>
           </a:p>
           <a:p>
+            <a:pPr marL="457200" indent="-457200">
+              <a:buBlip>
+                <a:blip r:embed="rId2"/>
+              </a:buBlip>
+            </a:pPr>
             <a:r>
-              <a:rPr lang="en-US" b="1" dirty="0" smtClean="0"/>
-              <a:t>Awareness – </a:t>
+              <a:rPr lang="en-US" sz="3200" b="1" dirty="0" smtClean="0">
+                <a:latin typeface="Arial Narrow" panose="020B0606020202030204" pitchFamily="34" charset="0"/>
+                <a:cs typeface="Arial" panose="020B0604020202020204" pitchFamily="34" charset="0"/>
+              </a:rPr>
+              <a:t>Awareness – “Take Survey”   </a:t>
+            </a:r>
+            <a:endParaRPr lang="en-US" sz="3200" b="1" dirty="0" smtClean="0">
+              <a:latin typeface="Arial Narrow" panose="020B0606020202030204" pitchFamily="34" charset="0"/>
+              <a:cs typeface="Arial" panose="020B0604020202020204" pitchFamily="34" charset="0"/>
+            </a:endParaRPr>
+          </a:p>
+          <a:p>
+            <a:pPr marL="457200" indent="-457200">
+              <a:buBlip>
+                <a:blip r:embed="rId2"/>
+              </a:buBlip>
+            </a:pPr>
+            <a:r>
+              <a:rPr lang="en-US" sz="3200" b="1" dirty="0" smtClean="0">
+                <a:latin typeface="Arial Narrow" panose="020B0606020202030204" pitchFamily="34" charset="0"/>
+                <a:cs typeface="Arial" panose="020B0604020202020204" pitchFamily="34" charset="0"/>
+              </a:rPr>
+              <a:t>Consent – </a:t>
+            </a:r>
+            <a:r>
+              <a:rPr lang="en-US" sz="3200" b="1" dirty="0" smtClean="0">
+                <a:latin typeface="Arial Narrow" panose="020B0606020202030204" pitchFamily="34" charset="0"/>
+                <a:cs typeface="Arial" panose="020B0604020202020204" pitchFamily="34" charset="0"/>
+              </a:rPr>
+              <a:t>“Response Token”</a:t>
+            </a:r>
+            <a:r>
+              <a:rPr lang="en-US" sz="3200" b="1" dirty="0" smtClean="0">
+                <a:latin typeface="Arial Narrow" panose="020B0606020202030204" pitchFamily="34" charset="0"/>
+                <a:cs typeface="Arial" panose="020B0604020202020204" pitchFamily="34" charset="0"/>
+              </a:rPr>
+              <a:t> </a:t>
             </a:r>
           </a:p>
           <a:p>
+            <a:pPr marL="457200" indent="-457200">
+              <a:buBlip>
+                <a:blip r:embed="rId2"/>
+              </a:buBlip>
+            </a:pPr>
             <a:r>
-              <a:rPr lang="en-US" b="1" dirty="0" smtClean="0"/>
-              <a:t>Consent – No information passing to third parties. Consent of Survey.</a:t>
+              <a:rPr lang="en-US" sz="3200" b="1" dirty="0" smtClean="0">
+                <a:latin typeface="Arial Narrow" panose="020B0606020202030204" pitchFamily="34" charset="0"/>
+                <a:cs typeface="Arial" panose="020B0604020202020204" pitchFamily="34" charset="0"/>
+              </a:rPr>
+              <a:t>Choice – Unanswered Survey</a:t>
             </a:r>
+            <a:endParaRPr lang="en-US" sz="3200" b="1" dirty="0" smtClean="0">
+              <a:latin typeface="Arial Narrow" panose="020B0606020202030204" pitchFamily="34" charset="0"/>
+              <a:cs typeface="Arial" panose="020B0604020202020204" pitchFamily="34" charset="0"/>
+            </a:endParaRPr>
           </a:p>
           <a:p>
+            <a:pPr marL="457200" indent="-457200">
+              <a:buBlip>
+                <a:blip r:embed="rId2"/>
+              </a:buBlip>
+            </a:pPr>
             <a:r>
-              <a:rPr lang="en-US" b="1" dirty="0" smtClean="0"/>
-              <a:t>Information is secure – </a:t>
+              <a:rPr lang="en-US" sz="3200" b="1" dirty="0" smtClean="0">
+                <a:latin typeface="Arial Narrow" panose="020B0606020202030204" pitchFamily="34" charset="0"/>
+                <a:cs typeface="Arial" panose="020B0604020202020204" pitchFamily="34" charset="0"/>
+              </a:rPr>
+              <a:t>Information is </a:t>
             </a:r>
-          </a:p>
-          <a:p>
             <a:r>
-              <a:rPr lang="en-US" b="1" dirty="0" smtClean="0"/>
-              <a:t>Participation</a:t>
+              <a:rPr lang="en-US" sz="3200" b="1" dirty="0" smtClean="0">
+                <a:latin typeface="Arial Narrow" panose="020B0606020202030204" pitchFamily="34" charset="0"/>
+                <a:cs typeface="Arial" panose="020B0604020202020204" pitchFamily="34" charset="0"/>
+              </a:rPr>
+              <a:t>secure – Amazon Dynamo DB, Infographics, No Unique ID</a:t>
             </a:r>
-            <a:endParaRPr lang="en-US" b="1" dirty="0"/>
+            <a:endParaRPr lang="en-US" sz="3200" b="1" dirty="0" smtClean="0">
+              <a:latin typeface="Arial Narrow" panose="020B0606020202030204" pitchFamily="34" charset="0"/>
+              <a:cs typeface="Arial" panose="020B0604020202020204" pitchFamily="34" charset="0"/>
+            </a:endParaRPr>
           </a:p>
         </p:txBody>
       </p:sp>
@@ -17512,16 +17585,7 @@
                 </a:solidFill>
                 <a:latin typeface="Arial Rounded MT Bold" panose="020F0704030504030204" pitchFamily="34" charset="0"/>
               </a:rPr>
-              <a:t>SWE-OAWP : </a:t>
-            </a:r>
-            <a:r>
-              <a:rPr lang="en-US" sz="5400" dirty="0" smtClean="0">
-                <a:solidFill>
-                  <a:schemeClr val="bg1"/>
-                </a:solidFill>
-                <a:latin typeface="Arial Rounded MT Bold" panose="020F0704030504030204" pitchFamily="34" charset="0"/>
-              </a:rPr>
-              <a:t>What’s in Future </a:t>
+              <a:t>SWE-OAWP : What’s in Future </a:t>
             </a:r>
             <a:r>
               <a:rPr lang="en-US" sz="5400" dirty="0" smtClean="0">
@@ -17572,7 +17636,7 @@
               <a:rPr lang="en-US" sz="2400" b="1" dirty="0" smtClean="0">
                 <a:latin typeface="Arial Narrow" panose="020B0606020202030204" pitchFamily="34" charset="0"/>
               </a:rPr>
-              <a:t>Change Management Model </a:t>
+              <a:t> Change Management Model </a:t>
             </a:r>
             <a:r>
               <a:rPr lang="en-US" sz="2400" dirty="0" smtClean="0">
@@ -17596,7 +17660,7 @@
               <a:rPr lang="en-US" sz="2400" b="1" dirty="0" smtClean="0">
                 <a:latin typeface="Arial Narrow" panose="020B0606020202030204" pitchFamily="34" charset="0"/>
               </a:rPr>
-              <a:t>Paper Survey Generation </a:t>
+              <a:t> Paper Survey Generation </a:t>
             </a:r>
             <a:r>
               <a:rPr lang="en-US" sz="2400" dirty="0" smtClean="0">
@@ -17620,7 +17684,7 @@
               <a:rPr lang="en-US" sz="2400" b="1" dirty="0" smtClean="0">
                 <a:latin typeface="Arial Narrow" panose="020B0606020202030204" pitchFamily="34" charset="0"/>
               </a:rPr>
-              <a:t>Live</a:t>
+              <a:t> Live</a:t>
             </a:r>
             <a:r>
               <a:rPr lang="en-US" sz="2400" dirty="0" smtClean="0">
@@ -17644,7 +17708,7 @@
               <a:rPr lang="en-US" sz="2400" b="1" dirty="0" smtClean="0">
                 <a:latin typeface="Arial Narrow" panose="020B0606020202030204" pitchFamily="34" charset="0"/>
               </a:rPr>
-              <a:t>Collaborative graphs </a:t>
+              <a:t> Collaborative graphs </a:t>
             </a:r>
             <a:r>
               <a:rPr lang="en-US" sz="2400" dirty="0" smtClean="0">
@@ -17668,7 +17732,7 @@
               <a:rPr lang="en-US" sz="2400" b="1" dirty="0" smtClean="0">
                 <a:latin typeface="Arial Narrow" panose="020B0606020202030204" pitchFamily="34" charset="0"/>
               </a:rPr>
-              <a:t>UX/UI</a:t>
+              <a:t> UX/UI</a:t>
             </a:r>
             <a:r>
               <a:rPr lang="en-US" sz="2400" dirty="0" smtClean="0">
@@ -17692,7 +17756,7 @@
               <a:rPr lang="en-US" sz="2400" b="1" dirty="0" smtClean="0">
                 <a:latin typeface="Arial Narrow" panose="020B0606020202030204" pitchFamily="34" charset="0"/>
               </a:rPr>
-              <a:t>One click Link </a:t>
+              <a:t> One click Link </a:t>
             </a:r>
             <a:r>
               <a:rPr lang="en-US" sz="2400" dirty="0" smtClean="0">
@@ -17716,7 +17780,7 @@
               <a:rPr lang="en-US" sz="2400" b="1" dirty="0" smtClean="0">
                 <a:latin typeface="Arial Narrow" panose="020B0606020202030204" pitchFamily="34" charset="0"/>
               </a:rPr>
-              <a:t>International Level Members </a:t>
+              <a:t> International Level Members </a:t>
             </a:r>
             <a:r>
               <a:rPr lang="en-US" sz="2400" dirty="0" smtClean="0">
@@ -17813,16 +17877,7 @@
                 </a:solidFill>
                 <a:latin typeface="Arial Rounded MT Bold" panose="020F0704030504030204" pitchFamily="34" charset="0"/>
               </a:rPr>
-              <a:t>SWE-OAWP </a:t>
-            </a:r>
-            <a:r>
-              <a:rPr lang="en-US" sz="5400" dirty="0" smtClean="0">
-                <a:solidFill>
-                  <a:schemeClr val="bg1"/>
-                </a:solidFill>
-                <a:latin typeface="Arial Rounded MT Bold" panose="020F0704030504030204" pitchFamily="34" charset="0"/>
-              </a:rPr>
-              <a:t>:</a:t>
+              <a:t>SWE-OAWP :</a:t>
             </a:r>
             <a:r>
               <a:rPr lang="en-US" sz="5400" dirty="0" smtClean="0">
@@ -17961,14 +18016,26 @@
                 </a:spcAft>
               </a:pPr>
               <a:r>
-                <a:rPr lang="en-US" sz="2000" kern="1200" dirty="0" smtClean="0"/>
-                <a:t>Lets </a:t>
+                <a:rPr lang="en-US" sz="4400" kern="1200" dirty="0" smtClean="0">
+                  <a:latin typeface="Arial Rounded MT Bold" panose="020F0704030504030204" pitchFamily="34" charset="0"/>
+                </a:rPr>
+                <a:t>Lets go Live </a:t>
               </a:r>
               <a:r>
-                <a:rPr lang="en-US" sz="2000" kern="1200" dirty="0" smtClean="0"/>
-                <a:t>go Live !!</a:t>
+                <a:rPr lang="en-US" sz="4400" kern="1200" dirty="0" smtClean="0">
+                  <a:solidFill>
+                    <a:srgbClr val="FF0000"/>
+                  </a:solidFill>
+                  <a:latin typeface="Arial Rounded MT Bold" panose="020F0704030504030204" pitchFamily="34" charset="0"/>
+                </a:rPr>
+                <a:t>!!</a:t>
               </a:r>
-              <a:endParaRPr lang="en-US" sz="2000" kern="1200" dirty="0"/>
+              <a:endParaRPr lang="en-US" sz="4400" kern="1200" dirty="0">
+                <a:solidFill>
+                  <a:srgbClr val="FF0000"/>
+                </a:solidFill>
+                <a:latin typeface="Arial Rounded MT Bold" panose="020F0704030504030204" pitchFamily="34" charset="0"/>
+              </a:endParaRPr>
             </a:p>
           </p:txBody>
         </p:sp>
@@ -17986,7 +18053,90 @@
   <p:timing>
     <p:tnLst>
       <p:par>
-        <p:cTn id="1" dur="indefinite" restart="never" nodeType="tmRoot"/>
+        <p:cTn id="1" dur="indefinite" restart="never" nodeType="tmRoot">
+          <p:childTnLst>
+            <p:seq concurrent="1" nextAc="seek">
+              <p:cTn id="2" dur="indefinite" nodeType="mainSeq">
+                <p:childTnLst>
+                  <p:par>
+                    <p:cTn id="3" fill="hold">
+                      <p:stCondLst>
+                        <p:cond delay="indefinite"/>
+                        <p:cond evt="onBegin" delay="0">
+                          <p:tn val="2"/>
+                        </p:cond>
+                      </p:stCondLst>
+                      <p:childTnLst>
+                        <p:par>
+                          <p:cTn id="4" fill="hold">
+                            <p:stCondLst>
+                              <p:cond delay="0"/>
+                            </p:stCondLst>
+                            <p:childTnLst>
+                              <p:par>
+                                <p:cTn id="5" presetID="35" presetClass="emph" presetSubtype="0" repeatCount="indefinite" fill="hold" nodeType="afterEffect">
+                                  <p:stCondLst>
+                                    <p:cond delay="0"/>
+                                  </p:stCondLst>
+                                  <p:endCondLst>
+                                    <p:cond evt="onNext" delay="0">
+                                      <p:tgtEl>
+                                        <p:sldTgt/>
+                                      </p:tgtEl>
+                                    </p:cond>
+                                  </p:endCondLst>
+                                  <p:childTnLst>
+                                    <p:anim calcmode="discrete" valueType="str">
+                                      <p:cBhvr>
+                                        <p:cTn id="6" dur="1000" fill="hold"/>
+                                        <p:tgtEl>
+                                          <p:spTgt spid="3"/>
+                                        </p:tgtEl>
+                                        <p:attrNameLst>
+                                          <p:attrName>style.visibility</p:attrName>
+                                        </p:attrNameLst>
+                                      </p:cBhvr>
+                                      <p:tavLst>
+                                        <p:tav tm="0">
+                                          <p:val>
+                                            <p:strVal val="hidden"/>
+                                          </p:val>
+                                        </p:tav>
+                                        <p:tav tm="50000">
+                                          <p:val>
+                                            <p:strVal val="visible"/>
+                                          </p:val>
+                                        </p:tav>
+                                      </p:tavLst>
+                                    </p:anim>
+                                  </p:childTnLst>
+                                </p:cTn>
+                              </p:par>
+                            </p:childTnLst>
+                          </p:cTn>
+                        </p:par>
+                      </p:childTnLst>
+                    </p:cTn>
+                  </p:par>
+                </p:childTnLst>
+              </p:cTn>
+              <p:prevCondLst>
+                <p:cond evt="onPrev" delay="0">
+                  <p:tgtEl>
+                    <p:sldTgt/>
+                  </p:tgtEl>
+                </p:cond>
+              </p:prevCondLst>
+              <p:nextCondLst>
+                <p:cond evt="onNext" delay="0">
+                  <p:tgtEl>
+                    <p:sldTgt/>
+                  </p:tgtEl>
+                </p:cond>
+              </p:nextCondLst>
+            </p:seq>
+          </p:childTnLst>
+        </p:cTn>
       </p:par>
     </p:tnLst>
   </p:timing>
